--- a/Hospital Magement (1).pptx
+++ b/Hospital Magement (1).pptx
@@ -2,7 +2,7 @@
 <file path=ppt/presentation.xml><?xml version="1.0" encoding="utf-8"?>
 <p:presentation xmlns:a="http://schemas.openxmlformats.org/drawingml/2006/main" xmlns:r="http://schemas.openxmlformats.org/officeDocument/2006/relationships" xmlns:p="http://schemas.openxmlformats.org/presentationml/2006/main" removePersonalInfoOnSave="1" saveSubsetFonts="1">
   <p:sldMasterIdLst>
-    <p:sldMasterId id="2147483778" r:id="rId4"/>
+    <p:sldMasterId id="2147484119" r:id="rId4"/>
   </p:sldMasterIdLst>
   <p:notesMasterIdLst>
     <p:notesMasterId r:id="rId13"/>
@@ -1183,7 +1183,7 @@
             <a:alphaOff val="0"/>
           </a:schemeClr>
         </a:solidFill>
-        <a:ln w="15875" cap="rnd" cmpd="sng" algn="ctr">
+        <a:ln w="15875" cap="flat" cmpd="sng" algn="ctr">
           <a:solidFill>
             <a:schemeClr val="accent1">
               <a:hueOff val="0"/>
@@ -1230,7 +1230,7 @@
             <a:alphaOff val="0"/>
           </a:schemeClr>
         </a:solidFill>
-        <a:ln w="15875" cap="rnd" cmpd="sng" algn="ctr">
+        <a:ln w="15875" cap="flat" cmpd="sng" algn="ctr">
           <a:solidFill>
             <a:schemeClr val="lt1">
               <a:hueOff val="0"/>
@@ -1308,7 +1308,7 @@
             <a:alphaOff val="0"/>
           </a:schemeClr>
         </a:solidFill>
-        <a:ln w="15875" cap="rnd" cmpd="sng" algn="ctr">
+        <a:ln w="15875" cap="flat" cmpd="sng" algn="ctr">
           <a:solidFill>
             <a:schemeClr val="accent1">
               <a:hueOff val="0"/>
@@ -1355,7 +1355,7 @@
             <a:alphaOff val="0"/>
           </a:schemeClr>
         </a:solidFill>
-        <a:ln w="15875" cap="rnd" cmpd="sng" algn="ctr">
+        <a:ln w="15875" cap="flat" cmpd="sng" algn="ctr">
           <a:solidFill>
             <a:schemeClr val="lt1">
               <a:hueOff val="0"/>
@@ -1433,7 +1433,7 @@
             <a:alphaOff val="0"/>
           </a:schemeClr>
         </a:solidFill>
-        <a:ln w="15875" cap="rnd" cmpd="sng" algn="ctr">
+        <a:ln w="15875" cap="flat" cmpd="sng" algn="ctr">
           <a:solidFill>
             <a:schemeClr val="accent1">
               <a:hueOff val="0"/>
@@ -1480,7 +1480,7 @@
             <a:alphaOff val="0"/>
           </a:schemeClr>
         </a:solidFill>
-        <a:ln w="15875" cap="rnd" cmpd="sng" algn="ctr">
+        <a:ln w="15875" cap="flat" cmpd="sng" algn="ctr">
           <a:solidFill>
             <a:schemeClr val="lt1">
               <a:hueOff val="0"/>
@@ -2883,7 +2883,7 @@
             <a:pPr algn="r" rtl="0"/>
             <a:fld id="{C57DE37D-B738-4817-B751-0C1B86D8B665}" type="datetime1">
               <a:rPr lang="es-ES" smtClean="0"/>
-              <a:t>15/02/2018</a:t>
+              <a:t>16/02/2018</a:t>
             </a:fld>
             <a:endParaRPr dirty="0"/>
           </a:p>
@@ -3053,7 +3053,7 @@
             <a:fld id="{17BB30D9-D505-4352-B274-A1AB529BC646}" type="datetime1">
               <a:rPr lang="es-ES" smtClean="0"/>
               <a:pPr/>
-              <a:t>15/02/2018</a:t>
+              <a:t>16/02/2018</a:t>
             </a:fld>
             <a:endParaRPr lang="es-ES" dirty="0"/>
           </a:p>
@@ -3409,7 +3409,7 @@
 </file>
 
 <file path=ppt/slideLayouts/slideLayout1.xml><?xml version="1.0" encoding="utf-8"?>
-<p:sldLayout xmlns:a="http://schemas.openxmlformats.org/drawingml/2006/main" xmlns:r="http://schemas.openxmlformats.org/officeDocument/2006/relationships" xmlns:p="http://schemas.openxmlformats.org/presentationml/2006/main" type="title" preserve="1">
+<p:sldLayout xmlns:a="http://schemas.openxmlformats.org/drawingml/2006/main" xmlns:r="http://schemas.openxmlformats.org/officeDocument/2006/relationships" xmlns:p="http://schemas.openxmlformats.org/presentationml/2006/main" showMasterSp="0" type="title" preserve="1">
   <p:cSld name="Diapositiva de título">
     <p:spTree>
       <p:nvGrpSpPr>
@@ -3427,6 +3427,82 @@
       </p:grpSpPr>
       <p:sp>
         <p:nvSpPr>
+          <p:cNvPr id="7" name="Rectangle 6"/>
+          <p:cNvSpPr/>
+          <p:nvPr/>
+        </p:nvSpPr>
+        <p:spPr>
+          <a:xfrm>
+            <a:off x="3175" y="6400800"/>
+            <a:ext cx="12188825" cy="457200"/>
+          </a:xfrm>
+          <a:prstGeom prst="rect">
+            <a:avLst/>
+          </a:prstGeom>
+          <a:solidFill>
+            <a:schemeClr val="accent2"/>
+          </a:solidFill>
+          <a:ln>
+            <a:noFill/>
+          </a:ln>
+        </p:spPr>
+        <p:style>
+          <a:lnRef idx="2">
+            <a:schemeClr val="accent1">
+              <a:shade val="50000"/>
+            </a:schemeClr>
+          </a:lnRef>
+          <a:fillRef idx="1">
+            <a:schemeClr val="accent1"/>
+          </a:fillRef>
+          <a:effectRef idx="0">
+            <a:schemeClr val="accent1"/>
+          </a:effectRef>
+          <a:fontRef idx="minor">
+            <a:schemeClr val="lt1"/>
+          </a:fontRef>
+        </p:style>
+      </p:sp>
+      <p:sp>
+        <p:nvSpPr>
+          <p:cNvPr id="8" name="Rectangle 7"/>
+          <p:cNvSpPr/>
+          <p:nvPr/>
+        </p:nvSpPr>
+        <p:spPr>
+          <a:xfrm>
+            <a:off x="15" y="6334316"/>
+            <a:ext cx="12188825" cy="64008"/>
+          </a:xfrm>
+          <a:prstGeom prst="rect">
+            <a:avLst/>
+          </a:prstGeom>
+          <a:solidFill>
+            <a:schemeClr val="accent1"/>
+          </a:solidFill>
+          <a:ln>
+            <a:noFill/>
+          </a:ln>
+        </p:spPr>
+        <p:style>
+          <a:lnRef idx="2">
+            <a:schemeClr val="accent1">
+              <a:shade val="50000"/>
+            </a:schemeClr>
+          </a:lnRef>
+          <a:fillRef idx="1">
+            <a:schemeClr val="accent1"/>
+          </a:fillRef>
+          <a:effectRef idx="0">
+            <a:schemeClr val="accent1"/>
+          </a:effectRef>
+          <a:fontRef idx="minor">
+            <a:schemeClr val="lt1"/>
+          </a:fontRef>
+        </p:style>
+      </p:sp>
+      <p:sp>
+        <p:nvSpPr>
           <p:cNvPr id="2" name="Title 1"/>
           <p:cNvSpPr>
             <a:spLocks noGrp="1"/>
@@ -3437,8 +3513,8 @@
         </p:nvSpPr>
         <p:spPr>
           <a:xfrm>
-            <a:off x="2589213" y="2514600"/>
-            <a:ext cx="8915399" cy="2262781"/>
+            <a:off x="1097280" y="758952"/>
+            <a:ext cx="10058400" cy="3566160"/>
           </a:xfrm>
         </p:spPr>
         <p:txBody>
@@ -3446,13 +3522,23 @@
             <a:normAutofit/>
           </a:bodyPr>
           <a:lstStyle>
-            <a:lvl1pPr>
-              <a:defRPr sz="5400"/>
+            <a:lvl1pPr algn="l">
+              <a:lnSpc>
+                <a:spcPct val="85000"/>
+              </a:lnSpc>
+              <a:defRPr sz="8000" spc="-50" baseline="0">
+                <a:solidFill>
+                  <a:schemeClr val="tx1">
+                    <a:lumMod val="85000"/>
+                    <a:lumOff val="15000"/>
+                  </a:schemeClr>
+                </a:solidFill>
+              </a:defRPr>
             </a:lvl1pPr>
           </a:lstStyle>
           <a:p>
             <a:r>
-              <a:rPr lang="es-ES_tradnl"/>
+              <a:rPr lang="es-ES"/>
               <a:t>Haga clic para modificar el estilo de título del patrón</a:t>
             </a:r>
             <a:endParaRPr lang="en-US" dirty="0"/>
@@ -3471,108 +3557,60 @@
         </p:nvSpPr>
         <p:spPr>
           <a:xfrm>
-            <a:off x="2589213" y="4777379"/>
-            <a:ext cx="8915399" cy="1126283"/>
+            <a:off x="1100051" y="4455621"/>
+            <a:ext cx="10058400" cy="1143000"/>
           </a:xfrm>
         </p:spPr>
         <p:txBody>
-          <a:bodyPr anchor="t"/>
+          <a:bodyPr lIns="91440" rIns="91440">
+            <a:normAutofit/>
+          </a:bodyPr>
           <a:lstStyle>
             <a:lvl1pPr marL="0" indent="0" algn="l">
               <a:buNone/>
-              <a:defRPr>
+              <a:defRPr sz="2400" cap="all" spc="200" baseline="0">
                 <a:solidFill>
-                  <a:schemeClr val="tx1">
-                    <a:lumMod val="65000"/>
-                    <a:lumOff val="35000"/>
-                  </a:schemeClr>
+                  <a:schemeClr val="tx2"/>
                 </a:solidFill>
+                <a:latin typeface="+mj-lt"/>
               </a:defRPr>
             </a:lvl1pPr>
             <a:lvl2pPr marL="457200" indent="0" algn="ctr">
               <a:buNone/>
-              <a:defRPr>
-                <a:solidFill>
-                  <a:schemeClr val="tx1">
-                    <a:tint val="75000"/>
-                  </a:schemeClr>
-                </a:solidFill>
-              </a:defRPr>
+              <a:defRPr sz="2400"/>
             </a:lvl2pPr>
             <a:lvl3pPr marL="914400" indent="0" algn="ctr">
               <a:buNone/>
-              <a:defRPr>
-                <a:solidFill>
-                  <a:schemeClr val="tx1">
-                    <a:tint val="75000"/>
-                  </a:schemeClr>
-                </a:solidFill>
-              </a:defRPr>
+              <a:defRPr sz="2400"/>
             </a:lvl3pPr>
             <a:lvl4pPr marL="1371600" indent="0" algn="ctr">
               <a:buNone/>
-              <a:defRPr>
-                <a:solidFill>
-                  <a:schemeClr val="tx1">
-                    <a:tint val="75000"/>
-                  </a:schemeClr>
-                </a:solidFill>
-              </a:defRPr>
+              <a:defRPr sz="2000"/>
             </a:lvl4pPr>
             <a:lvl5pPr marL="1828800" indent="0" algn="ctr">
               <a:buNone/>
-              <a:defRPr>
-                <a:solidFill>
-                  <a:schemeClr val="tx1">
-                    <a:tint val="75000"/>
-                  </a:schemeClr>
-                </a:solidFill>
-              </a:defRPr>
+              <a:defRPr sz="2000"/>
             </a:lvl5pPr>
             <a:lvl6pPr marL="2286000" indent="0" algn="ctr">
               <a:buNone/>
-              <a:defRPr>
-                <a:solidFill>
-                  <a:schemeClr val="tx1">
-                    <a:tint val="75000"/>
-                  </a:schemeClr>
-                </a:solidFill>
-              </a:defRPr>
+              <a:defRPr sz="2000"/>
             </a:lvl6pPr>
             <a:lvl7pPr marL="2743200" indent="0" algn="ctr">
               <a:buNone/>
-              <a:defRPr>
-                <a:solidFill>
-                  <a:schemeClr val="tx1">
-                    <a:tint val="75000"/>
-                  </a:schemeClr>
-                </a:solidFill>
-              </a:defRPr>
+              <a:defRPr sz="2000"/>
             </a:lvl7pPr>
             <a:lvl8pPr marL="3200400" indent="0" algn="ctr">
               <a:buNone/>
-              <a:defRPr>
-                <a:solidFill>
-                  <a:schemeClr val="tx1">
-                    <a:tint val="75000"/>
-                  </a:schemeClr>
-                </a:solidFill>
-              </a:defRPr>
+              <a:defRPr sz="2000"/>
             </a:lvl8pPr>
             <a:lvl9pPr marL="3657600" indent="0" algn="ctr">
               <a:buNone/>
-              <a:defRPr>
-                <a:solidFill>
-                  <a:schemeClr val="tx1">
-                    <a:tint val="75000"/>
-                  </a:schemeClr>
-                </a:solidFill>
-              </a:defRPr>
+              <a:defRPr sz="2000"/>
             </a:lvl9pPr>
           </a:lstStyle>
           <a:p>
             <a:r>
-              <a:rPr lang="es-ES_tradnl"/>
+              <a:rPr lang="es-ES"/>
               <a:t>Haga clic para modificar el estilo de subtítulo del patrón</a:t>
             </a:r>
             <a:endParaRPr lang="en-US" dirty="0"/>
@@ -3597,7 +3635,7 @@
             <a:fld id="{B61BEF0D-F0BB-DE4B-95CE-6DB70DBA9567}" type="datetimeFigureOut">
               <a:rPr lang="en-US" smtClean="0"/>
               <a:pPr/>
-              <a:t>2/15/2018</a:t>
+              <a:t>2/16/2018</a:t>
             </a:fld>
             <a:endParaRPr lang="en-US" dirty="0"/>
           </a:p>
@@ -3624,88 +3662,6 @@
       </p:sp>
       <p:sp>
         <p:nvSpPr>
-          <p:cNvPr id="7" name="Freeform 6"/>
-          <p:cNvSpPr/>
-          <p:nvPr/>
-        </p:nvSpPr>
-        <p:spPr bwMode="auto">
-          <a:xfrm>
-            <a:off x="0" y="4323810"/>
-            <a:ext cx="1744652" cy="778589"/>
-          </a:xfrm>
-          <a:custGeom>
-            <a:avLst/>
-            <a:gdLst/>
-            <a:ahLst/>
-            <a:cxnLst/>
-            <a:rect l="0" t="0" r="r" b="b"/>
-            <a:pathLst>
-              <a:path w="372" h="166">
-                <a:moveTo>
-                  <a:pt x="287" y="166"/>
-                </a:moveTo>
-                <a:cubicBezTo>
-                  <a:pt x="290" y="166"/>
-                  <a:pt x="292" y="165"/>
-                  <a:pt x="293" y="164"/>
-                </a:cubicBezTo>
-                <a:cubicBezTo>
-                  <a:pt x="293" y="163"/>
-                  <a:pt x="294" y="163"/>
-                  <a:pt x="294" y="163"/>
-                </a:cubicBezTo>
-                <a:cubicBezTo>
-                  <a:pt x="370" y="87"/>
-                  <a:pt x="370" y="87"/>
-                  <a:pt x="370" y="87"/>
-                </a:cubicBezTo>
-                <a:cubicBezTo>
-                  <a:pt x="372" y="85"/>
-                  <a:pt x="372" y="81"/>
-                  <a:pt x="370" y="78"/>
-                </a:cubicBezTo>
-                <a:cubicBezTo>
-                  <a:pt x="294" y="3"/>
-                  <a:pt x="294" y="3"/>
-                  <a:pt x="294" y="3"/>
-                </a:cubicBezTo>
-                <a:cubicBezTo>
-                  <a:pt x="294" y="2"/>
-                  <a:pt x="293" y="2"/>
-                  <a:pt x="293" y="2"/>
-                </a:cubicBezTo>
-                <a:cubicBezTo>
-                  <a:pt x="292" y="1"/>
-                  <a:pt x="290" y="0"/>
-                  <a:pt x="287" y="0"/>
-                </a:cubicBezTo>
-                <a:cubicBezTo>
-                  <a:pt x="0" y="0"/>
-                  <a:pt x="0" y="0"/>
-                  <a:pt x="0" y="0"/>
-                </a:cubicBezTo>
-                <a:cubicBezTo>
-                  <a:pt x="0" y="166"/>
-                  <a:pt x="0" y="166"/>
-                  <a:pt x="0" y="166"/>
-                </a:cubicBezTo>
-                <a:lnTo>
-                  <a:pt x="287" y="166"/>
-                </a:lnTo>
-                <a:close/>
-              </a:path>
-            </a:pathLst>
-          </a:custGeom>
-          <a:solidFill>
-            <a:schemeClr val="accent1"/>
-          </a:solidFill>
-          <a:ln>
-            <a:noFill/>
-          </a:ln>
-        </p:spPr>
-      </p:sp>
-      <p:sp>
-        <p:nvSpPr>
           <p:cNvPr id="6" name="Slide Number Placeholder 5"/>
           <p:cNvSpPr>
             <a:spLocks noGrp="1"/>
@@ -3714,12 +3670,7 @@
             <p:ph type="sldNum" sz="quarter" idx="12"/>
           </p:nvPr>
         </p:nvSpPr>
-        <p:spPr>
-          <a:xfrm>
-            <a:off x="531812" y="4529540"/>
-            <a:ext cx="779767" cy="365125"/>
-          </a:xfrm>
-        </p:spPr>
+        <p:spPr/>
         <p:txBody>
           <a:bodyPr/>
           <a:lstStyle/>
@@ -3733,12 +3684,50 @@
           </a:p>
         </p:txBody>
       </p:sp>
+      <p:cxnSp>
+        <p:nvCxnSpPr>
+          <p:cNvPr id="9" name="Straight Connector 8"/>
+          <p:cNvCxnSpPr/>
+          <p:nvPr/>
+        </p:nvCxnSpPr>
+        <p:spPr>
+          <a:xfrm>
+            <a:off x="1207658" y="4343400"/>
+            <a:ext cx="9875520" cy="0"/>
+          </a:xfrm>
+          <a:prstGeom prst="line">
+            <a:avLst/>
+          </a:prstGeom>
+          <a:ln w="6350">
+            <a:solidFill>
+              <a:schemeClr val="tx1">
+                <a:lumMod val="50000"/>
+                <a:lumOff val="50000"/>
+              </a:schemeClr>
+            </a:solidFill>
+          </a:ln>
+        </p:spPr>
+        <p:style>
+          <a:lnRef idx="1">
+            <a:schemeClr val="accent1"/>
+          </a:lnRef>
+          <a:fillRef idx="0">
+            <a:schemeClr val="accent1"/>
+          </a:fillRef>
+          <a:effectRef idx="0">
+            <a:schemeClr val="accent1"/>
+          </a:effectRef>
+          <a:fontRef idx="minor">
+            <a:schemeClr val="tx1"/>
+          </a:fontRef>
+        </p:style>
+      </p:cxnSp>
       <p:sp>
         <p:nvSpPr>
-          <p:cNvPr id="8" name="Rectángulo 7">
+          <p:cNvPr id="10" name="Rectángulo 9">
             <a:extLst>
               <a:ext uri="{FF2B5EF4-FFF2-40B4-BE49-F238E27FC236}">
-                <a16:creationId xmlns:a16="http://schemas.microsoft.com/office/drawing/2014/main" id="{16027F3C-9C3E-464A-968F-0216CAD0D6E5}"/>
+                <a16:creationId xmlns:a16="http://schemas.microsoft.com/office/drawing/2014/main" id="{E2975ABA-9180-434B-B152-0C0C866F5B6D}"/>
               </a:ext>
             </a:extLst>
           </p:cNvPr>
@@ -3791,10 +3780,10 @@
       </p:sp>
       <p:sp>
         <p:nvSpPr>
-          <p:cNvPr id="9" name="Rectángulo 8">
+          <p:cNvPr id="11" name="Rectángulo 10">
             <a:extLst>
               <a:ext uri="{FF2B5EF4-FFF2-40B4-BE49-F238E27FC236}">
-                <a16:creationId xmlns:a16="http://schemas.microsoft.com/office/drawing/2014/main" id="{A47BA14E-94C9-45C0-8B19-9E8975D92C14}"/>
+                <a16:creationId xmlns:a16="http://schemas.microsoft.com/office/drawing/2014/main" id="{C4FF2603-0FC3-49D1-9E26-79007198E044}"/>
               </a:ext>
             </a:extLst>
           </p:cNvPr>
@@ -3842,6 +3831,11 @@
         </p:txBody>
       </p:sp>
     </p:spTree>
+    <p:extLst>
+      <p:ext uri="{BB962C8B-B14F-4D97-AF65-F5344CB8AC3E}">
+        <p14:creationId xmlns:p14="http://schemas.microsoft.com/office/powerpoint/2010/main" val="1725148842"/>
+      </p:ext>
+    </p:extLst>
   </p:cSld>
   <p:clrMapOvr>
     <a:masterClrMapping/>
@@ -3850,1792 +3844,6 @@
 </file>
 
 <file path=ppt/slideLayouts/slideLayout10.xml><?xml version="1.0" encoding="utf-8"?>
-<p:sldLayout xmlns:a="http://schemas.openxmlformats.org/drawingml/2006/main" xmlns:r="http://schemas.openxmlformats.org/officeDocument/2006/relationships" xmlns:p="http://schemas.openxmlformats.org/presentationml/2006/main" preserve="1">
-  <p:cSld name="Título y descripción">
-    <p:spTree>
-      <p:nvGrpSpPr>
-        <p:cNvPr id="1" name=""/>
-        <p:cNvGrpSpPr/>
-        <p:nvPr/>
-      </p:nvGrpSpPr>
-      <p:grpSpPr>
-        <a:xfrm>
-          <a:off x="0" y="0"/>
-          <a:ext cx="0" cy="0"/>
-          <a:chOff x="0" y="0"/>
-          <a:chExt cx="0" cy="0"/>
-        </a:xfrm>
-      </p:grpSpPr>
-      <p:sp>
-        <p:nvSpPr>
-          <p:cNvPr id="2" name="Title 1"/>
-          <p:cNvSpPr>
-            <a:spLocks noGrp="1"/>
-          </p:cNvSpPr>
-          <p:nvPr>
-            <p:ph type="title"/>
-          </p:nvPr>
-        </p:nvSpPr>
-        <p:spPr>
-          <a:xfrm>
-            <a:off x="2589212" y="609600"/>
-            <a:ext cx="8915399" cy="3117040"/>
-          </a:xfrm>
-        </p:spPr>
-        <p:txBody>
-          <a:bodyPr anchor="ctr">
-            <a:normAutofit/>
-          </a:bodyPr>
-          <a:lstStyle>
-            <a:lvl1pPr algn="l">
-              <a:defRPr sz="4800" b="0" cap="none"/>
-            </a:lvl1pPr>
-          </a:lstStyle>
-          <a:p>
-            <a:r>
-              <a:rPr lang="es-ES_tradnl"/>
-              <a:t>Haga clic para modificar el estilo de título del patrón</a:t>
-            </a:r>
-            <a:endParaRPr lang="en-US" dirty="0"/>
-          </a:p>
-        </p:txBody>
-      </p:sp>
-      <p:sp>
-        <p:nvSpPr>
-          <p:cNvPr id="3" name="Text Placeholder 2"/>
-          <p:cNvSpPr>
-            <a:spLocks noGrp="1"/>
-          </p:cNvSpPr>
-          <p:nvPr>
-            <p:ph type="body" idx="1"/>
-          </p:nvPr>
-        </p:nvSpPr>
-        <p:spPr>
-          <a:xfrm>
-            <a:off x="2589212" y="4354046"/>
-            <a:ext cx="8915399" cy="1555864"/>
-          </a:xfrm>
-        </p:spPr>
-        <p:txBody>
-          <a:bodyPr anchor="ctr">
-            <a:normAutofit/>
-          </a:bodyPr>
-          <a:lstStyle>
-            <a:lvl1pPr marL="0" indent="0" algn="l">
-              <a:buNone/>
-              <a:defRPr sz="1800">
-                <a:solidFill>
-                  <a:schemeClr val="tx1">
-                    <a:lumMod val="65000"/>
-                    <a:lumOff val="35000"/>
-                  </a:schemeClr>
-                </a:solidFill>
-              </a:defRPr>
-            </a:lvl1pPr>
-            <a:lvl2pPr marL="457200" indent="0">
-              <a:buNone/>
-              <a:defRPr sz="1800">
-                <a:solidFill>
-                  <a:schemeClr val="tx1">
-                    <a:tint val="75000"/>
-                  </a:schemeClr>
-                </a:solidFill>
-              </a:defRPr>
-            </a:lvl2pPr>
-            <a:lvl3pPr marL="914400" indent="0">
-              <a:buNone/>
-              <a:defRPr sz="1600">
-                <a:solidFill>
-                  <a:schemeClr val="tx1">
-                    <a:tint val="75000"/>
-                  </a:schemeClr>
-                </a:solidFill>
-              </a:defRPr>
-            </a:lvl3pPr>
-            <a:lvl4pPr marL="1371600" indent="0">
-              <a:buNone/>
-              <a:defRPr sz="1400">
-                <a:solidFill>
-                  <a:schemeClr val="tx1">
-                    <a:tint val="75000"/>
-                  </a:schemeClr>
-                </a:solidFill>
-              </a:defRPr>
-            </a:lvl4pPr>
-            <a:lvl5pPr marL="1828800" indent="0">
-              <a:buNone/>
-              <a:defRPr sz="1400">
-                <a:solidFill>
-                  <a:schemeClr val="tx1">
-                    <a:tint val="75000"/>
-                  </a:schemeClr>
-                </a:solidFill>
-              </a:defRPr>
-            </a:lvl5pPr>
-            <a:lvl6pPr marL="2286000" indent="0">
-              <a:buNone/>
-              <a:defRPr sz="1400">
-                <a:solidFill>
-                  <a:schemeClr val="tx1">
-                    <a:tint val="75000"/>
-                  </a:schemeClr>
-                </a:solidFill>
-              </a:defRPr>
-            </a:lvl6pPr>
-            <a:lvl7pPr marL="2743200" indent="0">
-              <a:buNone/>
-              <a:defRPr sz="1400">
-                <a:solidFill>
-                  <a:schemeClr val="tx1">
-                    <a:tint val="75000"/>
-                  </a:schemeClr>
-                </a:solidFill>
-              </a:defRPr>
-            </a:lvl7pPr>
-            <a:lvl8pPr marL="3200400" indent="0">
-              <a:buNone/>
-              <a:defRPr sz="1400">
-                <a:solidFill>
-                  <a:schemeClr val="tx1">
-                    <a:tint val="75000"/>
-                  </a:schemeClr>
-                </a:solidFill>
-              </a:defRPr>
-            </a:lvl8pPr>
-            <a:lvl9pPr marL="3657600" indent="0">
-              <a:buNone/>
-              <a:defRPr sz="1400">
-                <a:solidFill>
-                  <a:schemeClr val="tx1">
-                    <a:tint val="75000"/>
-                  </a:schemeClr>
-                </a:solidFill>
-              </a:defRPr>
-            </a:lvl9pPr>
-          </a:lstStyle>
-          <a:p>
-            <a:pPr lvl="0"/>
-            <a:r>
-              <a:rPr lang="es-ES_tradnl"/>
-              <a:t>Haga clic para modificar los estilos de texto del patrón</a:t>
-            </a:r>
-          </a:p>
-        </p:txBody>
-      </p:sp>
-      <p:sp>
-        <p:nvSpPr>
-          <p:cNvPr id="4" name="Date Placeholder 3"/>
-          <p:cNvSpPr>
-            <a:spLocks noGrp="1"/>
-          </p:cNvSpPr>
-          <p:nvPr>
-            <p:ph type="dt" sz="half" idx="10"/>
-          </p:nvPr>
-        </p:nvSpPr>
-        <p:spPr/>
-        <p:txBody>
-          <a:bodyPr/>
-          <a:lstStyle/>
-          <a:p>
-            <a:fld id="{F03D15E0-E6C7-48CB-A009-DF16BCB95302}" type="datetime1">
-              <a:rPr lang="es-ES" smtClean="0"/>
-              <a:pPr/>
-              <a:t>15/02/2018</a:t>
-            </a:fld>
-            <a:endParaRPr lang="es-ES" dirty="0"/>
-          </a:p>
-        </p:txBody>
-      </p:sp>
-      <p:sp>
-        <p:nvSpPr>
-          <p:cNvPr id="5" name="Footer Placeholder 4"/>
-          <p:cNvSpPr>
-            <a:spLocks noGrp="1"/>
-          </p:cNvSpPr>
-          <p:nvPr>
-            <p:ph type="ftr" sz="quarter" idx="11"/>
-          </p:nvPr>
-        </p:nvSpPr>
-        <p:spPr/>
-        <p:txBody>
-          <a:bodyPr/>
-          <a:lstStyle/>
-          <a:p>
-            <a:pPr rtl="0"/>
-            <a:endParaRPr lang="es-ES" noProof="0" dirty="0"/>
-          </a:p>
-        </p:txBody>
-      </p:sp>
-      <p:sp>
-        <p:nvSpPr>
-          <p:cNvPr id="9" name="Freeform 11"/>
-          <p:cNvSpPr/>
-          <p:nvPr/>
-        </p:nvSpPr>
-        <p:spPr bwMode="auto">
-          <a:xfrm flipV="1">
-            <a:off x="-4189" y="3178175"/>
-            <a:ext cx="1588527" cy="507297"/>
-          </a:xfrm>
-          <a:custGeom>
-            <a:avLst/>
-            <a:gdLst/>
-            <a:ahLst/>
-            <a:cxnLst/>
-            <a:rect l="l" t="t" r="r" b="b"/>
-            <a:pathLst>
-              <a:path w="9248" h="10000">
-                <a:moveTo>
-                  <a:pt x="9248" y="4701"/>
-                </a:moveTo>
-                <a:lnTo>
-                  <a:pt x="7915" y="188"/>
-                </a:lnTo>
-                <a:cubicBezTo>
-                  <a:pt x="7906" y="156"/>
-                  <a:pt x="7895" y="126"/>
-                  <a:pt x="7886" y="94"/>
-                </a:cubicBezTo>
-                <a:cubicBezTo>
-                  <a:pt x="7859" y="0"/>
-                  <a:pt x="7831" y="0"/>
-                  <a:pt x="7803" y="0"/>
-                </a:cubicBezTo>
-                <a:lnTo>
-                  <a:pt x="7275" y="0"/>
-                </a:lnTo>
-                <a:lnTo>
-                  <a:pt x="0" y="70"/>
-                </a:lnTo>
-                <a:cubicBezTo>
-                  <a:pt x="8" y="3380"/>
-                  <a:pt x="17" y="6690"/>
-                  <a:pt x="25" y="10000"/>
-                </a:cubicBezTo>
-                <a:lnTo>
-                  <a:pt x="7275" y="9966"/>
-                </a:lnTo>
-                <a:lnTo>
-                  <a:pt x="7803" y="9966"/>
-                </a:lnTo>
-                <a:cubicBezTo>
-                  <a:pt x="7831" y="9966"/>
-                  <a:pt x="7859" y="9872"/>
-                  <a:pt x="7886" y="9872"/>
-                </a:cubicBezTo>
-                <a:cubicBezTo>
-                  <a:pt x="7886" y="9778"/>
-                  <a:pt x="7915" y="9778"/>
-                  <a:pt x="7915" y="9778"/>
-                </a:cubicBezTo>
-                <a:lnTo>
-                  <a:pt x="9248" y="5265"/>
-                </a:lnTo>
-                <a:cubicBezTo>
-                  <a:pt x="9303" y="5077"/>
-                  <a:pt x="9303" y="4889"/>
-                  <a:pt x="9248" y="4701"/>
-                </a:cubicBezTo>
-                <a:close/>
-              </a:path>
-            </a:pathLst>
-          </a:custGeom>
-          <a:solidFill>
-            <a:schemeClr val="accent1"/>
-          </a:solidFill>
-          <a:ln>
-            <a:noFill/>
-          </a:ln>
-        </p:spPr>
-      </p:sp>
-      <p:sp>
-        <p:nvSpPr>
-          <p:cNvPr id="6" name="Slide Number Placeholder 5"/>
-          <p:cNvSpPr>
-            <a:spLocks noGrp="1"/>
-          </p:cNvSpPr>
-          <p:nvPr>
-            <p:ph type="sldNum" sz="quarter" idx="12"/>
-          </p:nvPr>
-        </p:nvSpPr>
-        <p:spPr>
-          <a:xfrm>
-            <a:off x="531812" y="3244139"/>
-            <a:ext cx="779767" cy="365125"/>
-          </a:xfrm>
-        </p:spPr>
-        <p:txBody>
-          <a:bodyPr/>
-          <a:lstStyle/>
-          <a:p>
-            <a:pPr algn="r"/>
-            <a:fld id="{E31375A4-56A4-47D6-9801-1991572033F7}" type="slidenum">
-              <a:rPr lang="es-ES" smtClean="0"/>
-              <a:pPr algn="r"/>
-              <a:t>‹Nº›</a:t>
-            </a:fld>
-            <a:endParaRPr lang="es-ES" dirty="0"/>
-          </a:p>
-        </p:txBody>
-      </p:sp>
-    </p:spTree>
-  </p:cSld>
-  <p:clrMapOvr>
-    <a:masterClrMapping/>
-  </p:clrMapOvr>
-</p:sldLayout>
-</file>
-
-<file path=ppt/slideLayouts/slideLayout11.xml><?xml version="1.0" encoding="utf-8"?>
-<p:sldLayout xmlns:a="http://schemas.openxmlformats.org/drawingml/2006/main" xmlns:r="http://schemas.openxmlformats.org/officeDocument/2006/relationships" xmlns:p="http://schemas.openxmlformats.org/presentationml/2006/main" preserve="1">
-  <p:cSld name="Cita con descripción">
-    <p:spTree>
-      <p:nvGrpSpPr>
-        <p:cNvPr id="1" name=""/>
-        <p:cNvGrpSpPr/>
-        <p:nvPr/>
-      </p:nvGrpSpPr>
-      <p:grpSpPr>
-        <a:xfrm>
-          <a:off x="0" y="0"/>
-          <a:ext cx="0" cy="0"/>
-          <a:chOff x="0" y="0"/>
-          <a:chExt cx="0" cy="0"/>
-        </a:xfrm>
-      </p:grpSpPr>
-      <p:sp>
-        <p:nvSpPr>
-          <p:cNvPr id="2" name="Title 1"/>
-          <p:cNvSpPr>
-            <a:spLocks noGrp="1"/>
-          </p:cNvSpPr>
-          <p:nvPr>
-            <p:ph type="title"/>
-          </p:nvPr>
-        </p:nvSpPr>
-        <p:spPr>
-          <a:xfrm>
-            <a:off x="2849949" y="609600"/>
-            <a:ext cx="8393926" cy="2895600"/>
-          </a:xfrm>
-        </p:spPr>
-        <p:txBody>
-          <a:bodyPr anchor="ctr">
-            <a:normAutofit/>
-          </a:bodyPr>
-          <a:lstStyle>
-            <a:lvl1pPr algn="l">
-              <a:defRPr sz="4800" b="0" cap="none"/>
-            </a:lvl1pPr>
-          </a:lstStyle>
-          <a:p>
-            <a:r>
-              <a:rPr lang="es-ES_tradnl"/>
-              <a:t>Haga clic para modificar el estilo de título del patrón</a:t>
-            </a:r>
-            <a:endParaRPr lang="en-US" dirty="0"/>
-          </a:p>
-        </p:txBody>
-      </p:sp>
-      <p:sp>
-        <p:nvSpPr>
-          <p:cNvPr id="13" name="Text Placeholder 9"/>
-          <p:cNvSpPr>
-            <a:spLocks noGrp="1"/>
-          </p:cNvSpPr>
-          <p:nvPr>
-            <p:ph type="body" sz="quarter" idx="13"/>
-          </p:nvPr>
-        </p:nvSpPr>
-        <p:spPr>
-          <a:xfrm>
-            <a:off x="3275012" y="3505200"/>
-            <a:ext cx="7536554" cy="381000"/>
-          </a:xfrm>
-        </p:spPr>
-        <p:txBody>
-          <a:bodyPr anchor="ctr">
-            <a:noAutofit/>
-          </a:bodyPr>
-          <a:lstStyle>
-            <a:lvl1pPr marL="0" indent="0">
-              <a:buFontTx/>
-              <a:buNone/>
-              <a:defRPr sz="1600">
-                <a:solidFill>
-                  <a:schemeClr val="tx1">
-                    <a:lumMod val="50000"/>
-                    <a:lumOff val="50000"/>
-                  </a:schemeClr>
-                </a:solidFill>
-              </a:defRPr>
-            </a:lvl1pPr>
-            <a:lvl2pPr marL="457200" indent="0">
-              <a:buFontTx/>
-              <a:buNone/>
-              <a:defRPr/>
-            </a:lvl2pPr>
-            <a:lvl3pPr marL="914400" indent="0">
-              <a:buFontTx/>
-              <a:buNone/>
-              <a:defRPr/>
-            </a:lvl3pPr>
-            <a:lvl4pPr marL="1371600" indent="0">
-              <a:buFontTx/>
-              <a:buNone/>
-              <a:defRPr/>
-            </a:lvl4pPr>
-            <a:lvl5pPr marL="1828800" indent="0">
-              <a:buFontTx/>
-              <a:buNone/>
-              <a:defRPr/>
-            </a:lvl5pPr>
-          </a:lstStyle>
-          <a:p>
-            <a:pPr lvl="0"/>
-            <a:r>
-              <a:rPr lang="es-ES_tradnl"/>
-              <a:t>Haga clic para modificar los estilos de texto del patrón</a:t>
-            </a:r>
-          </a:p>
-        </p:txBody>
-      </p:sp>
-      <p:sp>
-        <p:nvSpPr>
-          <p:cNvPr id="3" name="Text Placeholder 2"/>
-          <p:cNvSpPr>
-            <a:spLocks noGrp="1"/>
-          </p:cNvSpPr>
-          <p:nvPr>
-            <p:ph type="body" idx="1"/>
-          </p:nvPr>
-        </p:nvSpPr>
-        <p:spPr>
-          <a:xfrm>
-            <a:off x="2589212" y="4354046"/>
-            <a:ext cx="8915399" cy="1555864"/>
-          </a:xfrm>
-        </p:spPr>
-        <p:txBody>
-          <a:bodyPr anchor="ctr">
-            <a:normAutofit/>
-          </a:bodyPr>
-          <a:lstStyle>
-            <a:lvl1pPr marL="0" indent="0" algn="l">
-              <a:buNone/>
-              <a:defRPr sz="1800">
-                <a:solidFill>
-                  <a:schemeClr val="tx1">
-                    <a:lumMod val="65000"/>
-                    <a:lumOff val="35000"/>
-                  </a:schemeClr>
-                </a:solidFill>
-              </a:defRPr>
-            </a:lvl1pPr>
-            <a:lvl2pPr marL="457200" indent="0">
-              <a:buNone/>
-              <a:defRPr sz="1800">
-                <a:solidFill>
-                  <a:schemeClr val="tx1">
-                    <a:tint val="75000"/>
-                  </a:schemeClr>
-                </a:solidFill>
-              </a:defRPr>
-            </a:lvl2pPr>
-            <a:lvl3pPr marL="914400" indent="0">
-              <a:buNone/>
-              <a:defRPr sz="1600">
-                <a:solidFill>
-                  <a:schemeClr val="tx1">
-                    <a:tint val="75000"/>
-                  </a:schemeClr>
-                </a:solidFill>
-              </a:defRPr>
-            </a:lvl3pPr>
-            <a:lvl4pPr marL="1371600" indent="0">
-              <a:buNone/>
-              <a:defRPr sz="1400">
-                <a:solidFill>
-                  <a:schemeClr val="tx1">
-                    <a:tint val="75000"/>
-                  </a:schemeClr>
-                </a:solidFill>
-              </a:defRPr>
-            </a:lvl4pPr>
-            <a:lvl5pPr marL="1828800" indent="0">
-              <a:buNone/>
-              <a:defRPr sz="1400">
-                <a:solidFill>
-                  <a:schemeClr val="tx1">
-                    <a:tint val="75000"/>
-                  </a:schemeClr>
-                </a:solidFill>
-              </a:defRPr>
-            </a:lvl5pPr>
-            <a:lvl6pPr marL="2286000" indent="0">
-              <a:buNone/>
-              <a:defRPr sz="1400">
-                <a:solidFill>
-                  <a:schemeClr val="tx1">
-                    <a:tint val="75000"/>
-                  </a:schemeClr>
-                </a:solidFill>
-              </a:defRPr>
-            </a:lvl6pPr>
-            <a:lvl7pPr marL="2743200" indent="0">
-              <a:buNone/>
-              <a:defRPr sz="1400">
-                <a:solidFill>
-                  <a:schemeClr val="tx1">
-                    <a:tint val="75000"/>
-                  </a:schemeClr>
-                </a:solidFill>
-              </a:defRPr>
-            </a:lvl7pPr>
-            <a:lvl8pPr marL="3200400" indent="0">
-              <a:buNone/>
-              <a:defRPr sz="1400">
-                <a:solidFill>
-                  <a:schemeClr val="tx1">
-                    <a:tint val="75000"/>
-                  </a:schemeClr>
-                </a:solidFill>
-              </a:defRPr>
-            </a:lvl8pPr>
-            <a:lvl9pPr marL="3657600" indent="0">
-              <a:buNone/>
-              <a:defRPr sz="1400">
-                <a:solidFill>
-                  <a:schemeClr val="tx1">
-                    <a:tint val="75000"/>
-                  </a:schemeClr>
-                </a:solidFill>
-              </a:defRPr>
-            </a:lvl9pPr>
-          </a:lstStyle>
-          <a:p>
-            <a:pPr lvl="0"/>
-            <a:r>
-              <a:rPr lang="es-ES_tradnl"/>
-              <a:t>Haga clic para modificar los estilos de texto del patrón</a:t>
-            </a:r>
-          </a:p>
-        </p:txBody>
-      </p:sp>
-      <p:sp>
-        <p:nvSpPr>
-          <p:cNvPr id="4" name="Date Placeholder 3"/>
-          <p:cNvSpPr>
-            <a:spLocks noGrp="1"/>
-          </p:cNvSpPr>
-          <p:nvPr>
-            <p:ph type="dt" sz="half" idx="10"/>
-          </p:nvPr>
-        </p:nvSpPr>
-        <p:spPr/>
-        <p:txBody>
-          <a:bodyPr/>
-          <a:lstStyle/>
-          <a:p>
-            <a:fld id="{F03D15E0-E6C7-48CB-A009-DF16BCB95302}" type="datetime1">
-              <a:rPr lang="es-ES" smtClean="0"/>
-              <a:pPr/>
-              <a:t>15/02/2018</a:t>
-            </a:fld>
-            <a:endParaRPr lang="es-ES" dirty="0"/>
-          </a:p>
-        </p:txBody>
-      </p:sp>
-      <p:sp>
-        <p:nvSpPr>
-          <p:cNvPr id="5" name="Footer Placeholder 4"/>
-          <p:cNvSpPr>
-            <a:spLocks noGrp="1"/>
-          </p:cNvSpPr>
-          <p:nvPr>
-            <p:ph type="ftr" sz="quarter" idx="11"/>
-          </p:nvPr>
-        </p:nvSpPr>
-        <p:spPr/>
-        <p:txBody>
-          <a:bodyPr/>
-          <a:lstStyle/>
-          <a:p>
-            <a:pPr rtl="0"/>
-            <a:endParaRPr lang="es-ES" noProof="0" dirty="0"/>
-          </a:p>
-        </p:txBody>
-      </p:sp>
-      <p:sp>
-        <p:nvSpPr>
-          <p:cNvPr id="11" name="Freeform 11"/>
-          <p:cNvSpPr/>
-          <p:nvPr/>
-        </p:nvSpPr>
-        <p:spPr bwMode="auto">
-          <a:xfrm flipV="1">
-            <a:off x="-4189" y="3178175"/>
-            <a:ext cx="1588527" cy="507297"/>
-          </a:xfrm>
-          <a:custGeom>
-            <a:avLst/>
-            <a:gdLst/>
-            <a:ahLst/>
-            <a:cxnLst/>
-            <a:rect l="l" t="t" r="r" b="b"/>
-            <a:pathLst>
-              <a:path w="9248" h="10000">
-                <a:moveTo>
-                  <a:pt x="9248" y="4701"/>
-                </a:moveTo>
-                <a:lnTo>
-                  <a:pt x="7915" y="188"/>
-                </a:lnTo>
-                <a:cubicBezTo>
-                  <a:pt x="7906" y="156"/>
-                  <a:pt x="7895" y="126"/>
-                  <a:pt x="7886" y="94"/>
-                </a:cubicBezTo>
-                <a:cubicBezTo>
-                  <a:pt x="7859" y="0"/>
-                  <a:pt x="7831" y="0"/>
-                  <a:pt x="7803" y="0"/>
-                </a:cubicBezTo>
-                <a:lnTo>
-                  <a:pt x="7275" y="0"/>
-                </a:lnTo>
-                <a:lnTo>
-                  <a:pt x="0" y="70"/>
-                </a:lnTo>
-                <a:cubicBezTo>
-                  <a:pt x="8" y="3380"/>
-                  <a:pt x="17" y="6690"/>
-                  <a:pt x="25" y="10000"/>
-                </a:cubicBezTo>
-                <a:lnTo>
-                  <a:pt x="7275" y="9966"/>
-                </a:lnTo>
-                <a:lnTo>
-                  <a:pt x="7803" y="9966"/>
-                </a:lnTo>
-                <a:cubicBezTo>
-                  <a:pt x="7831" y="9966"/>
-                  <a:pt x="7859" y="9872"/>
-                  <a:pt x="7886" y="9872"/>
-                </a:cubicBezTo>
-                <a:cubicBezTo>
-                  <a:pt x="7886" y="9778"/>
-                  <a:pt x="7915" y="9778"/>
-                  <a:pt x="7915" y="9778"/>
-                </a:cubicBezTo>
-                <a:lnTo>
-                  <a:pt x="9248" y="5265"/>
-                </a:lnTo>
-                <a:cubicBezTo>
-                  <a:pt x="9303" y="5077"/>
-                  <a:pt x="9303" y="4889"/>
-                  <a:pt x="9248" y="4701"/>
-                </a:cubicBezTo>
-                <a:close/>
-              </a:path>
-            </a:pathLst>
-          </a:custGeom>
-          <a:solidFill>
-            <a:schemeClr val="accent1"/>
-          </a:solidFill>
-          <a:ln>
-            <a:noFill/>
-          </a:ln>
-        </p:spPr>
-      </p:sp>
-      <p:sp>
-        <p:nvSpPr>
-          <p:cNvPr id="6" name="Slide Number Placeholder 5"/>
-          <p:cNvSpPr>
-            <a:spLocks noGrp="1"/>
-          </p:cNvSpPr>
-          <p:nvPr>
-            <p:ph type="sldNum" sz="quarter" idx="12"/>
-          </p:nvPr>
-        </p:nvSpPr>
-        <p:spPr>
-          <a:xfrm>
-            <a:off x="531812" y="3244139"/>
-            <a:ext cx="779767" cy="365125"/>
-          </a:xfrm>
-        </p:spPr>
-        <p:txBody>
-          <a:bodyPr/>
-          <a:lstStyle/>
-          <a:p>
-            <a:pPr algn="r"/>
-            <a:fld id="{E31375A4-56A4-47D6-9801-1991572033F7}" type="slidenum">
-              <a:rPr lang="es-ES" smtClean="0"/>
-              <a:pPr algn="r"/>
-              <a:t>‹Nº›</a:t>
-            </a:fld>
-            <a:endParaRPr lang="es-ES" dirty="0"/>
-          </a:p>
-        </p:txBody>
-      </p:sp>
-      <p:sp>
-        <p:nvSpPr>
-          <p:cNvPr id="14" name="TextBox 13"/>
-          <p:cNvSpPr txBox="1"/>
-          <p:nvPr/>
-        </p:nvSpPr>
-        <p:spPr>
-          <a:xfrm>
-            <a:off x="2467652" y="648005"/>
-            <a:ext cx="609600" cy="584776"/>
-          </a:xfrm>
-          <a:prstGeom prst="rect">
-            <a:avLst/>
-          </a:prstGeom>
-        </p:spPr>
-        <p:txBody>
-          <a:bodyPr vert="horz" lIns="91440" tIns="45720" rIns="91440" bIns="45720" rtlCol="0" anchor="ctr">
-            <a:noAutofit/>
-          </a:bodyPr>
-          <a:lstStyle/>
-          <a:p>
-            <a:pPr lvl="0"/>
-            <a:r>
-              <a:rPr lang="en-US" sz="8000" baseline="0" dirty="0">
-                <a:ln w="3175" cmpd="sng">
-                  <a:noFill/>
-                </a:ln>
-                <a:solidFill>
-                  <a:schemeClr val="accent1"/>
-                </a:solidFill>
-                <a:effectLst/>
-                <a:latin typeface="Arial"/>
-              </a:rPr>
-              <a:t>“</a:t>
-            </a:r>
-          </a:p>
-        </p:txBody>
-      </p:sp>
-      <p:sp>
-        <p:nvSpPr>
-          <p:cNvPr id="15" name="TextBox 14"/>
-          <p:cNvSpPr txBox="1"/>
-          <p:nvPr/>
-        </p:nvSpPr>
-        <p:spPr>
-          <a:xfrm>
-            <a:off x="11114852" y="2905306"/>
-            <a:ext cx="609600" cy="584776"/>
-          </a:xfrm>
-          <a:prstGeom prst="rect">
-            <a:avLst/>
-          </a:prstGeom>
-        </p:spPr>
-        <p:txBody>
-          <a:bodyPr vert="horz" lIns="91440" tIns="45720" rIns="91440" bIns="45720" rtlCol="0" anchor="ctr">
-            <a:noAutofit/>
-          </a:bodyPr>
-          <a:lstStyle/>
-          <a:p>
-            <a:pPr lvl="0"/>
-            <a:r>
-              <a:rPr lang="en-US" sz="8000" baseline="0" dirty="0">
-                <a:ln w="3175" cmpd="sng">
-                  <a:noFill/>
-                </a:ln>
-                <a:solidFill>
-                  <a:schemeClr val="accent1"/>
-                </a:solidFill>
-                <a:effectLst/>
-                <a:latin typeface="Arial"/>
-              </a:rPr>
-              <a:t>”</a:t>
-            </a:r>
-          </a:p>
-        </p:txBody>
-      </p:sp>
-    </p:spTree>
-  </p:cSld>
-  <p:clrMapOvr>
-    <a:masterClrMapping/>
-  </p:clrMapOvr>
-</p:sldLayout>
-</file>
-
-<file path=ppt/slideLayouts/slideLayout12.xml><?xml version="1.0" encoding="utf-8"?>
-<p:sldLayout xmlns:a="http://schemas.openxmlformats.org/drawingml/2006/main" xmlns:r="http://schemas.openxmlformats.org/officeDocument/2006/relationships" xmlns:p="http://schemas.openxmlformats.org/presentationml/2006/main" preserve="1">
-  <p:cSld name="Tarjeta de nombre">
-    <p:spTree>
-      <p:nvGrpSpPr>
-        <p:cNvPr id="1" name=""/>
-        <p:cNvGrpSpPr/>
-        <p:nvPr/>
-      </p:nvGrpSpPr>
-      <p:grpSpPr>
-        <a:xfrm>
-          <a:off x="0" y="0"/>
-          <a:ext cx="0" cy="0"/>
-          <a:chOff x="0" y="0"/>
-          <a:chExt cx="0" cy="0"/>
-        </a:xfrm>
-      </p:grpSpPr>
-      <p:sp>
-        <p:nvSpPr>
-          <p:cNvPr id="2" name="Title 1"/>
-          <p:cNvSpPr>
-            <a:spLocks noGrp="1"/>
-          </p:cNvSpPr>
-          <p:nvPr>
-            <p:ph type="title"/>
-          </p:nvPr>
-        </p:nvSpPr>
-        <p:spPr>
-          <a:xfrm>
-            <a:off x="2589213" y="2438400"/>
-            <a:ext cx="8915400" cy="2724845"/>
-          </a:xfrm>
-        </p:spPr>
-        <p:txBody>
-          <a:bodyPr anchor="b">
-            <a:normAutofit/>
-          </a:bodyPr>
-          <a:lstStyle>
-            <a:lvl1pPr algn="l">
-              <a:defRPr sz="4800" b="0"/>
-            </a:lvl1pPr>
-          </a:lstStyle>
-          <a:p>
-            <a:r>
-              <a:rPr lang="es-ES_tradnl"/>
-              <a:t>Haga clic para modificar el estilo de título del patrón</a:t>
-            </a:r>
-            <a:endParaRPr lang="en-US" dirty="0"/>
-          </a:p>
-        </p:txBody>
-      </p:sp>
-      <p:sp>
-        <p:nvSpPr>
-          <p:cNvPr id="4" name="Text Placeholder 3"/>
-          <p:cNvSpPr>
-            <a:spLocks noGrp="1"/>
-          </p:cNvSpPr>
-          <p:nvPr>
-            <p:ph type="body" sz="half" idx="2"/>
-          </p:nvPr>
-        </p:nvSpPr>
-        <p:spPr>
-          <a:xfrm>
-            <a:off x="2589213" y="5181600"/>
-            <a:ext cx="8915400" cy="729622"/>
-          </a:xfrm>
-        </p:spPr>
-        <p:txBody>
-          <a:bodyPr vert="horz" lIns="91440" tIns="45720" rIns="91440" bIns="45720" rtlCol="0" anchor="t">
-            <a:normAutofit/>
-          </a:bodyPr>
-          <a:lstStyle>
-            <a:lvl1pPr>
-              <a:buNone/>
-              <a:defRPr lang="en-US">
-                <a:solidFill>
-                  <a:schemeClr val="tx1">
-                    <a:lumMod val="65000"/>
-                    <a:lumOff val="35000"/>
-                  </a:schemeClr>
-                </a:solidFill>
-              </a:defRPr>
-            </a:lvl1pPr>
-          </a:lstStyle>
-          <a:p>
-            <a:pPr marL="0" lvl="0" indent="0">
-              <a:buNone/>
-            </a:pPr>
-            <a:r>
-              <a:rPr lang="es-ES_tradnl"/>
-              <a:t>Haga clic para modificar los estilos de texto del patrón</a:t>
-            </a:r>
-          </a:p>
-        </p:txBody>
-      </p:sp>
-      <p:sp>
-        <p:nvSpPr>
-          <p:cNvPr id="5" name="Date Placeholder 4"/>
-          <p:cNvSpPr>
-            <a:spLocks noGrp="1"/>
-          </p:cNvSpPr>
-          <p:nvPr>
-            <p:ph type="dt" sz="half" idx="10"/>
-          </p:nvPr>
-        </p:nvSpPr>
-        <p:spPr/>
-        <p:txBody>
-          <a:bodyPr/>
-          <a:lstStyle/>
-          <a:p>
-            <a:fld id="{F03D15E0-E6C7-48CB-A009-DF16BCB95302}" type="datetime1">
-              <a:rPr lang="es-ES" smtClean="0"/>
-              <a:pPr/>
-              <a:t>15/02/2018</a:t>
-            </a:fld>
-            <a:endParaRPr lang="es-ES" dirty="0"/>
-          </a:p>
-        </p:txBody>
-      </p:sp>
-      <p:sp>
-        <p:nvSpPr>
-          <p:cNvPr id="6" name="Footer Placeholder 5"/>
-          <p:cNvSpPr>
-            <a:spLocks noGrp="1"/>
-          </p:cNvSpPr>
-          <p:nvPr>
-            <p:ph type="ftr" sz="quarter" idx="11"/>
-          </p:nvPr>
-        </p:nvSpPr>
-        <p:spPr/>
-        <p:txBody>
-          <a:bodyPr/>
-          <a:lstStyle/>
-          <a:p>
-            <a:pPr rtl="0"/>
-            <a:endParaRPr lang="es-ES" noProof="0" dirty="0"/>
-          </a:p>
-        </p:txBody>
-      </p:sp>
-      <p:sp>
-        <p:nvSpPr>
-          <p:cNvPr id="9" name="Freeform 11"/>
-          <p:cNvSpPr/>
-          <p:nvPr/>
-        </p:nvSpPr>
-        <p:spPr bwMode="auto">
-          <a:xfrm flipV="1">
-            <a:off x="-4189" y="4911725"/>
-            <a:ext cx="1588527" cy="507297"/>
-          </a:xfrm>
-          <a:custGeom>
-            <a:avLst/>
-            <a:gdLst/>
-            <a:ahLst/>
-            <a:cxnLst/>
-            <a:rect l="l" t="t" r="r" b="b"/>
-            <a:pathLst>
-              <a:path w="9248" h="10000">
-                <a:moveTo>
-                  <a:pt x="9248" y="4701"/>
-                </a:moveTo>
-                <a:lnTo>
-                  <a:pt x="7915" y="188"/>
-                </a:lnTo>
-                <a:cubicBezTo>
-                  <a:pt x="7906" y="156"/>
-                  <a:pt x="7895" y="126"/>
-                  <a:pt x="7886" y="94"/>
-                </a:cubicBezTo>
-                <a:cubicBezTo>
-                  <a:pt x="7859" y="0"/>
-                  <a:pt x="7831" y="0"/>
-                  <a:pt x="7803" y="0"/>
-                </a:cubicBezTo>
-                <a:lnTo>
-                  <a:pt x="7275" y="0"/>
-                </a:lnTo>
-                <a:lnTo>
-                  <a:pt x="0" y="70"/>
-                </a:lnTo>
-                <a:cubicBezTo>
-                  <a:pt x="8" y="3380"/>
-                  <a:pt x="17" y="6690"/>
-                  <a:pt x="25" y="10000"/>
-                </a:cubicBezTo>
-                <a:lnTo>
-                  <a:pt x="7275" y="9966"/>
-                </a:lnTo>
-                <a:lnTo>
-                  <a:pt x="7803" y="9966"/>
-                </a:lnTo>
-                <a:cubicBezTo>
-                  <a:pt x="7831" y="9966"/>
-                  <a:pt x="7859" y="9872"/>
-                  <a:pt x="7886" y="9872"/>
-                </a:cubicBezTo>
-                <a:cubicBezTo>
-                  <a:pt x="7886" y="9778"/>
-                  <a:pt x="7915" y="9778"/>
-                  <a:pt x="7915" y="9778"/>
-                </a:cubicBezTo>
-                <a:lnTo>
-                  <a:pt x="9248" y="5265"/>
-                </a:lnTo>
-                <a:cubicBezTo>
-                  <a:pt x="9303" y="5077"/>
-                  <a:pt x="9303" y="4889"/>
-                  <a:pt x="9248" y="4701"/>
-                </a:cubicBezTo>
-                <a:close/>
-              </a:path>
-            </a:pathLst>
-          </a:custGeom>
-          <a:solidFill>
-            <a:schemeClr val="accent1"/>
-          </a:solidFill>
-          <a:ln>
-            <a:noFill/>
-          </a:ln>
-        </p:spPr>
-      </p:sp>
-      <p:sp>
-        <p:nvSpPr>
-          <p:cNvPr id="7" name="Slide Number Placeholder 6"/>
-          <p:cNvSpPr>
-            <a:spLocks noGrp="1"/>
-          </p:cNvSpPr>
-          <p:nvPr>
-            <p:ph type="sldNum" sz="quarter" idx="12"/>
-          </p:nvPr>
-        </p:nvSpPr>
-        <p:spPr>
-          <a:xfrm>
-            <a:off x="531812" y="4983087"/>
-            <a:ext cx="779767" cy="365125"/>
-          </a:xfrm>
-        </p:spPr>
-        <p:txBody>
-          <a:bodyPr/>
-          <a:lstStyle/>
-          <a:p>
-            <a:pPr algn="r"/>
-            <a:fld id="{E31375A4-56A4-47D6-9801-1991572033F7}" type="slidenum">
-              <a:rPr lang="es-ES" smtClean="0"/>
-              <a:pPr algn="r"/>
-              <a:t>‹Nº›</a:t>
-            </a:fld>
-            <a:endParaRPr lang="es-ES" dirty="0"/>
-          </a:p>
-        </p:txBody>
-      </p:sp>
-    </p:spTree>
-  </p:cSld>
-  <p:clrMapOvr>
-    <a:masterClrMapping/>
-  </p:clrMapOvr>
-</p:sldLayout>
-</file>
-
-<file path=ppt/slideLayouts/slideLayout13.xml><?xml version="1.0" encoding="utf-8"?>
-<p:sldLayout xmlns:a="http://schemas.openxmlformats.org/drawingml/2006/main" xmlns:r="http://schemas.openxmlformats.org/officeDocument/2006/relationships" xmlns:p="http://schemas.openxmlformats.org/presentationml/2006/main" preserve="1">
-  <p:cSld name="Citar la tarjeta de nombre">
-    <p:spTree>
-      <p:nvGrpSpPr>
-        <p:cNvPr id="1" name=""/>
-        <p:cNvGrpSpPr/>
-        <p:nvPr/>
-      </p:nvGrpSpPr>
-      <p:grpSpPr>
-        <a:xfrm>
-          <a:off x="0" y="0"/>
-          <a:ext cx="0" cy="0"/>
-          <a:chOff x="0" y="0"/>
-          <a:chExt cx="0" cy="0"/>
-        </a:xfrm>
-      </p:grpSpPr>
-      <p:sp>
-        <p:nvSpPr>
-          <p:cNvPr id="12" name="Title 1"/>
-          <p:cNvSpPr>
-            <a:spLocks noGrp="1"/>
-          </p:cNvSpPr>
-          <p:nvPr>
-            <p:ph type="title"/>
-          </p:nvPr>
-        </p:nvSpPr>
-        <p:spPr>
-          <a:xfrm>
-            <a:off x="2849949" y="609600"/>
-            <a:ext cx="8393926" cy="2895600"/>
-          </a:xfrm>
-        </p:spPr>
-        <p:txBody>
-          <a:bodyPr anchor="ctr">
-            <a:normAutofit/>
-          </a:bodyPr>
-          <a:lstStyle>
-            <a:lvl1pPr algn="l">
-              <a:defRPr sz="4800" b="0" cap="none"/>
-            </a:lvl1pPr>
-          </a:lstStyle>
-          <a:p>
-            <a:r>
-              <a:rPr lang="es-ES_tradnl"/>
-              <a:t>Haga clic para modificar el estilo de título del patrón</a:t>
-            </a:r>
-            <a:endParaRPr lang="en-US" dirty="0"/>
-          </a:p>
-        </p:txBody>
-      </p:sp>
-      <p:sp>
-        <p:nvSpPr>
-          <p:cNvPr id="21" name="Text Placeholder 9"/>
-          <p:cNvSpPr>
-            <a:spLocks noGrp="1"/>
-          </p:cNvSpPr>
-          <p:nvPr>
-            <p:ph type="body" sz="quarter" idx="13"/>
-          </p:nvPr>
-        </p:nvSpPr>
-        <p:spPr>
-          <a:xfrm>
-            <a:off x="2589212" y="4343400"/>
-            <a:ext cx="8915400" cy="838200"/>
-          </a:xfrm>
-        </p:spPr>
-        <p:txBody>
-          <a:bodyPr anchor="b">
-            <a:noAutofit/>
-          </a:bodyPr>
-          <a:lstStyle>
-            <a:lvl1pPr marL="0" indent="0">
-              <a:buFontTx/>
-              <a:buNone/>
-              <a:defRPr sz="2400">
-                <a:solidFill>
-                  <a:schemeClr val="accent1"/>
-                </a:solidFill>
-              </a:defRPr>
-            </a:lvl1pPr>
-            <a:lvl2pPr marL="457200" indent="0">
-              <a:buFontTx/>
-              <a:buNone/>
-              <a:defRPr/>
-            </a:lvl2pPr>
-            <a:lvl3pPr marL="914400" indent="0">
-              <a:buFontTx/>
-              <a:buNone/>
-              <a:defRPr/>
-            </a:lvl3pPr>
-            <a:lvl4pPr marL="1371600" indent="0">
-              <a:buFontTx/>
-              <a:buNone/>
-              <a:defRPr/>
-            </a:lvl4pPr>
-            <a:lvl5pPr marL="1828800" indent="0">
-              <a:buFontTx/>
-              <a:buNone/>
-              <a:defRPr/>
-            </a:lvl5pPr>
-          </a:lstStyle>
-          <a:p>
-            <a:pPr lvl="0"/>
-            <a:r>
-              <a:rPr lang="es-ES_tradnl"/>
-              <a:t>Haga clic para modificar los estilos de texto del patrón</a:t>
-            </a:r>
-          </a:p>
-        </p:txBody>
-      </p:sp>
-      <p:sp>
-        <p:nvSpPr>
-          <p:cNvPr id="4" name="Text Placeholder 3"/>
-          <p:cNvSpPr>
-            <a:spLocks noGrp="1"/>
-          </p:cNvSpPr>
-          <p:nvPr>
-            <p:ph type="body" sz="half" idx="2"/>
-          </p:nvPr>
-        </p:nvSpPr>
-        <p:spPr>
-          <a:xfrm>
-            <a:off x="2589213" y="5181600"/>
-            <a:ext cx="8915400" cy="729622"/>
-          </a:xfrm>
-        </p:spPr>
-        <p:txBody>
-          <a:bodyPr vert="horz" lIns="91440" tIns="45720" rIns="91440" bIns="45720" rtlCol="0" anchor="t">
-            <a:normAutofit/>
-          </a:bodyPr>
-          <a:lstStyle>
-            <a:lvl1pPr>
-              <a:buNone/>
-              <a:defRPr lang="en-US">
-                <a:solidFill>
-                  <a:schemeClr val="tx1">
-                    <a:lumMod val="65000"/>
-                    <a:lumOff val="35000"/>
-                  </a:schemeClr>
-                </a:solidFill>
-              </a:defRPr>
-            </a:lvl1pPr>
-          </a:lstStyle>
-          <a:p>
-            <a:pPr marL="0" lvl="0" indent="0">
-              <a:buNone/>
-            </a:pPr>
-            <a:r>
-              <a:rPr lang="es-ES_tradnl"/>
-              <a:t>Haga clic para modificar los estilos de texto del patrón</a:t>
-            </a:r>
-          </a:p>
-        </p:txBody>
-      </p:sp>
-      <p:sp>
-        <p:nvSpPr>
-          <p:cNvPr id="5" name="Date Placeholder 4"/>
-          <p:cNvSpPr>
-            <a:spLocks noGrp="1"/>
-          </p:cNvSpPr>
-          <p:nvPr>
-            <p:ph type="dt" sz="half" idx="10"/>
-          </p:nvPr>
-        </p:nvSpPr>
-        <p:spPr/>
-        <p:txBody>
-          <a:bodyPr/>
-          <a:lstStyle/>
-          <a:p>
-            <a:fld id="{F03D15E0-E6C7-48CB-A009-DF16BCB95302}" type="datetime1">
-              <a:rPr lang="es-ES" smtClean="0"/>
-              <a:pPr/>
-              <a:t>15/02/2018</a:t>
-            </a:fld>
-            <a:endParaRPr lang="es-ES" dirty="0"/>
-          </a:p>
-        </p:txBody>
-      </p:sp>
-      <p:sp>
-        <p:nvSpPr>
-          <p:cNvPr id="6" name="Footer Placeholder 5"/>
-          <p:cNvSpPr>
-            <a:spLocks noGrp="1"/>
-          </p:cNvSpPr>
-          <p:nvPr>
-            <p:ph type="ftr" sz="quarter" idx="11"/>
-          </p:nvPr>
-        </p:nvSpPr>
-        <p:spPr/>
-        <p:txBody>
-          <a:bodyPr/>
-          <a:lstStyle/>
-          <a:p>
-            <a:pPr rtl="0"/>
-            <a:endParaRPr lang="es-ES" noProof="0" dirty="0"/>
-          </a:p>
-        </p:txBody>
-      </p:sp>
-      <p:sp>
-        <p:nvSpPr>
-          <p:cNvPr id="11" name="Freeform 11"/>
-          <p:cNvSpPr/>
-          <p:nvPr/>
-        </p:nvSpPr>
-        <p:spPr bwMode="auto">
-          <a:xfrm flipV="1">
-            <a:off x="-4189" y="4911725"/>
-            <a:ext cx="1588527" cy="507297"/>
-          </a:xfrm>
-          <a:custGeom>
-            <a:avLst/>
-            <a:gdLst/>
-            <a:ahLst/>
-            <a:cxnLst/>
-            <a:rect l="l" t="t" r="r" b="b"/>
-            <a:pathLst>
-              <a:path w="9248" h="10000">
-                <a:moveTo>
-                  <a:pt x="9248" y="4701"/>
-                </a:moveTo>
-                <a:lnTo>
-                  <a:pt x="7915" y="188"/>
-                </a:lnTo>
-                <a:cubicBezTo>
-                  <a:pt x="7906" y="156"/>
-                  <a:pt x="7895" y="126"/>
-                  <a:pt x="7886" y="94"/>
-                </a:cubicBezTo>
-                <a:cubicBezTo>
-                  <a:pt x="7859" y="0"/>
-                  <a:pt x="7831" y="0"/>
-                  <a:pt x="7803" y="0"/>
-                </a:cubicBezTo>
-                <a:lnTo>
-                  <a:pt x="7275" y="0"/>
-                </a:lnTo>
-                <a:lnTo>
-                  <a:pt x="0" y="70"/>
-                </a:lnTo>
-                <a:cubicBezTo>
-                  <a:pt x="8" y="3380"/>
-                  <a:pt x="17" y="6690"/>
-                  <a:pt x="25" y="10000"/>
-                </a:cubicBezTo>
-                <a:lnTo>
-                  <a:pt x="7275" y="9966"/>
-                </a:lnTo>
-                <a:lnTo>
-                  <a:pt x="7803" y="9966"/>
-                </a:lnTo>
-                <a:cubicBezTo>
-                  <a:pt x="7831" y="9966"/>
-                  <a:pt x="7859" y="9872"/>
-                  <a:pt x="7886" y="9872"/>
-                </a:cubicBezTo>
-                <a:cubicBezTo>
-                  <a:pt x="7886" y="9778"/>
-                  <a:pt x="7915" y="9778"/>
-                  <a:pt x="7915" y="9778"/>
-                </a:cubicBezTo>
-                <a:lnTo>
-                  <a:pt x="9248" y="5265"/>
-                </a:lnTo>
-                <a:cubicBezTo>
-                  <a:pt x="9303" y="5077"/>
-                  <a:pt x="9303" y="4889"/>
-                  <a:pt x="9248" y="4701"/>
-                </a:cubicBezTo>
-                <a:close/>
-              </a:path>
-            </a:pathLst>
-          </a:custGeom>
-          <a:solidFill>
-            <a:schemeClr val="accent1"/>
-          </a:solidFill>
-          <a:ln>
-            <a:noFill/>
-          </a:ln>
-        </p:spPr>
-      </p:sp>
-      <p:sp>
-        <p:nvSpPr>
-          <p:cNvPr id="7" name="Slide Number Placeholder 6"/>
-          <p:cNvSpPr>
-            <a:spLocks noGrp="1"/>
-          </p:cNvSpPr>
-          <p:nvPr>
-            <p:ph type="sldNum" sz="quarter" idx="12"/>
-          </p:nvPr>
-        </p:nvSpPr>
-        <p:spPr>
-          <a:xfrm>
-            <a:off x="531812" y="4983087"/>
-            <a:ext cx="779767" cy="365125"/>
-          </a:xfrm>
-        </p:spPr>
-        <p:txBody>
-          <a:bodyPr/>
-          <a:lstStyle/>
-          <a:p>
-            <a:pPr algn="r"/>
-            <a:fld id="{E31375A4-56A4-47D6-9801-1991572033F7}" type="slidenum">
-              <a:rPr lang="es-ES" smtClean="0"/>
-              <a:pPr algn="r"/>
-              <a:t>‹Nº›</a:t>
-            </a:fld>
-            <a:endParaRPr lang="es-ES" dirty="0"/>
-          </a:p>
-        </p:txBody>
-      </p:sp>
-      <p:sp>
-        <p:nvSpPr>
-          <p:cNvPr id="17" name="TextBox 16"/>
-          <p:cNvSpPr txBox="1"/>
-          <p:nvPr/>
-        </p:nvSpPr>
-        <p:spPr>
-          <a:xfrm>
-            <a:off x="2467652" y="648005"/>
-            <a:ext cx="609600" cy="584776"/>
-          </a:xfrm>
-          <a:prstGeom prst="rect">
-            <a:avLst/>
-          </a:prstGeom>
-        </p:spPr>
-        <p:txBody>
-          <a:bodyPr vert="horz" lIns="91440" tIns="45720" rIns="91440" bIns="45720" rtlCol="0" anchor="ctr">
-            <a:noAutofit/>
-          </a:bodyPr>
-          <a:lstStyle/>
-          <a:p>
-            <a:pPr lvl="0"/>
-            <a:r>
-              <a:rPr lang="en-US" sz="8000" baseline="0" dirty="0">
-                <a:ln w="3175" cmpd="sng">
-                  <a:noFill/>
-                </a:ln>
-                <a:solidFill>
-                  <a:schemeClr val="accent1"/>
-                </a:solidFill>
-                <a:effectLst/>
-                <a:latin typeface="Arial"/>
-              </a:rPr>
-              <a:t>“</a:t>
-            </a:r>
-          </a:p>
-        </p:txBody>
-      </p:sp>
-      <p:sp>
-        <p:nvSpPr>
-          <p:cNvPr id="18" name="TextBox 17"/>
-          <p:cNvSpPr txBox="1"/>
-          <p:nvPr/>
-        </p:nvSpPr>
-        <p:spPr>
-          <a:xfrm>
-            <a:off x="11114852" y="2905306"/>
-            <a:ext cx="609600" cy="584776"/>
-          </a:xfrm>
-          <a:prstGeom prst="rect">
-            <a:avLst/>
-          </a:prstGeom>
-        </p:spPr>
-        <p:txBody>
-          <a:bodyPr vert="horz" lIns="91440" tIns="45720" rIns="91440" bIns="45720" rtlCol="0" anchor="ctr">
-            <a:noAutofit/>
-          </a:bodyPr>
-          <a:lstStyle/>
-          <a:p>
-            <a:pPr lvl="0"/>
-            <a:r>
-              <a:rPr lang="en-US" sz="8000" baseline="0" dirty="0">
-                <a:ln w="3175" cmpd="sng">
-                  <a:noFill/>
-                </a:ln>
-                <a:solidFill>
-                  <a:schemeClr val="accent1"/>
-                </a:solidFill>
-                <a:effectLst/>
-                <a:latin typeface="Arial"/>
-              </a:rPr>
-              <a:t>”</a:t>
-            </a:r>
-          </a:p>
-        </p:txBody>
-      </p:sp>
-    </p:spTree>
-  </p:cSld>
-  <p:clrMapOvr>
-    <a:masterClrMapping/>
-  </p:clrMapOvr>
-</p:sldLayout>
-</file>
-
-<file path=ppt/slideLayouts/slideLayout14.xml><?xml version="1.0" encoding="utf-8"?>
-<p:sldLayout xmlns:a="http://schemas.openxmlformats.org/drawingml/2006/main" xmlns:r="http://schemas.openxmlformats.org/officeDocument/2006/relationships" xmlns:p="http://schemas.openxmlformats.org/presentationml/2006/main" preserve="1">
-  <p:cSld name="Verdadero o falso">
-    <p:spTree>
-      <p:nvGrpSpPr>
-        <p:cNvPr id="1" name=""/>
-        <p:cNvGrpSpPr/>
-        <p:nvPr/>
-      </p:nvGrpSpPr>
-      <p:grpSpPr>
-        <a:xfrm>
-          <a:off x="0" y="0"/>
-          <a:ext cx="0" cy="0"/>
-          <a:chOff x="0" y="0"/>
-          <a:chExt cx="0" cy="0"/>
-        </a:xfrm>
-      </p:grpSpPr>
-      <p:sp>
-        <p:nvSpPr>
-          <p:cNvPr id="2" name="Title 1"/>
-          <p:cNvSpPr>
-            <a:spLocks noGrp="1"/>
-          </p:cNvSpPr>
-          <p:nvPr>
-            <p:ph type="title"/>
-          </p:nvPr>
-        </p:nvSpPr>
-        <p:spPr>
-          <a:xfrm>
-            <a:off x="2589212" y="627407"/>
-            <a:ext cx="8915399" cy="2880020"/>
-          </a:xfrm>
-        </p:spPr>
-        <p:txBody>
-          <a:bodyPr anchor="ctr">
-            <a:normAutofit/>
-          </a:bodyPr>
-          <a:lstStyle>
-            <a:lvl1pPr algn="l">
-              <a:defRPr sz="4800" b="0"/>
-            </a:lvl1pPr>
-          </a:lstStyle>
-          <a:p>
-            <a:r>
-              <a:rPr lang="es-ES_tradnl"/>
-              <a:t>Haga clic para modificar el estilo de título del patrón</a:t>
-            </a:r>
-            <a:endParaRPr lang="en-US" dirty="0"/>
-          </a:p>
-        </p:txBody>
-      </p:sp>
-      <p:sp>
-        <p:nvSpPr>
-          <p:cNvPr id="21" name="Text Placeholder 9"/>
-          <p:cNvSpPr>
-            <a:spLocks noGrp="1"/>
-          </p:cNvSpPr>
-          <p:nvPr>
-            <p:ph type="body" sz="quarter" idx="13"/>
-          </p:nvPr>
-        </p:nvSpPr>
-        <p:spPr>
-          <a:xfrm>
-            <a:off x="2589212" y="4343400"/>
-            <a:ext cx="8915400" cy="838200"/>
-          </a:xfrm>
-        </p:spPr>
-        <p:txBody>
-          <a:bodyPr anchor="b">
-            <a:noAutofit/>
-          </a:bodyPr>
-          <a:lstStyle>
-            <a:lvl1pPr marL="0" indent="0">
-              <a:buFontTx/>
-              <a:buNone/>
-              <a:defRPr sz="2400">
-                <a:solidFill>
-                  <a:schemeClr val="accent1"/>
-                </a:solidFill>
-              </a:defRPr>
-            </a:lvl1pPr>
-            <a:lvl2pPr marL="457200" indent="0">
-              <a:buFontTx/>
-              <a:buNone/>
-              <a:defRPr/>
-            </a:lvl2pPr>
-            <a:lvl3pPr marL="914400" indent="0">
-              <a:buFontTx/>
-              <a:buNone/>
-              <a:defRPr/>
-            </a:lvl3pPr>
-            <a:lvl4pPr marL="1371600" indent="0">
-              <a:buFontTx/>
-              <a:buNone/>
-              <a:defRPr/>
-            </a:lvl4pPr>
-            <a:lvl5pPr marL="1828800" indent="0">
-              <a:buFontTx/>
-              <a:buNone/>
-              <a:defRPr/>
-            </a:lvl5pPr>
-          </a:lstStyle>
-          <a:p>
-            <a:pPr lvl="0"/>
-            <a:r>
-              <a:rPr lang="es-ES_tradnl"/>
-              <a:t>Haga clic para modificar los estilos de texto del patrón</a:t>
-            </a:r>
-          </a:p>
-        </p:txBody>
-      </p:sp>
-      <p:sp>
-        <p:nvSpPr>
-          <p:cNvPr id="4" name="Text Placeholder 3"/>
-          <p:cNvSpPr>
-            <a:spLocks noGrp="1"/>
-          </p:cNvSpPr>
-          <p:nvPr>
-            <p:ph type="body" sz="half" idx="2"/>
-          </p:nvPr>
-        </p:nvSpPr>
-        <p:spPr>
-          <a:xfrm>
-            <a:off x="2589213" y="5181600"/>
-            <a:ext cx="8915400" cy="729622"/>
-          </a:xfrm>
-        </p:spPr>
-        <p:txBody>
-          <a:bodyPr vert="horz" lIns="91440" tIns="45720" rIns="91440" bIns="45720" rtlCol="0" anchor="t">
-            <a:normAutofit/>
-          </a:bodyPr>
-          <a:lstStyle>
-            <a:lvl1pPr>
-              <a:buNone/>
-              <a:defRPr lang="en-US">
-                <a:solidFill>
-                  <a:schemeClr val="tx1">
-                    <a:lumMod val="65000"/>
-                    <a:lumOff val="35000"/>
-                  </a:schemeClr>
-                </a:solidFill>
-              </a:defRPr>
-            </a:lvl1pPr>
-          </a:lstStyle>
-          <a:p>
-            <a:pPr marL="0" lvl="0" indent="0">
-              <a:buNone/>
-            </a:pPr>
-            <a:r>
-              <a:rPr lang="es-ES_tradnl"/>
-              <a:t>Haga clic para modificar los estilos de texto del patrón</a:t>
-            </a:r>
-          </a:p>
-        </p:txBody>
-      </p:sp>
-      <p:sp>
-        <p:nvSpPr>
-          <p:cNvPr id="5" name="Date Placeholder 4"/>
-          <p:cNvSpPr>
-            <a:spLocks noGrp="1"/>
-          </p:cNvSpPr>
-          <p:nvPr>
-            <p:ph type="dt" sz="half" idx="10"/>
-          </p:nvPr>
-        </p:nvSpPr>
-        <p:spPr/>
-        <p:txBody>
-          <a:bodyPr/>
-          <a:lstStyle/>
-          <a:p>
-            <a:fld id="{F03D15E0-E6C7-48CB-A009-DF16BCB95302}" type="datetime1">
-              <a:rPr lang="es-ES" smtClean="0"/>
-              <a:pPr/>
-              <a:t>15/02/2018</a:t>
-            </a:fld>
-            <a:endParaRPr lang="es-ES" dirty="0"/>
-          </a:p>
-        </p:txBody>
-      </p:sp>
-      <p:sp>
-        <p:nvSpPr>
-          <p:cNvPr id="6" name="Footer Placeholder 5"/>
-          <p:cNvSpPr>
-            <a:spLocks noGrp="1"/>
-          </p:cNvSpPr>
-          <p:nvPr>
-            <p:ph type="ftr" sz="quarter" idx="11"/>
-          </p:nvPr>
-        </p:nvSpPr>
-        <p:spPr/>
-        <p:txBody>
-          <a:bodyPr/>
-          <a:lstStyle/>
-          <a:p>
-            <a:pPr rtl="0"/>
-            <a:endParaRPr lang="es-ES" noProof="0" dirty="0"/>
-          </a:p>
-        </p:txBody>
-      </p:sp>
-      <p:sp>
-        <p:nvSpPr>
-          <p:cNvPr id="9" name="Freeform 11"/>
-          <p:cNvSpPr/>
-          <p:nvPr/>
-        </p:nvSpPr>
-        <p:spPr bwMode="auto">
-          <a:xfrm flipV="1">
-            <a:off x="-4189" y="4911725"/>
-            <a:ext cx="1588527" cy="507297"/>
-          </a:xfrm>
-          <a:custGeom>
-            <a:avLst/>
-            <a:gdLst/>
-            <a:ahLst/>
-            <a:cxnLst/>
-            <a:rect l="l" t="t" r="r" b="b"/>
-            <a:pathLst>
-              <a:path w="9248" h="10000">
-                <a:moveTo>
-                  <a:pt x="9248" y="4701"/>
-                </a:moveTo>
-                <a:lnTo>
-                  <a:pt x="7915" y="188"/>
-                </a:lnTo>
-                <a:cubicBezTo>
-                  <a:pt x="7906" y="156"/>
-                  <a:pt x="7895" y="126"/>
-                  <a:pt x="7886" y="94"/>
-                </a:cubicBezTo>
-                <a:cubicBezTo>
-                  <a:pt x="7859" y="0"/>
-                  <a:pt x="7831" y="0"/>
-                  <a:pt x="7803" y="0"/>
-                </a:cubicBezTo>
-                <a:lnTo>
-                  <a:pt x="7275" y="0"/>
-                </a:lnTo>
-                <a:lnTo>
-                  <a:pt x="0" y="70"/>
-                </a:lnTo>
-                <a:cubicBezTo>
-                  <a:pt x="8" y="3380"/>
-                  <a:pt x="17" y="6690"/>
-                  <a:pt x="25" y="10000"/>
-                </a:cubicBezTo>
-                <a:lnTo>
-                  <a:pt x="7275" y="9966"/>
-                </a:lnTo>
-                <a:lnTo>
-                  <a:pt x="7803" y="9966"/>
-                </a:lnTo>
-                <a:cubicBezTo>
-                  <a:pt x="7831" y="9966"/>
-                  <a:pt x="7859" y="9872"/>
-                  <a:pt x="7886" y="9872"/>
-                </a:cubicBezTo>
-                <a:cubicBezTo>
-                  <a:pt x="7886" y="9778"/>
-                  <a:pt x="7915" y="9778"/>
-                  <a:pt x="7915" y="9778"/>
-                </a:cubicBezTo>
-                <a:lnTo>
-                  <a:pt x="9248" y="5265"/>
-                </a:lnTo>
-                <a:cubicBezTo>
-                  <a:pt x="9303" y="5077"/>
-                  <a:pt x="9303" y="4889"/>
-                  <a:pt x="9248" y="4701"/>
-                </a:cubicBezTo>
-                <a:close/>
-              </a:path>
-            </a:pathLst>
-          </a:custGeom>
-          <a:solidFill>
-            <a:schemeClr val="accent1"/>
-          </a:solidFill>
-          <a:ln>
-            <a:noFill/>
-          </a:ln>
-        </p:spPr>
-      </p:sp>
-      <p:sp>
-        <p:nvSpPr>
-          <p:cNvPr id="7" name="Slide Number Placeholder 6"/>
-          <p:cNvSpPr>
-            <a:spLocks noGrp="1"/>
-          </p:cNvSpPr>
-          <p:nvPr>
-            <p:ph type="sldNum" sz="quarter" idx="12"/>
-          </p:nvPr>
-        </p:nvSpPr>
-        <p:spPr>
-          <a:xfrm>
-            <a:off x="531812" y="4983087"/>
-            <a:ext cx="779767" cy="365125"/>
-          </a:xfrm>
-        </p:spPr>
-        <p:txBody>
-          <a:bodyPr/>
-          <a:lstStyle/>
-          <a:p>
-            <a:pPr algn="r"/>
-            <a:fld id="{E31375A4-56A4-47D6-9801-1991572033F7}" type="slidenum">
-              <a:rPr lang="es-ES" smtClean="0"/>
-              <a:pPr algn="r"/>
-              <a:t>‹Nº›</a:t>
-            </a:fld>
-            <a:endParaRPr lang="es-ES" dirty="0"/>
-          </a:p>
-        </p:txBody>
-      </p:sp>
-    </p:spTree>
-  </p:cSld>
-  <p:clrMapOvr>
-    <a:masterClrMapping/>
-  </p:clrMapOvr>
-</p:sldLayout>
-</file>
-
-<file path=ppt/slideLayouts/slideLayout15.xml><?xml version="1.0" encoding="utf-8"?>
 <p:sldLayout xmlns:a="http://schemas.openxmlformats.org/drawingml/2006/main" xmlns:r="http://schemas.openxmlformats.org/officeDocument/2006/relationships" xmlns:p="http://schemas.openxmlformats.org/presentationml/2006/main" type="vertTx" preserve="1">
   <p:cSld name="Título y texto vertical">
     <p:spTree>
@@ -5668,7 +3876,7 @@
           <a:lstStyle/>
           <a:p>
             <a:r>
-              <a:rPr lang="es-ES_tradnl"/>
+              <a:rPr lang="es-ES"/>
               <a:t>Haga clic para modificar el estilo de título del patrón</a:t>
             </a:r>
             <a:endParaRPr lang="en-US" dirty="0"/>
@@ -5687,40 +3895,40 @@
         </p:nvSpPr>
         <p:spPr/>
         <p:txBody>
-          <a:bodyPr vert="eaVert" anchor="t"/>
+          <a:bodyPr vert="eaVert" lIns="45720" tIns="0" rIns="45720" bIns="0"/>
           <a:lstStyle/>
           <a:p>
             <a:pPr lvl="0"/>
             <a:r>
-              <a:rPr lang="es-ES_tradnl"/>
-              <a:t>Haga clic para modificar los estilos de texto del patrón</a:t>
+              <a:rPr lang="es-ES"/>
+              <a:t>Editar los estilos de texto del patrón</a:t>
             </a:r>
           </a:p>
           <a:p>
             <a:pPr lvl="1"/>
             <a:r>
-              <a:rPr lang="es-ES_tradnl"/>
+              <a:rPr lang="es-ES"/>
               <a:t>Segundo nivel</a:t>
             </a:r>
           </a:p>
           <a:p>
             <a:pPr lvl="2"/>
             <a:r>
-              <a:rPr lang="es-ES_tradnl"/>
+              <a:rPr lang="es-ES"/>
               <a:t>Tercer nivel</a:t>
             </a:r>
           </a:p>
           <a:p>
             <a:pPr lvl="3"/>
             <a:r>
-              <a:rPr lang="es-ES_tradnl"/>
+              <a:rPr lang="es-ES"/>
               <a:t>Cuarto nivel</a:t>
             </a:r>
           </a:p>
           <a:p>
             <a:pPr lvl="4"/>
             <a:r>
-              <a:rPr lang="es-ES_tradnl"/>
+              <a:rPr lang="es-ES"/>
               <a:t>Quinto nivel</a:t>
             </a:r>
             <a:endParaRPr lang="en-US" dirty="0"/>
@@ -5745,7 +3953,7 @@
             <a:fld id="{FC1B432D-78E7-40AE-81C6-52773394A046}" type="datetime1">
               <a:rPr lang="es-ES" smtClean="0"/>
               <a:pPr/>
-              <a:t>15/02/2018</a:t>
+              <a:t>16/02/2018</a:t>
             </a:fld>
             <a:endParaRPr lang="es-ES" dirty="0"/>
           </a:p>
@@ -5773,78 +3981,111 @@
       </p:sp>
       <p:sp>
         <p:nvSpPr>
-          <p:cNvPr id="8" name="Freeform 11"/>
+          <p:cNvPr id="6" name="Slide Number Placeholder 5"/>
+          <p:cNvSpPr>
+            <a:spLocks noGrp="1"/>
+          </p:cNvSpPr>
+          <p:nvPr>
+            <p:ph type="sldNum" sz="quarter" idx="12"/>
+          </p:nvPr>
+        </p:nvSpPr>
+        <p:spPr/>
+        <p:txBody>
+          <a:bodyPr/>
+          <a:lstStyle/>
+          <a:p>
+            <a:pPr algn="r"/>
+            <a:fld id="{E31375A4-56A4-47D6-9801-1991572033F7}" type="slidenum">
+              <a:rPr lang="es-ES" smtClean="0"/>
+              <a:pPr algn="r"/>
+              <a:t>‹Nº›</a:t>
+            </a:fld>
+            <a:endParaRPr lang="es-ES" dirty="0"/>
+          </a:p>
+        </p:txBody>
+      </p:sp>
+    </p:spTree>
+    <p:extLst>
+      <p:ext uri="{BB962C8B-B14F-4D97-AF65-F5344CB8AC3E}">
+        <p14:creationId xmlns:p14="http://schemas.microsoft.com/office/powerpoint/2010/main" val="3347914734"/>
+      </p:ext>
+    </p:extLst>
+  </p:cSld>
+  <p:clrMapOvr>
+    <a:masterClrMapping/>
+  </p:clrMapOvr>
+</p:sldLayout>
+</file>
+
+<file path=ppt/slideLayouts/slideLayout11.xml><?xml version="1.0" encoding="utf-8"?>
+<p:sldLayout xmlns:a="http://schemas.openxmlformats.org/drawingml/2006/main" xmlns:r="http://schemas.openxmlformats.org/officeDocument/2006/relationships" xmlns:p="http://schemas.openxmlformats.org/presentationml/2006/main" showMasterSp="0" type="vertTitleAndTx" preserve="1">
+  <p:cSld name="Título vertical y texto">
+    <p:spTree>
+      <p:nvGrpSpPr>
+        <p:cNvPr id="1" name=""/>
+        <p:cNvGrpSpPr/>
+        <p:nvPr/>
+      </p:nvGrpSpPr>
+      <p:grpSpPr>
+        <a:xfrm>
+          <a:off x="0" y="0"/>
+          <a:ext cx="0" cy="0"/>
+          <a:chOff x="0" y="0"/>
+          <a:chExt cx="0" cy="0"/>
+        </a:xfrm>
+      </p:grpSpPr>
+      <p:sp>
+        <p:nvSpPr>
+          <p:cNvPr id="7" name="Rectangle 6"/>
           <p:cNvSpPr/>
           <p:nvPr/>
         </p:nvSpPr>
-        <p:spPr bwMode="auto">
-          <a:xfrm flipV="1">
-            <a:off x="-4189" y="714375"/>
-            <a:ext cx="1588527" cy="507297"/>
+        <p:spPr>
+          <a:xfrm>
+            <a:off x="3175" y="6400800"/>
+            <a:ext cx="12188825" cy="457200"/>
           </a:xfrm>
-          <a:custGeom>
+          <a:prstGeom prst="rect">
             <a:avLst/>
-            <a:gdLst/>
-            <a:ahLst/>
-            <a:cxnLst/>
-            <a:rect l="l" t="t" r="r" b="b"/>
-            <a:pathLst>
-              <a:path w="9248" h="10000">
-                <a:moveTo>
-                  <a:pt x="9248" y="4701"/>
-                </a:moveTo>
-                <a:lnTo>
-                  <a:pt x="7915" y="188"/>
-                </a:lnTo>
-                <a:cubicBezTo>
-                  <a:pt x="7906" y="156"/>
-                  <a:pt x="7895" y="126"/>
-                  <a:pt x="7886" y="94"/>
-                </a:cubicBezTo>
-                <a:cubicBezTo>
-                  <a:pt x="7859" y="0"/>
-                  <a:pt x="7831" y="0"/>
-                  <a:pt x="7803" y="0"/>
-                </a:cubicBezTo>
-                <a:lnTo>
-                  <a:pt x="7275" y="0"/>
-                </a:lnTo>
-                <a:lnTo>
-                  <a:pt x="0" y="70"/>
-                </a:lnTo>
-                <a:cubicBezTo>
-                  <a:pt x="8" y="3380"/>
-                  <a:pt x="17" y="6690"/>
-                  <a:pt x="25" y="10000"/>
-                </a:cubicBezTo>
-                <a:lnTo>
-                  <a:pt x="7275" y="9966"/>
-                </a:lnTo>
-                <a:lnTo>
-                  <a:pt x="7803" y="9966"/>
-                </a:lnTo>
-                <a:cubicBezTo>
-                  <a:pt x="7831" y="9966"/>
-                  <a:pt x="7859" y="9872"/>
-                  <a:pt x="7886" y="9872"/>
-                </a:cubicBezTo>
-                <a:cubicBezTo>
-                  <a:pt x="7886" y="9778"/>
-                  <a:pt x="7915" y="9778"/>
-                  <a:pt x="7915" y="9778"/>
-                </a:cubicBezTo>
-                <a:lnTo>
-                  <a:pt x="9248" y="5265"/>
-                </a:lnTo>
-                <a:cubicBezTo>
-                  <a:pt x="9303" y="5077"/>
-                  <a:pt x="9303" y="4889"/>
-                  <a:pt x="9248" y="4701"/>
-                </a:cubicBezTo>
-                <a:close/>
-              </a:path>
-            </a:pathLst>
-          </a:custGeom>
+          </a:prstGeom>
+          <a:solidFill>
+            <a:schemeClr val="accent2"/>
+          </a:solidFill>
+          <a:ln>
+            <a:noFill/>
+          </a:ln>
+        </p:spPr>
+        <p:style>
+          <a:lnRef idx="2">
+            <a:schemeClr val="accent1">
+              <a:shade val="50000"/>
+            </a:schemeClr>
+          </a:lnRef>
+          <a:fillRef idx="1">
+            <a:schemeClr val="accent1"/>
+          </a:fillRef>
+          <a:effectRef idx="0">
+            <a:schemeClr val="accent1"/>
+          </a:effectRef>
+          <a:fontRef idx="minor">
+            <a:schemeClr val="lt1"/>
+          </a:fontRef>
+        </p:style>
+      </p:sp>
+      <p:sp>
+        <p:nvSpPr>
+          <p:cNvPr id="8" name="Rectangle 7"/>
+          <p:cNvSpPr/>
+          <p:nvPr/>
+        </p:nvSpPr>
+        <p:spPr>
+          <a:xfrm>
+            <a:off x="15" y="6334316"/>
+            <a:ext cx="12188825" cy="64008"/>
+          </a:xfrm>
+          <a:prstGeom prst="rect">
+            <a:avLst/>
+          </a:prstGeom>
           <a:solidFill>
             <a:schemeClr val="accent1"/>
           </a:solidFill>
@@ -5852,6 +4093,152 @@
             <a:noFill/>
           </a:ln>
         </p:spPr>
+        <p:style>
+          <a:lnRef idx="2">
+            <a:schemeClr val="accent1">
+              <a:shade val="50000"/>
+            </a:schemeClr>
+          </a:lnRef>
+          <a:fillRef idx="1">
+            <a:schemeClr val="accent1"/>
+          </a:fillRef>
+          <a:effectRef idx="0">
+            <a:schemeClr val="accent1"/>
+          </a:effectRef>
+          <a:fontRef idx="minor">
+            <a:schemeClr val="lt1"/>
+          </a:fontRef>
+        </p:style>
+      </p:sp>
+      <p:sp>
+        <p:nvSpPr>
+          <p:cNvPr id="2" name="Vertical Title 1"/>
+          <p:cNvSpPr>
+            <a:spLocks noGrp="1"/>
+          </p:cNvSpPr>
+          <p:nvPr>
+            <p:ph type="title" orient="vert"/>
+          </p:nvPr>
+        </p:nvSpPr>
+        <p:spPr>
+          <a:xfrm>
+            <a:off x="8724900" y="412302"/>
+            <a:ext cx="2628900" cy="5759898"/>
+          </a:xfrm>
+        </p:spPr>
+        <p:txBody>
+          <a:bodyPr vert="eaVert"/>
+          <a:lstStyle/>
+          <a:p>
+            <a:r>
+              <a:rPr lang="es-ES"/>
+              <a:t>Haga clic para modificar el estilo de título del patrón</a:t>
+            </a:r>
+            <a:endParaRPr lang="en-US" dirty="0"/>
+          </a:p>
+        </p:txBody>
+      </p:sp>
+      <p:sp>
+        <p:nvSpPr>
+          <p:cNvPr id="3" name="Vertical Text Placeholder 2"/>
+          <p:cNvSpPr>
+            <a:spLocks noGrp="1"/>
+          </p:cNvSpPr>
+          <p:nvPr>
+            <p:ph type="body" orient="vert" idx="1"/>
+          </p:nvPr>
+        </p:nvSpPr>
+        <p:spPr>
+          <a:xfrm>
+            <a:off x="838200" y="412302"/>
+            <a:ext cx="7734300" cy="5759898"/>
+          </a:xfrm>
+        </p:spPr>
+        <p:txBody>
+          <a:bodyPr vert="eaVert" lIns="45720" tIns="0" rIns="45720" bIns="0"/>
+          <a:lstStyle/>
+          <a:p>
+            <a:pPr lvl="0"/>
+            <a:r>
+              <a:rPr lang="es-ES"/>
+              <a:t>Editar los estilos de texto del patrón</a:t>
+            </a:r>
+          </a:p>
+          <a:p>
+            <a:pPr lvl="1"/>
+            <a:r>
+              <a:rPr lang="es-ES"/>
+              <a:t>Segundo nivel</a:t>
+            </a:r>
+          </a:p>
+          <a:p>
+            <a:pPr lvl="2"/>
+            <a:r>
+              <a:rPr lang="es-ES"/>
+              <a:t>Tercer nivel</a:t>
+            </a:r>
+          </a:p>
+          <a:p>
+            <a:pPr lvl="3"/>
+            <a:r>
+              <a:rPr lang="es-ES"/>
+              <a:t>Cuarto nivel</a:t>
+            </a:r>
+          </a:p>
+          <a:p>
+            <a:pPr lvl="4"/>
+            <a:r>
+              <a:rPr lang="es-ES"/>
+              <a:t>Quinto nivel</a:t>
+            </a:r>
+            <a:endParaRPr lang="en-US" dirty="0"/>
+          </a:p>
+        </p:txBody>
+      </p:sp>
+      <p:sp>
+        <p:nvSpPr>
+          <p:cNvPr id="4" name="Date Placeholder 3"/>
+          <p:cNvSpPr>
+            <a:spLocks noGrp="1"/>
+          </p:cNvSpPr>
+          <p:nvPr>
+            <p:ph type="dt" sz="half" idx="10"/>
+          </p:nvPr>
+        </p:nvSpPr>
+        <p:spPr/>
+        <p:txBody>
+          <a:bodyPr/>
+          <a:lstStyle/>
+          <a:p>
+            <a:pPr algn="r"/>
+            <a:fld id="{E062C603-371F-4D8B-AFB8-8337237C6271}" type="datetime1">
+              <a:rPr lang="es-ES" smtClean="0"/>
+              <a:pPr algn="r"/>
+              <a:t>16/02/2018</a:t>
+            </a:fld>
+            <a:endParaRPr lang="es-ES" dirty="0"/>
+          </a:p>
+        </p:txBody>
+      </p:sp>
+      <p:sp>
+        <p:nvSpPr>
+          <p:cNvPr id="5" name="Footer Placeholder 4"/>
+          <p:cNvSpPr>
+            <a:spLocks noGrp="1"/>
+          </p:cNvSpPr>
+          <p:nvPr>
+            <p:ph type="ftr" sz="quarter" idx="11"/>
+          </p:nvPr>
+        </p:nvSpPr>
+        <p:spPr/>
+        <p:txBody>
+          <a:bodyPr/>
+          <a:lstStyle/>
+          <a:p>
+            <a:pPr rtl="0"/>
+            <a:endParaRPr lang="es-ES" noProof="0" dirty="0"/>
+          </a:p>
+        </p:txBody>
       </p:sp>
       <p:sp>
         <p:nvSpPr>
@@ -5879,6 +4266,11 @@
         </p:txBody>
       </p:sp>
     </p:spTree>
+    <p:extLst>
+      <p:ext uri="{BB962C8B-B14F-4D97-AF65-F5344CB8AC3E}">
+        <p14:creationId xmlns:p14="http://schemas.microsoft.com/office/powerpoint/2010/main" val="1839329774"/>
+      </p:ext>
+    </p:extLst>
   </p:cSld>
   <p:clrMapOvr>
     <a:masterClrMapping/>
@@ -5886,269 +4278,7 @@
 </p:sldLayout>
 </file>
 
-<file path=ppt/slideLayouts/slideLayout16.xml><?xml version="1.0" encoding="utf-8"?>
-<p:sldLayout xmlns:a="http://schemas.openxmlformats.org/drawingml/2006/main" xmlns:r="http://schemas.openxmlformats.org/officeDocument/2006/relationships" xmlns:p="http://schemas.openxmlformats.org/presentationml/2006/main" type="vertTitleAndTx" preserve="1">
-  <p:cSld name="Título vertical y texto">
-    <p:spTree>
-      <p:nvGrpSpPr>
-        <p:cNvPr id="1" name=""/>
-        <p:cNvGrpSpPr/>
-        <p:nvPr/>
-      </p:nvGrpSpPr>
-      <p:grpSpPr>
-        <a:xfrm>
-          <a:off x="0" y="0"/>
-          <a:ext cx="0" cy="0"/>
-          <a:chOff x="0" y="0"/>
-          <a:chExt cx="0" cy="0"/>
-        </a:xfrm>
-      </p:grpSpPr>
-      <p:sp>
-        <p:nvSpPr>
-          <p:cNvPr id="2" name="Vertical Title 1"/>
-          <p:cNvSpPr>
-            <a:spLocks noGrp="1"/>
-          </p:cNvSpPr>
-          <p:nvPr>
-            <p:ph type="title" orient="vert"/>
-          </p:nvPr>
-        </p:nvSpPr>
-        <p:spPr>
-          <a:xfrm>
-            <a:off x="9294812" y="627405"/>
-            <a:ext cx="2207601" cy="5283817"/>
-          </a:xfrm>
-        </p:spPr>
-        <p:txBody>
-          <a:bodyPr vert="eaVert" anchor="ctr"/>
-          <a:lstStyle/>
-          <a:p>
-            <a:r>
-              <a:rPr lang="es-ES_tradnl"/>
-              <a:t>Haga clic para modificar el estilo de título del patrón</a:t>
-            </a:r>
-            <a:endParaRPr lang="en-US" dirty="0"/>
-          </a:p>
-        </p:txBody>
-      </p:sp>
-      <p:sp>
-        <p:nvSpPr>
-          <p:cNvPr id="3" name="Vertical Text Placeholder 2"/>
-          <p:cNvSpPr>
-            <a:spLocks noGrp="1"/>
-          </p:cNvSpPr>
-          <p:nvPr>
-            <p:ph type="body" orient="vert" idx="1"/>
-          </p:nvPr>
-        </p:nvSpPr>
-        <p:spPr>
-          <a:xfrm>
-            <a:off x="2589212" y="627405"/>
-            <a:ext cx="6477000" cy="5283817"/>
-          </a:xfrm>
-        </p:spPr>
-        <p:txBody>
-          <a:bodyPr vert="eaVert"/>
-          <a:lstStyle/>
-          <a:p>
-            <a:pPr lvl="0"/>
-            <a:r>
-              <a:rPr lang="es-ES_tradnl"/>
-              <a:t>Haga clic para modificar los estilos de texto del patrón</a:t>
-            </a:r>
-          </a:p>
-          <a:p>
-            <a:pPr lvl="1"/>
-            <a:r>
-              <a:rPr lang="es-ES_tradnl"/>
-              <a:t>Segundo nivel</a:t>
-            </a:r>
-          </a:p>
-          <a:p>
-            <a:pPr lvl="2"/>
-            <a:r>
-              <a:rPr lang="es-ES_tradnl"/>
-              <a:t>Tercer nivel</a:t>
-            </a:r>
-          </a:p>
-          <a:p>
-            <a:pPr lvl="3"/>
-            <a:r>
-              <a:rPr lang="es-ES_tradnl"/>
-              <a:t>Cuarto nivel</a:t>
-            </a:r>
-          </a:p>
-          <a:p>
-            <a:pPr lvl="4"/>
-            <a:r>
-              <a:rPr lang="es-ES_tradnl"/>
-              <a:t>Quinto nivel</a:t>
-            </a:r>
-            <a:endParaRPr lang="en-US" dirty="0"/>
-          </a:p>
-        </p:txBody>
-      </p:sp>
-      <p:sp>
-        <p:nvSpPr>
-          <p:cNvPr id="4" name="Date Placeholder 3"/>
-          <p:cNvSpPr>
-            <a:spLocks noGrp="1"/>
-          </p:cNvSpPr>
-          <p:nvPr>
-            <p:ph type="dt" sz="half" idx="10"/>
-          </p:nvPr>
-        </p:nvSpPr>
-        <p:spPr/>
-        <p:txBody>
-          <a:bodyPr/>
-          <a:lstStyle/>
-          <a:p>
-            <a:pPr algn="r"/>
-            <a:fld id="{E062C603-371F-4D8B-AFB8-8337237C6271}" type="datetime1">
-              <a:rPr lang="es-ES" smtClean="0"/>
-              <a:pPr algn="r"/>
-              <a:t>15/02/2018</a:t>
-            </a:fld>
-            <a:endParaRPr lang="es-ES" dirty="0"/>
-          </a:p>
-        </p:txBody>
-      </p:sp>
-      <p:sp>
-        <p:nvSpPr>
-          <p:cNvPr id="5" name="Footer Placeholder 4"/>
-          <p:cNvSpPr>
-            <a:spLocks noGrp="1"/>
-          </p:cNvSpPr>
-          <p:nvPr>
-            <p:ph type="ftr" sz="quarter" idx="11"/>
-          </p:nvPr>
-        </p:nvSpPr>
-        <p:spPr/>
-        <p:txBody>
-          <a:bodyPr/>
-          <a:lstStyle/>
-          <a:p>
-            <a:pPr rtl="0"/>
-            <a:endParaRPr lang="es-ES" noProof="0" dirty="0"/>
-          </a:p>
-        </p:txBody>
-      </p:sp>
-      <p:sp>
-        <p:nvSpPr>
-          <p:cNvPr id="8" name="Freeform 11"/>
-          <p:cNvSpPr/>
-          <p:nvPr/>
-        </p:nvSpPr>
-        <p:spPr bwMode="auto">
-          <a:xfrm flipV="1">
-            <a:off x="-4189" y="714375"/>
-            <a:ext cx="1588527" cy="507297"/>
-          </a:xfrm>
-          <a:custGeom>
-            <a:avLst/>
-            <a:gdLst/>
-            <a:ahLst/>
-            <a:cxnLst/>
-            <a:rect l="l" t="t" r="r" b="b"/>
-            <a:pathLst>
-              <a:path w="9248" h="10000">
-                <a:moveTo>
-                  <a:pt x="9248" y="4701"/>
-                </a:moveTo>
-                <a:lnTo>
-                  <a:pt x="7915" y="188"/>
-                </a:lnTo>
-                <a:cubicBezTo>
-                  <a:pt x="7906" y="156"/>
-                  <a:pt x="7895" y="126"/>
-                  <a:pt x="7886" y="94"/>
-                </a:cubicBezTo>
-                <a:cubicBezTo>
-                  <a:pt x="7859" y="0"/>
-                  <a:pt x="7831" y="0"/>
-                  <a:pt x="7803" y="0"/>
-                </a:cubicBezTo>
-                <a:lnTo>
-                  <a:pt x="7275" y="0"/>
-                </a:lnTo>
-                <a:lnTo>
-                  <a:pt x="0" y="70"/>
-                </a:lnTo>
-                <a:cubicBezTo>
-                  <a:pt x="8" y="3380"/>
-                  <a:pt x="17" y="6690"/>
-                  <a:pt x="25" y="10000"/>
-                </a:cubicBezTo>
-                <a:lnTo>
-                  <a:pt x="7275" y="9966"/>
-                </a:lnTo>
-                <a:lnTo>
-                  <a:pt x="7803" y="9966"/>
-                </a:lnTo>
-                <a:cubicBezTo>
-                  <a:pt x="7831" y="9966"/>
-                  <a:pt x="7859" y="9872"/>
-                  <a:pt x="7886" y="9872"/>
-                </a:cubicBezTo>
-                <a:cubicBezTo>
-                  <a:pt x="7886" y="9778"/>
-                  <a:pt x="7915" y="9778"/>
-                  <a:pt x="7915" y="9778"/>
-                </a:cubicBezTo>
-                <a:lnTo>
-                  <a:pt x="9248" y="5265"/>
-                </a:lnTo>
-                <a:cubicBezTo>
-                  <a:pt x="9303" y="5077"/>
-                  <a:pt x="9303" y="4889"/>
-                  <a:pt x="9248" y="4701"/>
-                </a:cubicBezTo>
-                <a:close/>
-              </a:path>
-            </a:pathLst>
-          </a:custGeom>
-          <a:solidFill>
-            <a:schemeClr val="accent1"/>
-          </a:solidFill>
-          <a:ln>
-            <a:noFill/>
-          </a:ln>
-        </p:spPr>
-      </p:sp>
-      <p:sp>
-        <p:nvSpPr>
-          <p:cNvPr id="6" name="Slide Number Placeholder 5"/>
-          <p:cNvSpPr>
-            <a:spLocks noGrp="1"/>
-          </p:cNvSpPr>
-          <p:nvPr>
-            <p:ph type="sldNum" sz="quarter" idx="12"/>
-          </p:nvPr>
-        </p:nvSpPr>
-        <p:spPr/>
-        <p:txBody>
-          <a:bodyPr/>
-          <a:lstStyle/>
-          <a:p>
-            <a:pPr algn="r"/>
-            <a:fld id="{E31375A4-56A4-47D6-9801-1991572033F7}" type="slidenum">
-              <a:rPr lang="es-ES" smtClean="0"/>
-              <a:pPr algn="r"/>
-              <a:t>‹Nº›</a:t>
-            </a:fld>
-            <a:endParaRPr lang="es-ES" dirty="0"/>
-          </a:p>
-        </p:txBody>
-      </p:sp>
-    </p:spTree>
-  </p:cSld>
-  <p:clrMapOvr>
-    <a:masterClrMapping/>
-  </p:clrMapOvr>
-</p:sldLayout>
-</file>
-
-<file path=ppt/slideLayouts/slideLayout17.xml><?xml version="1.0" encoding="utf-8"?>
+<file path=ppt/slideLayouts/slideLayout12.xml><?xml version="1.0" encoding="utf-8"?>
 <p:sldLayout xmlns:a="http://schemas.openxmlformats.org/drawingml/2006/main" xmlns:r="http://schemas.openxmlformats.org/officeDocument/2006/relationships" xmlns:p="http://schemas.openxmlformats.org/presentationml/2006/main" preserve="1" userDrawn="1">
   <p:cSld name="1_Contenido con título">
     <p:spTree>
@@ -6378,7 +4508,7 @@
             <a:fld id="{AF364E66-D00E-49A9-9E62-AB0485562249}" type="datetime1">
               <a:rPr lang="es-ES" smtClean="0"/>
               <a:pPr algn="r"/>
-              <a:t>15/02/2018</a:t>
+              <a:t>16/02/2018</a:t>
             </a:fld>
             <a:endParaRPr lang="es-ES" dirty="0"/>
           </a:p>
@@ -6472,18 +4602,13 @@
             <p:ph type="title"/>
           </p:nvPr>
         </p:nvSpPr>
-        <p:spPr>
-          <a:xfrm>
-            <a:off x="2592925" y="624110"/>
-            <a:ext cx="8911687" cy="1280890"/>
-          </a:xfrm>
-        </p:spPr>
+        <p:spPr/>
         <p:txBody>
           <a:bodyPr/>
           <a:lstStyle/>
           <a:p>
             <a:r>
-              <a:rPr lang="es-ES_tradnl"/>
+              <a:rPr lang="es-ES"/>
               <a:t>Haga clic para modificar el estilo de título del patrón</a:t>
             </a:r>
             <a:endParaRPr lang="en-US" dirty="0"/>
@@ -6500,47 +4625,42 @@
             <p:ph idx="1"/>
           </p:nvPr>
         </p:nvSpPr>
-        <p:spPr>
-          <a:xfrm>
-            <a:off x="2589212" y="2133600"/>
-            <a:ext cx="8915400" cy="3777622"/>
-          </a:xfrm>
-        </p:spPr>
+        <p:spPr/>
         <p:txBody>
           <a:bodyPr/>
           <a:lstStyle/>
           <a:p>
             <a:pPr lvl="0"/>
             <a:r>
-              <a:rPr lang="es-ES_tradnl"/>
-              <a:t>Haga clic para modificar los estilos de texto del patrón</a:t>
+              <a:rPr lang="es-ES"/>
+              <a:t>Editar los estilos de texto del patrón</a:t>
             </a:r>
           </a:p>
           <a:p>
             <a:pPr lvl="1"/>
             <a:r>
-              <a:rPr lang="es-ES_tradnl"/>
+              <a:rPr lang="es-ES"/>
               <a:t>Segundo nivel</a:t>
             </a:r>
           </a:p>
           <a:p>
             <a:pPr lvl="2"/>
             <a:r>
-              <a:rPr lang="es-ES_tradnl"/>
+              <a:rPr lang="es-ES"/>
               <a:t>Tercer nivel</a:t>
             </a:r>
           </a:p>
           <a:p>
             <a:pPr lvl="3"/>
             <a:r>
-              <a:rPr lang="es-ES_tradnl"/>
+              <a:rPr lang="es-ES"/>
               <a:t>Cuarto nivel</a:t>
             </a:r>
           </a:p>
           <a:p>
             <a:pPr lvl="4"/>
             <a:r>
-              <a:rPr lang="es-ES_tradnl"/>
+              <a:rPr lang="es-ES"/>
               <a:t>Quinto nivel</a:t>
             </a:r>
             <a:endParaRPr lang="en-US" dirty="0"/>
@@ -6565,7 +4685,7 @@
             <a:fld id="{F03D15E0-E6C7-48CB-A009-DF16BCB95302}" type="datetime1">
               <a:rPr lang="es-ES" smtClean="0"/>
               <a:pPr/>
-              <a:t>15/02/2018</a:t>
+              <a:t>16/02/2018</a:t>
             </a:fld>
             <a:endParaRPr lang="es-ES" dirty="0"/>
           </a:p>
@@ -6593,88 +4713,6 @@
       </p:sp>
       <p:sp>
         <p:nvSpPr>
-          <p:cNvPr id="8" name="Freeform 11"/>
-          <p:cNvSpPr/>
-          <p:nvPr/>
-        </p:nvSpPr>
-        <p:spPr bwMode="auto">
-          <a:xfrm flipV="1">
-            <a:off x="-4189" y="714375"/>
-            <a:ext cx="1588527" cy="507297"/>
-          </a:xfrm>
-          <a:custGeom>
-            <a:avLst/>
-            <a:gdLst/>
-            <a:ahLst/>
-            <a:cxnLst/>
-            <a:rect l="l" t="t" r="r" b="b"/>
-            <a:pathLst>
-              <a:path w="9248" h="10000">
-                <a:moveTo>
-                  <a:pt x="9248" y="4701"/>
-                </a:moveTo>
-                <a:lnTo>
-                  <a:pt x="7915" y="188"/>
-                </a:lnTo>
-                <a:cubicBezTo>
-                  <a:pt x="7906" y="156"/>
-                  <a:pt x="7895" y="126"/>
-                  <a:pt x="7886" y="94"/>
-                </a:cubicBezTo>
-                <a:cubicBezTo>
-                  <a:pt x="7859" y="0"/>
-                  <a:pt x="7831" y="0"/>
-                  <a:pt x="7803" y="0"/>
-                </a:cubicBezTo>
-                <a:lnTo>
-                  <a:pt x="7275" y="0"/>
-                </a:lnTo>
-                <a:lnTo>
-                  <a:pt x="0" y="70"/>
-                </a:lnTo>
-                <a:cubicBezTo>
-                  <a:pt x="8" y="3380"/>
-                  <a:pt x="17" y="6690"/>
-                  <a:pt x="25" y="10000"/>
-                </a:cubicBezTo>
-                <a:lnTo>
-                  <a:pt x="7275" y="9966"/>
-                </a:lnTo>
-                <a:lnTo>
-                  <a:pt x="7803" y="9966"/>
-                </a:lnTo>
-                <a:cubicBezTo>
-                  <a:pt x="7831" y="9966"/>
-                  <a:pt x="7859" y="9872"/>
-                  <a:pt x="7886" y="9872"/>
-                </a:cubicBezTo>
-                <a:cubicBezTo>
-                  <a:pt x="7886" y="9778"/>
-                  <a:pt x="7915" y="9778"/>
-                  <a:pt x="7915" y="9778"/>
-                </a:cubicBezTo>
-                <a:lnTo>
-                  <a:pt x="9248" y="5265"/>
-                </a:lnTo>
-                <a:cubicBezTo>
-                  <a:pt x="9303" y="5077"/>
-                  <a:pt x="9303" y="4889"/>
-                  <a:pt x="9248" y="4701"/>
-                </a:cubicBezTo>
-                <a:close/>
-              </a:path>
-            </a:pathLst>
-          </a:custGeom>
-          <a:solidFill>
-            <a:schemeClr val="accent1"/>
-          </a:solidFill>
-          <a:ln>
-            <a:noFill/>
-          </a:ln>
-        </p:spPr>
-      </p:sp>
-      <p:sp>
-        <p:nvSpPr>
           <p:cNvPr id="6" name="Slide Number Placeholder 5"/>
           <p:cNvSpPr>
             <a:spLocks noGrp="1"/>
@@ -6699,6 +4737,11 @@
         </p:txBody>
       </p:sp>
     </p:spTree>
+    <p:extLst>
+      <p:ext uri="{BB962C8B-B14F-4D97-AF65-F5344CB8AC3E}">
+        <p14:creationId xmlns:p14="http://schemas.microsoft.com/office/powerpoint/2010/main" val="1147113561"/>
+      </p:ext>
+    </p:extLst>
   </p:cSld>
   <p:clrMapOvr>
     <a:masterClrMapping/>
@@ -6707,8 +4750,16 @@
 </file>
 
 <file path=ppt/slideLayouts/slideLayout3.xml><?xml version="1.0" encoding="utf-8"?>
-<p:sldLayout xmlns:a="http://schemas.openxmlformats.org/drawingml/2006/main" xmlns:r="http://schemas.openxmlformats.org/officeDocument/2006/relationships" xmlns:p="http://schemas.openxmlformats.org/presentationml/2006/main" type="secHead" preserve="1">
+<p:sldLayout xmlns:a="http://schemas.openxmlformats.org/drawingml/2006/main" xmlns:r="http://schemas.openxmlformats.org/officeDocument/2006/relationships" xmlns:p="http://schemas.openxmlformats.org/presentationml/2006/main" showMasterSp="0" type="secHead" preserve="1">
   <p:cSld name="Encabezado de sección">
+    <p:bg>
+      <p:bgPr>
+        <a:solidFill>
+          <a:schemeClr val="bg1"/>
+        </a:solidFill>
+        <a:effectLst/>
+      </p:bgPr>
+    </p:bg>
     <p:spTree>
       <p:nvGrpSpPr>
         <p:cNvPr id="1" name=""/>
@@ -6725,6 +4776,82 @@
       </p:grpSpPr>
       <p:sp>
         <p:nvSpPr>
+          <p:cNvPr id="7" name="Rectangle 6"/>
+          <p:cNvSpPr/>
+          <p:nvPr/>
+        </p:nvSpPr>
+        <p:spPr>
+          <a:xfrm>
+            <a:off x="3175" y="6400800"/>
+            <a:ext cx="12188825" cy="457200"/>
+          </a:xfrm>
+          <a:prstGeom prst="rect">
+            <a:avLst/>
+          </a:prstGeom>
+          <a:solidFill>
+            <a:schemeClr val="accent2"/>
+          </a:solidFill>
+          <a:ln>
+            <a:noFill/>
+          </a:ln>
+        </p:spPr>
+        <p:style>
+          <a:lnRef idx="2">
+            <a:schemeClr val="accent1">
+              <a:shade val="50000"/>
+            </a:schemeClr>
+          </a:lnRef>
+          <a:fillRef idx="1">
+            <a:schemeClr val="accent1"/>
+          </a:fillRef>
+          <a:effectRef idx="0">
+            <a:schemeClr val="accent1"/>
+          </a:effectRef>
+          <a:fontRef idx="minor">
+            <a:schemeClr val="lt1"/>
+          </a:fontRef>
+        </p:style>
+      </p:sp>
+      <p:sp>
+        <p:nvSpPr>
+          <p:cNvPr id="8" name="Rectangle 7"/>
+          <p:cNvSpPr/>
+          <p:nvPr/>
+        </p:nvSpPr>
+        <p:spPr>
+          <a:xfrm>
+            <a:off x="15" y="6334316"/>
+            <a:ext cx="12188825" cy="64008"/>
+          </a:xfrm>
+          <a:prstGeom prst="rect">
+            <a:avLst/>
+          </a:prstGeom>
+          <a:solidFill>
+            <a:schemeClr val="accent1"/>
+          </a:solidFill>
+          <a:ln>
+            <a:noFill/>
+          </a:ln>
+        </p:spPr>
+        <p:style>
+          <a:lnRef idx="2">
+            <a:schemeClr val="accent1">
+              <a:shade val="50000"/>
+            </a:schemeClr>
+          </a:lnRef>
+          <a:fillRef idx="1">
+            <a:schemeClr val="accent1"/>
+          </a:fillRef>
+          <a:effectRef idx="0">
+            <a:schemeClr val="accent1"/>
+          </a:effectRef>
+          <a:fontRef idx="minor">
+            <a:schemeClr val="lt1"/>
+          </a:fontRef>
+        </p:style>
+      </p:sp>
+      <p:sp>
+        <p:nvSpPr>
           <p:cNvPr id="2" name="Title 1"/>
           <p:cNvSpPr>
             <a:spLocks noGrp="1"/>
@@ -6735,20 +4862,32 @@
         </p:nvSpPr>
         <p:spPr>
           <a:xfrm>
-            <a:off x="2589212" y="2058750"/>
-            <a:ext cx="8915399" cy="1468800"/>
+            <a:off x="1097280" y="758952"/>
+            <a:ext cx="10058400" cy="3566160"/>
           </a:xfrm>
         </p:spPr>
         <p:txBody>
-          <a:bodyPr anchor="b"/>
+          <a:bodyPr anchor="b" anchorCtr="0">
+            <a:normAutofit/>
+          </a:bodyPr>
           <a:lstStyle>
-            <a:lvl1pPr algn="l">
-              <a:defRPr sz="4000" b="0" cap="none"/>
+            <a:lvl1pPr>
+              <a:lnSpc>
+                <a:spcPct val="85000"/>
+              </a:lnSpc>
+              <a:defRPr sz="8000" b="0">
+                <a:solidFill>
+                  <a:schemeClr val="tx1">
+                    <a:lumMod val="85000"/>
+                    <a:lumOff val="15000"/>
+                  </a:schemeClr>
+                </a:solidFill>
+              </a:defRPr>
             </a:lvl1pPr>
           </a:lstStyle>
           <a:p>
             <a:r>
-              <a:rPr lang="es-ES_tradnl"/>
+              <a:rPr lang="es-ES"/>
               <a:t>Haga clic para modificar el estilo de título del patrón</a:t>
             </a:r>
             <a:endParaRPr lang="en-US" dirty="0"/>
@@ -6767,22 +4906,22 @@
         </p:nvSpPr>
         <p:spPr>
           <a:xfrm>
-            <a:off x="2589212" y="3530129"/>
-            <a:ext cx="8915399" cy="860400"/>
+            <a:off x="1097280" y="4453128"/>
+            <a:ext cx="10058400" cy="1143000"/>
           </a:xfrm>
         </p:spPr>
         <p:txBody>
-          <a:bodyPr anchor="t"/>
+          <a:bodyPr lIns="91440" rIns="91440" anchor="t" anchorCtr="0">
+            <a:normAutofit/>
+          </a:bodyPr>
           <a:lstStyle>
-            <a:lvl1pPr marL="0" indent="0" algn="l">
+            <a:lvl1pPr marL="0" indent="0">
               <a:buNone/>
-              <a:defRPr sz="2000">
+              <a:defRPr sz="2400" cap="all" spc="200" baseline="0">
                 <a:solidFill>
-                  <a:schemeClr val="tx1">
-                    <a:lumMod val="65000"/>
-                    <a:lumOff val="35000"/>
-                  </a:schemeClr>
+                  <a:schemeClr val="tx2"/>
                 </a:solidFill>
+                <a:latin typeface="+mj-lt"/>
               </a:defRPr>
             </a:lvl1pPr>
             <a:lvl2pPr marL="457200" indent="0">
@@ -6869,8 +5008,8 @@
           <a:p>
             <a:pPr lvl="0"/>
             <a:r>
-              <a:rPr lang="es-ES_tradnl"/>
-              <a:t>Haga clic para modificar los estilos de texto del patrón</a:t>
+              <a:rPr lang="es-ES"/>
+              <a:t>Editar los estilos de texto del patrón</a:t>
             </a:r>
           </a:p>
         </p:txBody>
@@ -6893,7 +5032,7 @@
             <a:fld id="{B61BEF0D-F0BB-DE4B-95CE-6DB70DBA9567}" type="datetimeFigureOut">
               <a:rPr lang="en-US" smtClean="0"/>
               <a:pPr/>
-              <a:t>2/15/2018</a:t>
+              <a:t>2/16/2018</a:t>
             </a:fld>
             <a:endParaRPr lang="en-US" dirty="0"/>
           </a:p>
@@ -6920,88 +5059,6 @@
       </p:sp>
       <p:sp>
         <p:nvSpPr>
-          <p:cNvPr id="9" name="Freeform 11"/>
-          <p:cNvSpPr/>
-          <p:nvPr/>
-        </p:nvSpPr>
-        <p:spPr bwMode="auto">
-          <a:xfrm flipV="1">
-            <a:off x="-4189" y="3178175"/>
-            <a:ext cx="1588527" cy="507297"/>
-          </a:xfrm>
-          <a:custGeom>
-            <a:avLst/>
-            <a:gdLst/>
-            <a:ahLst/>
-            <a:cxnLst/>
-            <a:rect l="l" t="t" r="r" b="b"/>
-            <a:pathLst>
-              <a:path w="9248" h="10000">
-                <a:moveTo>
-                  <a:pt x="9248" y="4701"/>
-                </a:moveTo>
-                <a:lnTo>
-                  <a:pt x="7915" y="188"/>
-                </a:lnTo>
-                <a:cubicBezTo>
-                  <a:pt x="7906" y="156"/>
-                  <a:pt x="7895" y="126"/>
-                  <a:pt x="7886" y="94"/>
-                </a:cubicBezTo>
-                <a:cubicBezTo>
-                  <a:pt x="7859" y="0"/>
-                  <a:pt x="7831" y="0"/>
-                  <a:pt x="7803" y="0"/>
-                </a:cubicBezTo>
-                <a:lnTo>
-                  <a:pt x="7275" y="0"/>
-                </a:lnTo>
-                <a:lnTo>
-                  <a:pt x="0" y="70"/>
-                </a:lnTo>
-                <a:cubicBezTo>
-                  <a:pt x="8" y="3380"/>
-                  <a:pt x="17" y="6690"/>
-                  <a:pt x="25" y="10000"/>
-                </a:cubicBezTo>
-                <a:lnTo>
-                  <a:pt x="7275" y="9966"/>
-                </a:lnTo>
-                <a:lnTo>
-                  <a:pt x="7803" y="9966"/>
-                </a:lnTo>
-                <a:cubicBezTo>
-                  <a:pt x="7831" y="9966"/>
-                  <a:pt x="7859" y="9872"/>
-                  <a:pt x="7886" y="9872"/>
-                </a:cubicBezTo>
-                <a:cubicBezTo>
-                  <a:pt x="7886" y="9778"/>
-                  <a:pt x="7915" y="9778"/>
-                  <a:pt x="7915" y="9778"/>
-                </a:cubicBezTo>
-                <a:lnTo>
-                  <a:pt x="9248" y="5265"/>
-                </a:lnTo>
-                <a:cubicBezTo>
-                  <a:pt x="9303" y="5077"/>
-                  <a:pt x="9303" y="4889"/>
-                  <a:pt x="9248" y="4701"/>
-                </a:cubicBezTo>
-                <a:close/>
-              </a:path>
-            </a:pathLst>
-          </a:custGeom>
-          <a:solidFill>
-            <a:schemeClr val="accent1"/>
-          </a:solidFill>
-          <a:ln>
-            <a:noFill/>
-          </a:ln>
-        </p:spPr>
-      </p:sp>
-      <p:sp>
-        <p:nvSpPr>
           <p:cNvPr id="6" name="Slide Number Placeholder 5"/>
           <p:cNvSpPr>
             <a:spLocks noGrp="1"/>
@@ -7010,12 +5067,7 @@
             <p:ph type="sldNum" sz="quarter" idx="12"/>
           </p:nvPr>
         </p:nvSpPr>
-        <p:spPr>
-          <a:xfrm>
-            <a:off x="531812" y="3244139"/>
-            <a:ext cx="779767" cy="365125"/>
-          </a:xfrm>
-        </p:spPr>
+        <p:spPr/>
         <p:txBody>
           <a:bodyPr/>
           <a:lstStyle/>
@@ -7029,7 +5081,50 @@
           </a:p>
         </p:txBody>
       </p:sp>
+      <p:cxnSp>
+        <p:nvCxnSpPr>
+          <p:cNvPr id="9" name="Straight Connector 8"/>
+          <p:cNvCxnSpPr/>
+          <p:nvPr/>
+        </p:nvCxnSpPr>
+        <p:spPr>
+          <a:xfrm>
+            <a:off x="1207658" y="4343400"/>
+            <a:ext cx="9875520" cy="0"/>
+          </a:xfrm>
+          <a:prstGeom prst="line">
+            <a:avLst/>
+          </a:prstGeom>
+          <a:ln w="6350">
+            <a:solidFill>
+              <a:schemeClr val="tx1">
+                <a:lumMod val="50000"/>
+                <a:lumOff val="50000"/>
+              </a:schemeClr>
+            </a:solidFill>
+          </a:ln>
+        </p:spPr>
+        <p:style>
+          <a:lnRef idx="1">
+            <a:schemeClr val="accent1"/>
+          </a:lnRef>
+          <a:fillRef idx="0">
+            <a:schemeClr val="accent1"/>
+          </a:fillRef>
+          <a:effectRef idx="0">
+            <a:schemeClr val="accent1"/>
+          </a:effectRef>
+          <a:fontRef idx="minor">
+            <a:schemeClr val="tx1"/>
+          </a:fontRef>
+        </p:style>
+      </p:cxnSp>
     </p:spTree>
+    <p:extLst>
+      <p:ext uri="{BB962C8B-B14F-4D97-AF65-F5344CB8AC3E}">
+        <p14:creationId xmlns:p14="http://schemas.microsoft.com/office/powerpoint/2010/main" val="2484364452"/>
+      </p:ext>
+    </p:extLst>
   </p:cSld>
   <p:clrMapOvr>
     <a:masterClrMapping/>
@@ -7064,13 +5159,18 @@
             <p:ph type="title"/>
           </p:nvPr>
         </p:nvSpPr>
-        <p:spPr/>
+        <p:spPr>
+          <a:xfrm>
+            <a:off x="1097280" y="286603"/>
+            <a:ext cx="10058400" cy="1450757"/>
+          </a:xfrm>
+        </p:spPr>
         <p:txBody>
           <a:bodyPr/>
           <a:lstStyle/>
           <a:p>
             <a:r>
-              <a:rPr lang="es-ES_tradnl"/>
+              <a:rPr lang="es-ES"/>
               <a:t>Haga clic para modificar el estilo de título del patrón</a:t>
             </a:r>
             <a:endParaRPr lang="en-US" dirty="0"/>
@@ -7089,47 +5189,45 @@
         </p:nvSpPr>
         <p:spPr>
           <a:xfrm>
-            <a:off x="2589212" y="2133600"/>
-            <a:ext cx="4313864" cy="3777622"/>
+            <a:off x="1097278" y="1845734"/>
+            <a:ext cx="4937760" cy="4023360"/>
           </a:xfrm>
         </p:spPr>
         <p:txBody>
-          <a:bodyPr>
-            <a:normAutofit/>
-          </a:bodyPr>
+          <a:bodyPr/>
           <a:lstStyle/>
           <a:p>
             <a:pPr lvl="0"/>
             <a:r>
-              <a:rPr lang="es-ES_tradnl"/>
-              <a:t>Haga clic para modificar los estilos de texto del patrón</a:t>
+              <a:rPr lang="es-ES"/>
+              <a:t>Editar los estilos de texto del patrón</a:t>
             </a:r>
           </a:p>
           <a:p>
             <a:pPr lvl="1"/>
             <a:r>
-              <a:rPr lang="es-ES_tradnl"/>
+              <a:rPr lang="es-ES"/>
               <a:t>Segundo nivel</a:t>
             </a:r>
           </a:p>
           <a:p>
             <a:pPr lvl="2"/>
             <a:r>
-              <a:rPr lang="es-ES_tradnl"/>
+              <a:rPr lang="es-ES"/>
               <a:t>Tercer nivel</a:t>
             </a:r>
           </a:p>
           <a:p>
             <a:pPr lvl="3"/>
             <a:r>
-              <a:rPr lang="es-ES_tradnl"/>
+              <a:rPr lang="es-ES"/>
               <a:t>Cuarto nivel</a:t>
             </a:r>
           </a:p>
           <a:p>
             <a:pPr lvl="4"/>
             <a:r>
-              <a:rPr lang="es-ES_tradnl"/>
+              <a:rPr lang="es-ES"/>
               <a:t>Quinto nivel</a:t>
             </a:r>
             <a:endParaRPr lang="en-US" dirty="0"/>
@@ -7148,47 +5246,45 @@
         </p:nvSpPr>
         <p:spPr>
           <a:xfrm>
-            <a:off x="7190747" y="2126222"/>
-            <a:ext cx="4313864" cy="3777622"/>
+            <a:off x="6217920" y="1845735"/>
+            <a:ext cx="4937760" cy="4023360"/>
           </a:xfrm>
         </p:spPr>
         <p:txBody>
-          <a:bodyPr>
-            <a:normAutofit/>
-          </a:bodyPr>
+          <a:bodyPr/>
           <a:lstStyle/>
           <a:p>
             <a:pPr lvl="0"/>
             <a:r>
-              <a:rPr lang="es-ES_tradnl"/>
-              <a:t>Haga clic para modificar los estilos de texto del patrón</a:t>
+              <a:rPr lang="es-ES"/>
+              <a:t>Editar los estilos de texto del patrón</a:t>
             </a:r>
           </a:p>
           <a:p>
             <a:pPr lvl="1"/>
             <a:r>
-              <a:rPr lang="es-ES_tradnl"/>
+              <a:rPr lang="es-ES"/>
               <a:t>Segundo nivel</a:t>
             </a:r>
           </a:p>
           <a:p>
             <a:pPr lvl="2"/>
             <a:r>
-              <a:rPr lang="es-ES_tradnl"/>
+              <a:rPr lang="es-ES"/>
               <a:t>Tercer nivel</a:t>
             </a:r>
           </a:p>
           <a:p>
             <a:pPr lvl="3"/>
             <a:r>
-              <a:rPr lang="es-ES_tradnl"/>
+              <a:rPr lang="es-ES"/>
               <a:t>Cuarto nivel</a:t>
             </a:r>
           </a:p>
           <a:p>
             <a:pPr lvl="4"/>
             <a:r>
-              <a:rPr lang="es-ES_tradnl"/>
+              <a:rPr lang="es-ES"/>
               <a:t>Quinto nivel</a:t>
             </a:r>
             <a:endParaRPr lang="en-US" dirty="0"/>
@@ -7213,7 +5309,7 @@
             <a:fld id="{7CAF1BE7-5365-4137-AE14-A7C362FC891C}" type="datetime1">
               <a:rPr lang="es-ES" smtClean="0"/>
               <a:pPr/>
-              <a:t>15/02/2018</a:t>
+              <a:t>16/02/2018</a:t>
             </a:fld>
             <a:endParaRPr lang="es-ES" dirty="0"/>
           </a:p>
@@ -7241,89 +5337,7 @@
       </p:sp>
       <p:sp>
         <p:nvSpPr>
-          <p:cNvPr id="10" name="Freeform 11"/>
-          <p:cNvSpPr/>
-          <p:nvPr/>
-        </p:nvSpPr>
-        <p:spPr bwMode="auto">
-          <a:xfrm flipV="1">
-            <a:off x="-4189" y="714375"/>
-            <a:ext cx="1588527" cy="507297"/>
-          </a:xfrm>
-          <a:custGeom>
-            <a:avLst/>
-            <a:gdLst/>
-            <a:ahLst/>
-            <a:cxnLst/>
-            <a:rect l="l" t="t" r="r" b="b"/>
-            <a:pathLst>
-              <a:path w="9248" h="10000">
-                <a:moveTo>
-                  <a:pt x="9248" y="4701"/>
-                </a:moveTo>
-                <a:lnTo>
-                  <a:pt x="7915" y="188"/>
-                </a:lnTo>
-                <a:cubicBezTo>
-                  <a:pt x="7906" y="156"/>
-                  <a:pt x="7895" y="126"/>
-                  <a:pt x="7886" y="94"/>
-                </a:cubicBezTo>
-                <a:cubicBezTo>
-                  <a:pt x="7859" y="0"/>
-                  <a:pt x="7831" y="0"/>
-                  <a:pt x="7803" y="0"/>
-                </a:cubicBezTo>
-                <a:lnTo>
-                  <a:pt x="7275" y="0"/>
-                </a:lnTo>
-                <a:lnTo>
-                  <a:pt x="0" y="70"/>
-                </a:lnTo>
-                <a:cubicBezTo>
-                  <a:pt x="8" y="3380"/>
-                  <a:pt x="17" y="6690"/>
-                  <a:pt x="25" y="10000"/>
-                </a:cubicBezTo>
-                <a:lnTo>
-                  <a:pt x="7275" y="9966"/>
-                </a:lnTo>
-                <a:lnTo>
-                  <a:pt x="7803" y="9966"/>
-                </a:lnTo>
-                <a:cubicBezTo>
-                  <a:pt x="7831" y="9966"/>
-                  <a:pt x="7859" y="9872"/>
-                  <a:pt x="7886" y="9872"/>
-                </a:cubicBezTo>
-                <a:cubicBezTo>
-                  <a:pt x="7886" y="9778"/>
-                  <a:pt x="7915" y="9778"/>
-                  <a:pt x="7915" y="9778"/>
-                </a:cubicBezTo>
-                <a:lnTo>
-                  <a:pt x="9248" y="5265"/>
-                </a:lnTo>
-                <a:cubicBezTo>
-                  <a:pt x="9303" y="5077"/>
-                  <a:pt x="9303" y="4889"/>
-                  <a:pt x="9248" y="4701"/>
-                </a:cubicBezTo>
-                <a:close/>
-              </a:path>
-            </a:pathLst>
-          </a:custGeom>
-          <a:solidFill>
-            <a:schemeClr val="accent1"/>
-          </a:solidFill>
-          <a:ln>
-            <a:noFill/>
-          </a:ln>
-        </p:spPr>
-      </p:sp>
-      <p:sp>
-        <p:nvSpPr>
-          <p:cNvPr id="11" name="Slide Number Placeholder 5"/>
+          <p:cNvPr id="7" name="Slide Number Placeholder 6"/>
           <p:cNvSpPr>
             <a:spLocks noGrp="1"/>
           </p:cNvSpPr>
@@ -7331,12 +5345,7 @@
             <p:ph type="sldNum" sz="quarter" idx="12"/>
           </p:nvPr>
         </p:nvSpPr>
-        <p:spPr>
-          <a:xfrm>
-            <a:off x="531812" y="787782"/>
-            <a:ext cx="779767" cy="365125"/>
-          </a:xfrm>
-        </p:spPr>
+        <p:spPr/>
         <p:txBody>
           <a:bodyPr/>
           <a:lstStyle/>
@@ -7352,10 +5361,20 @@
         </p:txBody>
       </p:sp>
     </p:spTree>
+    <p:extLst>
+      <p:ext uri="{BB962C8B-B14F-4D97-AF65-F5344CB8AC3E}">
+        <p14:creationId xmlns:p14="http://schemas.microsoft.com/office/powerpoint/2010/main" val="2582722053"/>
+      </p:ext>
+    </p:extLst>
   </p:cSld>
   <p:clrMapOvr>
     <a:masterClrMapping/>
   </p:clrMapOvr>
+  <p:extLst>
+    <p:ext uri="{DCECCB84-F9BA-43D5-87BE-67443E8EF086}">
+      <p15:sldGuideLst xmlns:p15="http://schemas.microsoft.com/office/powerpoint/2012/main"/>
+    </p:ext>
+  </p:extLst>
 </p:sldLayout>
 </file>
 
@@ -7386,13 +5405,18 @@
             <p:ph type="title"/>
           </p:nvPr>
         </p:nvSpPr>
-        <p:spPr/>
+        <p:spPr>
+          <a:xfrm>
+            <a:off x="1097280" y="286603"/>
+            <a:ext cx="10058400" cy="1450757"/>
+          </a:xfrm>
+        </p:spPr>
         <p:txBody>
           <a:bodyPr/>
           <a:lstStyle/>
           <a:p>
             <a:r>
-              <a:rPr lang="es-ES_tradnl"/>
+              <a:rPr lang="es-ES"/>
               <a:t>Haga clic para modificar el estilo de título del patrón</a:t>
             </a:r>
             <a:endParaRPr lang="en-US" dirty="0"/>
@@ -7411,18 +5435,22 @@
         </p:nvSpPr>
         <p:spPr>
           <a:xfrm>
-            <a:off x="2939373" y="1972703"/>
-            <a:ext cx="3992732" cy="576262"/>
+            <a:off x="1097280" y="1846052"/>
+            <a:ext cx="4937760" cy="736282"/>
           </a:xfrm>
         </p:spPr>
         <p:txBody>
-          <a:bodyPr anchor="b">
-            <a:noAutofit/>
+          <a:bodyPr lIns="91440" rIns="91440" anchor="ctr">
+            <a:normAutofit/>
           </a:bodyPr>
           <a:lstStyle>
             <a:lvl1pPr marL="0" indent="0">
               <a:buNone/>
-              <a:defRPr sz="2400" b="0"/>
+              <a:defRPr sz="2000" b="0" cap="all" baseline="0">
+                <a:solidFill>
+                  <a:schemeClr val="tx2"/>
+                </a:solidFill>
+              </a:defRPr>
             </a:lvl1pPr>
             <a:lvl2pPr marL="457200" indent="0">
               <a:buNone/>
@@ -7460,8 +5488,8 @@
           <a:p>
             <a:pPr lvl="0"/>
             <a:r>
-              <a:rPr lang="es-ES_tradnl"/>
-              <a:t>Haga clic para modificar los estilos de texto del patrón</a:t>
+              <a:rPr lang="es-ES"/>
+              <a:t>Editar los estilos de texto del patrón</a:t>
             </a:r>
           </a:p>
         </p:txBody>
@@ -7478,47 +5506,45 @@
         </p:nvSpPr>
         <p:spPr>
           <a:xfrm>
-            <a:off x="2589212" y="2548966"/>
-            <a:ext cx="4342893" cy="3354060"/>
+            <a:off x="1097280" y="2582334"/>
+            <a:ext cx="4937760" cy="3378200"/>
           </a:xfrm>
         </p:spPr>
         <p:txBody>
-          <a:bodyPr>
-            <a:normAutofit/>
-          </a:bodyPr>
+          <a:bodyPr/>
           <a:lstStyle/>
           <a:p>
             <a:pPr lvl="0"/>
             <a:r>
-              <a:rPr lang="es-ES_tradnl"/>
-              <a:t>Haga clic para modificar los estilos de texto del patrón</a:t>
+              <a:rPr lang="es-ES"/>
+              <a:t>Editar los estilos de texto del patrón</a:t>
             </a:r>
           </a:p>
           <a:p>
             <a:pPr lvl="1"/>
             <a:r>
-              <a:rPr lang="es-ES_tradnl"/>
+              <a:rPr lang="es-ES"/>
               <a:t>Segundo nivel</a:t>
             </a:r>
           </a:p>
           <a:p>
             <a:pPr lvl="2"/>
             <a:r>
-              <a:rPr lang="es-ES_tradnl"/>
+              <a:rPr lang="es-ES"/>
               <a:t>Tercer nivel</a:t>
             </a:r>
           </a:p>
           <a:p>
             <a:pPr lvl="3"/>
             <a:r>
-              <a:rPr lang="es-ES_tradnl"/>
+              <a:rPr lang="es-ES"/>
               <a:t>Cuarto nivel</a:t>
             </a:r>
           </a:p>
           <a:p>
             <a:pPr lvl="4"/>
             <a:r>
-              <a:rPr lang="es-ES_tradnl"/>
+              <a:rPr lang="es-ES"/>
               <a:t>Quinto nivel</a:t>
             </a:r>
             <a:endParaRPr lang="en-US" dirty="0"/>
@@ -7537,18 +5563,22 @@
         </p:nvSpPr>
         <p:spPr>
           <a:xfrm>
-            <a:off x="7506629" y="1969475"/>
-            <a:ext cx="3999001" cy="576262"/>
+            <a:off x="6217920" y="1846052"/>
+            <a:ext cx="4937760" cy="736282"/>
           </a:xfrm>
         </p:spPr>
         <p:txBody>
-          <a:bodyPr anchor="b">
-            <a:noAutofit/>
+          <a:bodyPr lIns="91440" rIns="91440" anchor="ctr">
+            <a:normAutofit/>
           </a:bodyPr>
           <a:lstStyle>
             <a:lvl1pPr marL="0" indent="0">
               <a:buNone/>
-              <a:defRPr sz="2400" b="0"/>
+              <a:defRPr sz="2000" b="0" cap="all" baseline="0">
+                <a:solidFill>
+                  <a:schemeClr val="tx2"/>
+                </a:solidFill>
+              </a:defRPr>
             </a:lvl1pPr>
             <a:lvl2pPr marL="457200" indent="0">
               <a:buNone/>
@@ -7586,8 +5616,8 @@
           <a:p>
             <a:pPr lvl="0"/>
             <a:r>
-              <a:rPr lang="es-ES_tradnl"/>
-              <a:t>Haga clic para modificar los estilos de texto del patrón</a:t>
+              <a:rPr lang="es-ES"/>
+              <a:t>Editar los estilos de texto del patrón</a:t>
             </a:r>
           </a:p>
         </p:txBody>
@@ -7604,47 +5634,45 @@
         </p:nvSpPr>
         <p:spPr>
           <a:xfrm>
-            <a:off x="7166957" y="2545738"/>
-            <a:ext cx="4338674" cy="3354060"/>
+            <a:off x="6217920" y="2582334"/>
+            <a:ext cx="4937760" cy="3378200"/>
           </a:xfrm>
         </p:spPr>
         <p:txBody>
-          <a:bodyPr>
-            <a:normAutofit/>
-          </a:bodyPr>
+          <a:bodyPr/>
           <a:lstStyle/>
           <a:p>
             <a:pPr lvl="0"/>
             <a:r>
-              <a:rPr lang="es-ES_tradnl"/>
-              <a:t>Haga clic para modificar los estilos de texto del patrón</a:t>
+              <a:rPr lang="es-ES"/>
+              <a:t>Editar los estilos de texto del patrón</a:t>
             </a:r>
           </a:p>
           <a:p>
             <a:pPr lvl="1"/>
             <a:r>
-              <a:rPr lang="es-ES_tradnl"/>
+              <a:rPr lang="es-ES"/>
               <a:t>Segundo nivel</a:t>
             </a:r>
           </a:p>
           <a:p>
             <a:pPr lvl="2"/>
             <a:r>
-              <a:rPr lang="es-ES_tradnl"/>
+              <a:rPr lang="es-ES"/>
               <a:t>Tercer nivel</a:t>
             </a:r>
           </a:p>
           <a:p>
             <a:pPr lvl="3"/>
             <a:r>
-              <a:rPr lang="es-ES_tradnl"/>
+              <a:rPr lang="es-ES"/>
               <a:t>Cuarto nivel</a:t>
             </a:r>
           </a:p>
           <a:p>
             <a:pPr lvl="4"/>
             <a:r>
-              <a:rPr lang="es-ES_tradnl"/>
+              <a:rPr lang="es-ES"/>
               <a:t>Quinto nivel</a:t>
             </a:r>
             <a:endParaRPr lang="en-US" dirty="0"/>
@@ -7669,7 +5697,7 @@
             <a:fld id="{CCE83AA6-4601-4BF7-BD54-99DD2B193FD1}" type="datetime1">
               <a:rPr lang="es-ES" smtClean="0"/>
               <a:pPr/>
-              <a:t>15/02/2018</a:t>
+              <a:t>16/02/2018</a:t>
             </a:fld>
             <a:endParaRPr lang="es-ES" dirty="0"/>
           </a:p>
@@ -7697,89 +5725,7 @@
       </p:sp>
       <p:sp>
         <p:nvSpPr>
-          <p:cNvPr id="12" name="Freeform 11"/>
-          <p:cNvSpPr/>
-          <p:nvPr/>
-        </p:nvSpPr>
-        <p:spPr bwMode="auto">
-          <a:xfrm flipV="1">
-            <a:off x="-4189" y="714375"/>
-            <a:ext cx="1588527" cy="507297"/>
-          </a:xfrm>
-          <a:custGeom>
-            <a:avLst/>
-            <a:gdLst/>
-            <a:ahLst/>
-            <a:cxnLst/>
-            <a:rect l="l" t="t" r="r" b="b"/>
-            <a:pathLst>
-              <a:path w="9248" h="10000">
-                <a:moveTo>
-                  <a:pt x="9248" y="4701"/>
-                </a:moveTo>
-                <a:lnTo>
-                  <a:pt x="7915" y="188"/>
-                </a:lnTo>
-                <a:cubicBezTo>
-                  <a:pt x="7906" y="156"/>
-                  <a:pt x="7895" y="126"/>
-                  <a:pt x="7886" y="94"/>
-                </a:cubicBezTo>
-                <a:cubicBezTo>
-                  <a:pt x="7859" y="0"/>
-                  <a:pt x="7831" y="0"/>
-                  <a:pt x="7803" y="0"/>
-                </a:cubicBezTo>
-                <a:lnTo>
-                  <a:pt x="7275" y="0"/>
-                </a:lnTo>
-                <a:lnTo>
-                  <a:pt x="0" y="70"/>
-                </a:lnTo>
-                <a:cubicBezTo>
-                  <a:pt x="8" y="3380"/>
-                  <a:pt x="17" y="6690"/>
-                  <a:pt x="25" y="10000"/>
-                </a:cubicBezTo>
-                <a:lnTo>
-                  <a:pt x="7275" y="9966"/>
-                </a:lnTo>
-                <a:lnTo>
-                  <a:pt x="7803" y="9966"/>
-                </a:lnTo>
-                <a:cubicBezTo>
-                  <a:pt x="7831" y="9966"/>
-                  <a:pt x="7859" y="9872"/>
-                  <a:pt x="7886" y="9872"/>
-                </a:cubicBezTo>
-                <a:cubicBezTo>
-                  <a:pt x="7886" y="9778"/>
-                  <a:pt x="7915" y="9778"/>
-                  <a:pt x="7915" y="9778"/>
-                </a:cubicBezTo>
-                <a:lnTo>
-                  <a:pt x="9248" y="5265"/>
-                </a:lnTo>
-                <a:cubicBezTo>
-                  <a:pt x="9303" y="5077"/>
-                  <a:pt x="9303" y="4889"/>
-                  <a:pt x="9248" y="4701"/>
-                </a:cubicBezTo>
-                <a:close/>
-              </a:path>
-            </a:pathLst>
-          </a:custGeom>
-          <a:solidFill>
-            <a:schemeClr val="accent1"/>
-          </a:solidFill>
-          <a:ln>
-            <a:noFill/>
-          </a:ln>
-        </p:spPr>
-      </p:sp>
-      <p:sp>
-        <p:nvSpPr>
-          <p:cNvPr id="13" name="Slide Number Placeholder 5"/>
+          <p:cNvPr id="9" name="Slide Number Placeholder 8"/>
           <p:cNvSpPr>
             <a:spLocks noGrp="1"/>
           </p:cNvSpPr>
@@ -7787,12 +5733,7 @@
             <p:ph type="sldNum" sz="quarter" idx="12"/>
           </p:nvPr>
         </p:nvSpPr>
-        <p:spPr>
-          <a:xfrm>
-            <a:off x="531812" y="787782"/>
-            <a:ext cx="779767" cy="365125"/>
-          </a:xfrm>
-        </p:spPr>
+        <p:spPr/>
         <p:txBody>
           <a:bodyPr/>
           <a:lstStyle/>
@@ -7808,10 +5749,20 @@
         </p:txBody>
       </p:sp>
     </p:spTree>
+    <p:extLst>
+      <p:ext uri="{BB962C8B-B14F-4D97-AF65-F5344CB8AC3E}">
+        <p14:creationId xmlns:p14="http://schemas.microsoft.com/office/powerpoint/2010/main" val="1884259630"/>
+      </p:ext>
+    </p:extLst>
   </p:cSld>
   <p:clrMapOvr>
     <a:masterClrMapping/>
   </p:clrMapOvr>
+  <p:extLst>
+    <p:ext uri="{DCECCB84-F9BA-43D5-87BE-67443E8EF086}">
+      <p15:sldGuideLst xmlns:p15="http://schemas.microsoft.com/office/powerpoint/2012/main"/>
+    </p:ext>
+  </p:extLst>
 </p:sldLayout>
 </file>
 
@@ -7848,7 +5799,7 @@
           <a:lstStyle/>
           <a:p>
             <a:r>
-              <a:rPr lang="es-ES_tradnl"/>
+              <a:rPr lang="es-ES"/>
               <a:t>Haga clic para modificar el estilo de título del patrón</a:t>
             </a:r>
             <a:endParaRPr lang="en-US" dirty="0"/>
@@ -7873,7 +5824,7 @@
             <a:fld id="{808DBE58-23DC-4EE9-8158-B69AC44D4A43}" type="datetime1">
               <a:rPr lang="es-ES" smtClean="0"/>
               <a:pPr/>
-              <a:t>15/02/2018</a:t>
+              <a:t>16/02/2018</a:t>
             </a:fld>
             <a:endParaRPr lang="es-ES" dirty="0"/>
           </a:p>
@@ -7901,88 +5852,6 @@
       </p:sp>
       <p:sp>
         <p:nvSpPr>
-          <p:cNvPr id="7" name="Freeform 11"/>
-          <p:cNvSpPr/>
-          <p:nvPr/>
-        </p:nvSpPr>
-        <p:spPr bwMode="auto">
-          <a:xfrm flipV="1">
-            <a:off x="-4189" y="714375"/>
-            <a:ext cx="1588527" cy="507297"/>
-          </a:xfrm>
-          <a:custGeom>
-            <a:avLst/>
-            <a:gdLst/>
-            <a:ahLst/>
-            <a:cxnLst/>
-            <a:rect l="l" t="t" r="r" b="b"/>
-            <a:pathLst>
-              <a:path w="9248" h="10000">
-                <a:moveTo>
-                  <a:pt x="9248" y="4701"/>
-                </a:moveTo>
-                <a:lnTo>
-                  <a:pt x="7915" y="188"/>
-                </a:lnTo>
-                <a:cubicBezTo>
-                  <a:pt x="7906" y="156"/>
-                  <a:pt x="7895" y="126"/>
-                  <a:pt x="7886" y="94"/>
-                </a:cubicBezTo>
-                <a:cubicBezTo>
-                  <a:pt x="7859" y="0"/>
-                  <a:pt x="7831" y="0"/>
-                  <a:pt x="7803" y="0"/>
-                </a:cubicBezTo>
-                <a:lnTo>
-                  <a:pt x="7275" y="0"/>
-                </a:lnTo>
-                <a:lnTo>
-                  <a:pt x="0" y="70"/>
-                </a:lnTo>
-                <a:cubicBezTo>
-                  <a:pt x="8" y="3380"/>
-                  <a:pt x="17" y="6690"/>
-                  <a:pt x="25" y="10000"/>
-                </a:cubicBezTo>
-                <a:lnTo>
-                  <a:pt x="7275" y="9966"/>
-                </a:lnTo>
-                <a:lnTo>
-                  <a:pt x="7803" y="9966"/>
-                </a:lnTo>
-                <a:cubicBezTo>
-                  <a:pt x="7831" y="9966"/>
-                  <a:pt x="7859" y="9872"/>
-                  <a:pt x="7886" y="9872"/>
-                </a:cubicBezTo>
-                <a:cubicBezTo>
-                  <a:pt x="7886" y="9778"/>
-                  <a:pt x="7915" y="9778"/>
-                  <a:pt x="7915" y="9778"/>
-                </a:cubicBezTo>
-                <a:lnTo>
-                  <a:pt x="9248" y="5265"/>
-                </a:lnTo>
-                <a:cubicBezTo>
-                  <a:pt x="9303" y="5077"/>
-                  <a:pt x="9303" y="4889"/>
-                  <a:pt x="9248" y="4701"/>
-                </a:cubicBezTo>
-                <a:close/>
-              </a:path>
-            </a:pathLst>
-          </a:custGeom>
-          <a:solidFill>
-            <a:schemeClr val="accent1"/>
-          </a:solidFill>
-          <a:ln>
-            <a:noFill/>
-          </a:ln>
-        </p:spPr>
-      </p:sp>
-      <p:sp>
-        <p:nvSpPr>
           <p:cNvPr id="5" name="Slide Number Placeholder 4"/>
           <p:cNvSpPr>
             <a:spLocks noGrp="1"/>
@@ -8007,6 +5876,11 @@
         </p:txBody>
       </p:sp>
     </p:spTree>
+    <p:extLst>
+      <p:ext uri="{BB962C8B-B14F-4D97-AF65-F5344CB8AC3E}">
+        <p14:creationId xmlns:p14="http://schemas.microsoft.com/office/powerpoint/2010/main" val="4126720140"/>
+      </p:ext>
+    </p:extLst>
   </p:cSld>
   <p:clrMapOvr>
     <a:masterClrMapping/>
@@ -8015,7 +5889,7 @@
 </file>
 
 <file path=ppt/slideLayouts/slideLayout7.xml><?xml version="1.0" encoding="utf-8"?>
-<p:sldLayout xmlns:a="http://schemas.openxmlformats.org/drawingml/2006/main" xmlns:r="http://schemas.openxmlformats.org/officeDocument/2006/relationships" xmlns:p="http://schemas.openxmlformats.org/presentationml/2006/main" type="blank" preserve="1">
+<p:sldLayout xmlns:a="http://schemas.openxmlformats.org/drawingml/2006/main" xmlns:r="http://schemas.openxmlformats.org/officeDocument/2006/relationships" xmlns:p="http://schemas.openxmlformats.org/presentationml/2006/main" showMasterSp="0" type="blank" preserve="1">
   <p:cSld name="En blanco">
     <p:spTree>
       <p:nvGrpSpPr>
@@ -8033,7 +5907,83 @@
       </p:grpSpPr>
       <p:sp>
         <p:nvSpPr>
-          <p:cNvPr id="2" name="Date Placeholder 1"/>
+          <p:cNvPr id="5" name="Rectangle 4"/>
+          <p:cNvSpPr/>
+          <p:nvPr/>
+        </p:nvSpPr>
+        <p:spPr>
+          <a:xfrm>
+            <a:off x="3175" y="6400800"/>
+            <a:ext cx="12188825" cy="457200"/>
+          </a:xfrm>
+          <a:prstGeom prst="rect">
+            <a:avLst/>
+          </a:prstGeom>
+          <a:solidFill>
+            <a:schemeClr val="accent2"/>
+          </a:solidFill>
+          <a:ln>
+            <a:noFill/>
+          </a:ln>
+        </p:spPr>
+        <p:style>
+          <a:lnRef idx="2">
+            <a:schemeClr val="accent1">
+              <a:shade val="50000"/>
+            </a:schemeClr>
+          </a:lnRef>
+          <a:fillRef idx="1">
+            <a:schemeClr val="accent1"/>
+          </a:fillRef>
+          <a:effectRef idx="0">
+            <a:schemeClr val="accent1"/>
+          </a:effectRef>
+          <a:fontRef idx="minor">
+            <a:schemeClr val="lt1"/>
+          </a:fontRef>
+        </p:style>
+      </p:sp>
+      <p:sp>
+        <p:nvSpPr>
+          <p:cNvPr id="6" name="Rectangle 5"/>
+          <p:cNvSpPr/>
+          <p:nvPr/>
+        </p:nvSpPr>
+        <p:spPr>
+          <a:xfrm>
+            <a:off x="15" y="6334316"/>
+            <a:ext cx="12188825" cy="64008"/>
+          </a:xfrm>
+          <a:prstGeom prst="rect">
+            <a:avLst/>
+          </a:prstGeom>
+          <a:solidFill>
+            <a:schemeClr val="accent1"/>
+          </a:solidFill>
+          <a:ln>
+            <a:noFill/>
+          </a:ln>
+        </p:spPr>
+        <p:style>
+          <a:lnRef idx="2">
+            <a:schemeClr val="accent1">
+              <a:shade val="50000"/>
+            </a:schemeClr>
+          </a:lnRef>
+          <a:fillRef idx="1">
+            <a:schemeClr val="accent1"/>
+          </a:fillRef>
+          <a:effectRef idx="0">
+            <a:schemeClr val="accent1"/>
+          </a:effectRef>
+          <a:fontRef idx="minor">
+            <a:schemeClr val="lt1"/>
+          </a:fontRef>
+        </p:style>
+      </p:sp>
+      <p:sp>
+        <p:nvSpPr>
+          <p:cNvPr id="7" name="Date Placeholder 6"/>
           <p:cNvSpPr>
             <a:spLocks noGrp="1"/>
           </p:cNvSpPr>
@@ -8049,7 +5999,7 @@
             <a:fld id="{97C2EBBF-D49B-4842-B69E-CE552000DC09}" type="datetime1">
               <a:rPr lang="es-ES" smtClean="0"/>
               <a:pPr/>
-              <a:t>15/02/2018</a:t>
+              <a:t>16/02/2018</a:t>
             </a:fld>
             <a:endParaRPr lang="es-ES" dirty="0"/>
           </a:p>
@@ -8057,7 +6007,7 @@
       </p:sp>
       <p:sp>
         <p:nvSpPr>
-          <p:cNvPr id="3" name="Footer Placeholder 2"/>
+          <p:cNvPr id="8" name="Footer Placeholder 7"/>
           <p:cNvSpPr>
             <a:spLocks noGrp="1"/>
           </p:cNvSpPr>
@@ -8068,7 +6018,15 @@
         <p:spPr/>
         <p:txBody>
           <a:bodyPr/>
-          <a:lstStyle/>
+          <a:lstStyle>
+            <a:lvl1pPr>
+              <a:defRPr>
+                <a:solidFill>
+                  <a:srgbClr val="FFFFFF"/>
+                </a:solidFill>
+              </a:defRPr>
+            </a:lvl1pPr>
+          </a:lstStyle>
           <a:p>
             <a:pPr rtl="0"/>
             <a:endParaRPr lang="es-ES" noProof="0" dirty="0"/>
@@ -8077,89 +6035,7 @@
       </p:sp>
       <p:sp>
         <p:nvSpPr>
-          <p:cNvPr id="6" name="Freeform 11"/>
-          <p:cNvSpPr/>
-          <p:nvPr/>
-        </p:nvSpPr>
-        <p:spPr bwMode="auto">
-          <a:xfrm flipV="1">
-            <a:off x="-4189" y="714375"/>
-            <a:ext cx="1588527" cy="507297"/>
-          </a:xfrm>
-          <a:custGeom>
-            <a:avLst/>
-            <a:gdLst/>
-            <a:ahLst/>
-            <a:cxnLst/>
-            <a:rect l="l" t="t" r="r" b="b"/>
-            <a:pathLst>
-              <a:path w="9248" h="10000">
-                <a:moveTo>
-                  <a:pt x="9248" y="4701"/>
-                </a:moveTo>
-                <a:lnTo>
-                  <a:pt x="7915" y="188"/>
-                </a:lnTo>
-                <a:cubicBezTo>
-                  <a:pt x="7906" y="156"/>
-                  <a:pt x="7895" y="126"/>
-                  <a:pt x="7886" y="94"/>
-                </a:cubicBezTo>
-                <a:cubicBezTo>
-                  <a:pt x="7859" y="0"/>
-                  <a:pt x="7831" y="0"/>
-                  <a:pt x="7803" y="0"/>
-                </a:cubicBezTo>
-                <a:lnTo>
-                  <a:pt x="7275" y="0"/>
-                </a:lnTo>
-                <a:lnTo>
-                  <a:pt x="0" y="70"/>
-                </a:lnTo>
-                <a:cubicBezTo>
-                  <a:pt x="8" y="3380"/>
-                  <a:pt x="17" y="6690"/>
-                  <a:pt x="25" y="10000"/>
-                </a:cubicBezTo>
-                <a:lnTo>
-                  <a:pt x="7275" y="9966"/>
-                </a:lnTo>
-                <a:lnTo>
-                  <a:pt x="7803" y="9966"/>
-                </a:lnTo>
-                <a:cubicBezTo>
-                  <a:pt x="7831" y="9966"/>
-                  <a:pt x="7859" y="9872"/>
-                  <a:pt x="7886" y="9872"/>
-                </a:cubicBezTo>
-                <a:cubicBezTo>
-                  <a:pt x="7886" y="9778"/>
-                  <a:pt x="7915" y="9778"/>
-                  <a:pt x="7915" y="9778"/>
-                </a:cubicBezTo>
-                <a:lnTo>
-                  <a:pt x="9248" y="5265"/>
-                </a:lnTo>
-                <a:cubicBezTo>
-                  <a:pt x="9303" y="5077"/>
-                  <a:pt x="9303" y="4889"/>
-                  <a:pt x="9248" y="4701"/>
-                </a:cubicBezTo>
-                <a:close/>
-              </a:path>
-            </a:pathLst>
-          </a:custGeom>
-          <a:solidFill>
-            <a:schemeClr val="accent1"/>
-          </a:solidFill>
-          <a:ln>
-            <a:noFill/>
-          </a:ln>
-        </p:spPr>
-      </p:sp>
-      <p:sp>
-        <p:nvSpPr>
-          <p:cNvPr id="4" name="Slide Number Placeholder 3"/>
+          <p:cNvPr id="9" name="Slide Number Placeholder 8"/>
           <p:cNvSpPr>
             <a:spLocks noGrp="1"/>
           </p:cNvSpPr>
@@ -8183,6 +6059,11 @@
         </p:txBody>
       </p:sp>
     </p:spTree>
+    <p:extLst>
+      <p:ext uri="{BB962C8B-B14F-4D97-AF65-F5344CB8AC3E}">
+        <p14:creationId xmlns:p14="http://schemas.microsoft.com/office/powerpoint/2010/main" val="3441819311"/>
+      </p:ext>
+    </p:extLst>
   </p:cSld>
   <p:clrMapOvr>
     <a:masterClrMapping/>
@@ -8191,7 +6072,7 @@
 </file>
 
 <file path=ppt/slideLayouts/slideLayout8.xml><?xml version="1.0" encoding="utf-8"?>
-<p:sldLayout xmlns:a="http://schemas.openxmlformats.org/drawingml/2006/main" xmlns:r="http://schemas.openxmlformats.org/officeDocument/2006/relationships" xmlns:p="http://schemas.openxmlformats.org/presentationml/2006/main" type="objTx" preserve="1">
+<p:sldLayout xmlns:a="http://schemas.openxmlformats.org/drawingml/2006/main" xmlns:r="http://schemas.openxmlformats.org/officeDocument/2006/relationships" xmlns:p="http://schemas.openxmlformats.org/presentationml/2006/main" showMasterSp="0" type="objTx" preserve="1">
   <p:cSld name="Contenido con título">
     <p:spTree>
       <p:nvGrpSpPr>
@@ -8209,6 +6090,82 @@
       </p:grpSpPr>
       <p:sp>
         <p:nvSpPr>
+          <p:cNvPr id="8" name="Rectangle 7"/>
+          <p:cNvSpPr/>
+          <p:nvPr/>
+        </p:nvSpPr>
+        <p:spPr>
+          <a:xfrm>
+            <a:off x="16" y="0"/>
+            <a:ext cx="4050791" cy="6858000"/>
+          </a:xfrm>
+          <a:prstGeom prst="rect">
+            <a:avLst/>
+          </a:prstGeom>
+          <a:solidFill>
+            <a:schemeClr val="accent2"/>
+          </a:solidFill>
+          <a:ln>
+            <a:noFill/>
+          </a:ln>
+        </p:spPr>
+        <p:style>
+          <a:lnRef idx="2">
+            <a:schemeClr val="accent1">
+              <a:shade val="50000"/>
+            </a:schemeClr>
+          </a:lnRef>
+          <a:fillRef idx="1">
+            <a:schemeClr val="accent1"/>
+          </a:fillRef>
+          <a:effectRef idx="0">
+            <a:schemeClr val="accent1"/>
+          </a:effectRef>
+          <a:fontRef idx="minor">
+            <a:schemeClr val="lt1"/>
+          </a:fontRef>
+        </p:style>
+      </p:sp>
+      <p:sp>
+        <p:nvSpPr>
+          <p:cNvPr id="9" name="Rectangle 8"/>
+          <p:cNvSpPr/>
+          <p:nvPr/>
+        </p:nvSpPr>
+        <p:spPr>
+          <a:xfrm>
+            <a:off x="4040071" y="0"/>
+            <a:ext cx="64008" cy="6858000"/>
+          </a:xfrm>
+          <a:prstGeom prst="rect">
+            <a:avLst/>
+          </a:prstGeom>
+          <a:solidFill>
+            <a:schemeClr val="accent1"/>
+          </a:solidFill>
+          <a:ln>
+            <a:noFill/>
+          </a:ln>
+        </p:spPr>
+        <p:style>
+          <a:lnRef idx="2">
+            <a:schemeClr val="accent1">
+              <a:shade val="50000"/>
+            </a:schemeClr>
+          </a:lnRef>
+          <a:fillRef idx="1">
+            <a:schemeClr val="accent1"/>
+          </a:fillRef>
+          <a:effectRef idx="0">
+            <a:schemeClr val="accent1"/>
+          </a:effectRef>
+          <a:fontRef idx="minor">
+            <a:schemeClr val="lt1"/>
+          </a:fontRef>
+        </p:style>
+      </p:sp>
+      <p:sp>
+        <p:nvSpPr>
           <p:cNvPr id="2" name="Title 1"/>
           <p:cNvSpPr>
             <a:spLocks noGrp="1"/>
@@ -8219,20 +6176,26 @@
         </p:nvSpPr>
         <p:spPr>
           <a:xfrm>
-            <a:off x="2589212" y="446088"/>
-            <a:ext cx="3505199" cy="976312"/>
+            <a:off x="457200" y="594359"/>
+            <a:ext cx="3200400" cy="2286000"/>
           </a:xfrm>
         </p:spPr>
         <p:txBody>
-          <a:bodyPr anchor="b"/>
+          <a:bodyPr anchor="b">
+            <a:normAutofit/>
+          </a:bodyPr>
           <a:lstStyle>
-            <a:lvl1pPr algn="l">
-              <a:defRPr sz="2000" b="0"/>
+            <a:lvl1pPr>
+              <a:defRPr sz="3600" b="0">
+                <a:solidFill>
+                  <a:srgbClr val="FFFFFF"/>
+                </a:solidFill>
+              </a:defRPr>
             </a:lvl1pPr>
           </a:lstStyle>
           <a:p>
             <a:r>
-              <a:rPr lang="es-ES_tradnl"/>
+              <a:rPr lang="es-ES"/>
               <a:t>Haga clic para modificar el estilo de título del patrón</a:t>
             </a:r>
             <a:endParaRPr lang="en-US" dirty="0"/>
@@ -8251,47 +6214,45 @@
         </p:nvSpPr>
         <p:spPr>
           <a:xfrm>
-            <a:off x="6323012" y="446088"/>
-            <a:ext cx="5181600" cy="5414963"/>
+            <a:off x="4800600" y="731520"/>
+            <a:ext cx="6492240" cy="5257800"/>
           </a:xfrm>
         </p:spPr>
         <p:txBody>
-          <a:bodyPr anchor="ctr">
-            <a:normAutofit/>
-          </a:bodyPr>
+          <a:bodyPr/>
           <a:lstStyle/>
           <a:p>
             <a:pPr lvl="0"/>
             <a:r>
-              <a:rPr lang="es-ES_tradnl"/>
-              <a:t>Haga clic para modificar los estilos de texto del patrón</a:t>
+              <a:rPr lang="es-ES"/>
+              <a:t>Editar los estilos de texto del patrón</a:t>
             </a:r>
           </a:p>
           <a:p>
             <a:pPr lvl="1"/>
             <a:r>
-              <a:rPr lang="es-ES_tradnl"/>
+              <a:rPr lang="es-ES"/>
               <a:t>Segundo nivel</a:t>
             </a:r>
           </a:p>
           <a:p>
             <a:pPr lvl="2"/>
             <a:r>
-              <a:rPr lang="es-ES_tradnl"/>
+              <a:rPr lang="es-ES"/>
               <a:t>Tercer nivel</a:t>
             </a:r>
           </a:p>
           <a:p>
             <a:pPr lvl="3"/>
             <a:r>
-              <a:rPr lang="es-ES_tradnl"/>
+              <a:rPr lang="es-ES"/>
               <a:t>Cuarto nivel</a:t>
             </a:r>
           </a:p>
           <a:p>
             <a:pPr lvl="4"/>
             <a:r>
-              <a:rPr lang="es-ES_tradnl"/>
+              <a:rPr lang="es-ES"/>
               <a:t>Quinto nivel</a:t>
             </a:r>
             <a:endParaRPr lang="en-US" dirty="0"/>
@@ -8310,16 +6271,22 @@
         </p:nvSpPr>
         <p:spPr>
           <a:xfrm>
-            <a:off x="2589212" y="1598613"/>
-            <a:ext cx="3505199" cy="4262436"/>
+            <a:off x="457200" y="2926080"/>
+            <a:ext cx="3200400" cy="3379124"/>
           </a:xfrm>
         </p:spPr>
         <p:txBody>
-          <a:bodyPr/>
+          <a:bodyPr lIns="91440" rIns="91440">
+            <a:normAutofit/>
+          </a:bodyPr>
           <a:lstStyle>
             <a:lvl1pPr marL="0" indent="0">
               <a:buNone/>
-              <a:defRPr sz="1400"/>
+              <a:defRPr sz="1500">
+                <a:solidFill>
+                  <a:srgbClr val="FFFFFF"/>
+                </a:solidFill>
+              </a:defRPr>
             </a:lvl1pPr>
             <a:lvl2pPr marL="457200" indent="0">
               <a:buNone/>
@@ -8357,8 +6324,8 @@
           <a:p>
             <a:pPr lvl="0"/>
             <a:r>
-              <a:rPr lang="es-ES_tradnl"/>
-              <a:t>Haga clic para modificar los estilos de texto del patrón</a:t>
+              <a:rPr lang="es-ES"/>
+              <a:t>Editar los estilos de texto del patrón</a:t>
             </a:r>
           </a:p>
         </p:txBody>
@@ -8373,16 +6340,25 @@
             <p:ph type="dt" sz="half" idx="10"/>
           </p:nvPr>
         </p:nvSpPr>
-        <p:spPr/>
+        <p:spPr>
+          <a:xfrm>
+            <a:off x="465512" y="6459785"/>
+            <a:ext cx="2618510" cy="365125"/>
+          </a:xfrm>
+        </p:spPr>
         <p:txBody>
           <a:bodyPr/>
-          <a:lstStyle/>
+          <a:lstStyle>
+            <a:lvl1pPr algn="l">
+              <a:defRPr/>
+            </a:lvl1pPr>
+          </a:lstStyle>
           <a:p>
             <a:pPr algn="r"/>
             <a:fld id="{AF364E66-D00E-49A9-9E62-AB0485562249}" type="datetime1">
               <a:rPr lang="es-ES" smtClean="0"/>
               <a:pPr algn="r"/>
-              <a:t>15/02/2018</a:t>
+              <a:t>16/02/2018</a:t>
             </a:fld>
             <a:endParaRPr lang="es-ES" dirty="0"/>
           </a:p>
@@ -8398,97 +6374,28 @@
             <p:ph type="ftr" sz="quarter" idx="11"/>
           </p:nvPr>
         </p:nvSpPr>
-        <p:spPr/>
+        <p:spPr>
+          <a:xfrm>
+            <a:off x="4800600" y="6459785"/>
+            <a:ext cx="4648200" cy="365125"/>
+          </a:xfrm>
+        </p:spPr>
         <p:txBody>
           <a:bodyPr/>
-          <a:lstStyle/>
+          <a:lstStyle>
+            <a:lvl1pPr algn="l">
+              <a:defRPr>
+                <a:solidFill>
+                  <a:schemeClr val="tx2"/>
+                </a:solidFill>
+              </a:defRPr>
+            </a:lvl1pPr>
+          </a:lstStyle>
           <a:p>
             <a:pPr rtl="0"/>
             <a:endParaRPr lang="es-ES" noProof="0" dirty="0"/>
           </a:p>
         </p:txBody>
-      </p:sp>
-      <p:sp>
-        <p:nvSpPr>
-          <p:cNvPr id="9" name="Freeform 11"/>
-          <p:cNvSpPr/>
-          <p:nvPr/>
-        </p:nvSpPr>
-        <p:spPr bwMode="auto">
-          <a:xfrm flipV="1">
-            <a:off x="-4189" y="714375"/>
-            <a:ext cx="1588527" cy="507297"/>
-          </a:xfrm>
-          <a:custGeom>
-            <a:avLst/>
-            <a:gdLst/>
-            <a:ahLst/>
-            <a:cxnLst/>
-            <a:rect l="l" t="t" r="r" b="b"/>
-            <a:pathLst>
-              <a:path w="9248" h="10000">
-                <a:moveTo>
-                  <a:pt x="9248" y="4701"/>
-                </a:moveTo>
-                <a:lnTo>
-                  <a:pt x="7915" y="188"/>
-                </a:lnTo>
-                <a:cubicBezTo>
-                  <a:pt x="7906" y="156"/>
-                  <a:pt x="7895" y="126"/>
-                  <a:pt x="7886" y="94"/>
-                </a:cubicBezTo>
-                <a:cubicBezTo>
-                  <a:pt x="7859" y="0"/>
-                  <a:pt x="7831" y="0"/>
-                  <a:pt x="7803" y="0"/>
-                </a:cubicBezTo>
-                <a:lnTo>
-                  <a:pt x="7275" y="0"/>
-                </a:lnTo>
-                <a:lnTo>
-                  <a:pt x="0" y="70"/>
-                </a:lnTo>
-                <a:cubicBezTo>
-                  <a:pt x="8" y="3380"/>
-                  <a:pt x="17" y="6690"/>
-                  <a:pt x="25" y="10000"/>
-                </a:cubicBezTo>
-                <a:lnTo>
-                  <a:pt x="7275" y="9966"/>
-                </a:lnTo>
-                <a:lnTo>
-                  <a:pt x="7803" y="9966"/>
-                </a:lnTo>
-                <a:cubicBezTo>
-                  <a:pt x="7831" y="9966"/>
-                  <a:pt x="7859" y="9872"/>
-                  <a:pt x="7886" y="9872"/>
-                </a:cubicBezTo>
-                <a:cubicBezTo>
-                  <a:pt x="7886" y="9778"/>
-                  <a:pt x="7915" y="9778"/>
-                  <a:pt x="7915" y="9778"/>
-                </a:cubicBezTo>
-                <a:lnTo>
-                  <a:pt x="9248" y="5265"/>
-                </a:lnTo>
-                <a:cubicBezTo>
-                  <a:pt x="9303" y="5077"/>
-                  <a:pt x="9303" y="4889"/>
-                  <a:pt x="9248" y="4701"/>
-                </a:cubicBezTo>
-                <a:close/>
-              </a:path>
-            </a:pathLst>
-          </a:custGeom>
-          <a:solidFill>
-            <a:schemeClr val="accent1"/>
-          </a:solidFill>
-          <a:ln>
-            <a:noFill/>
-          </a:ln>
-        </p:spPr>
       </p:sp>
       <p:sp>
         <p:nvSpPr>
@@ -8503,7 +6410,15 @@
         <p:spPr/>
         <p:txBody>
           <a:bodyPr/>
-          <a:lstStyle/>
+          <a:lstStyle>
+            <a:lvl1pPr>
+              <a:defRPr>
+                <a:solidFill>
+                  <a:schemeClr val="tx2"/>
+                </a:solidFill>
+              </a:defRPr>
+            </a:lvl1pPr>
+          </a:lstStyle>
           <a:p>
             <a:fld id="{E31375A4-56A4-47D6-9801-1991572033F7}" type="slidenum">
               <a:rPr lang="es-ES" smtClean="0"/>
@@ -8515,15 +6430,25 @@
         </p:txBody>
       </p:sp>
     </p:spTree>
+    <p:extLst>
+      <p:ext uri="{BB962C8B-B14F-4D97-AF65-F5344CB8AC3E}">
+        <p14:creationId xmlns:p14="http://schemas.microsoft.com/office/powerpoint/2010/main" val="1626167859"/>
+      </p:ext>
+    </p:extLst>
   </p:cSld>
   <p:clrMapOvr>
     <a:masterClrMapping/>
   </p:clrMapOvr>
+  <p:extLst>
+    <p:ext uri="{DCECCB84-F9BA-43D5-87BE-67443E8EF086}">
+      <p15:sldGuideLst xmlns:p15="http://schemas.microsoft.com/office/powerpoint/2012/main"/>
+    </p:ext>
+  </p:extLst>
 </p:sldLayout>
 </file>
 
 <file path=ppt/slideLayouts/slideLayout9.xml><?xml version="1.0" encoding="utf-8"?>
-<p:sldLayout xmlns:a="http://schemas.openxmlformats.org/drawingml/2006/main" xmlns:r="http://schemas.openxmlformats.org/officeDocument/2006/relationships" xmlns:p="http://schemas.openxmlformats.org/presentationml/2006/main" type="picTx" preserve="1">
+<p:sldLayout xmlns:a="http://schemas.openxmlformats.org/drawingml/2006/main" xmlns:r="http://schemas.openxmlformats.org/officeDocument/2006/relationships" xmlns:p="http://schemas.openxmlformats.org/presentationml/2006/main" showMasterSp="0" type="picTx" preserve="1">
   <p:cSld name="Imagen con título">
     <p:spTree>
       <p:nvGrpSpPr>
@@ -8541,6 +6466,82 @@
       </p:grpSpPr>
       <p:sp>
         <p:nvSpPr>
+          <p:cNvPr id="8" name="Rectangle 7"/>
+          <p:cNvSpPr/>
+          <p:nvPr/>
+        </p:nvSpPr>
+        <p:spPr>
+          <a:xfrm>
+            <a:off x="0" y="4953000"/>
+            <a:ext cx="12188825" cy="1905000"/>
+          </a:xfrm>
+          <a:prstGeom prst="rect">
+            <a:avLst/>
+          </a:prstGeom>
+          <a:solidFill>
+            <a:schemeClr val="accent2"/>
+          </a:solidFill>
+          <a:ln>
+            <a:noFill/>
+          </a:ln>
+        </p:spPr>
+        <p:style>
+          <a:lnRef idx="2">
+            <a:schemeClr val="accent1">
+              <a:shade val="50000"/>
+            </a:schemeClr>
+          </a:lnRef>
+          <a:fillRef idx="1">
+            <a:schemeClr val="accent1"/>
+          </a:fillRef>
+          <a:effectRef idx="0">
+            <a:schemeClr val="accent1"/>
+          </a:effectRef>
+          <a:fontRef idx="minor">
+            <a:schemeClr val="lt1"/>
+          </a:fontRef>
+        </p:style>
+      </p:sp>
+      <p:sp>
+        <p:nvSpPr>
+          <p:cNvPr id="9" name="Rectangle 8"/>
+          <p:cNvSpPr/>
+          <p:nvPr/>
+        </p:nvSpPr>
+        <p:spPr>
+          <a:xfrm>
+            <a:off x="15" y="4915076"/>
+            <a:ext cx="12188825" cy="64008"/>
+          </a:xfrm>
+          <a:prstGeom prst="rect">
+            <a:avLst/>
+          </a:prstGeom>
+          <a:solidFill>
+            <a:schemeClr val="accent1"/>
+          </a:solidFill>
+          <a:ln>
+            <a:noFill/>
+          </a:ln>
+        </p:spPr>
+        <p:style>
+          <a:lnRef idx="2">
+            <a:schemeClr val="accent1">
+              <a:shade val="50000"/>
+            </a:schemeClr>
+          </a:lnRef>
+          <a:fillRef idx="1">
+            <a:schemeClr val="accent1"/>
+          </a:fillRef>
+          <a:effectRef idx="0">
+            <a:schemeClr val="accent1"/>
+          </a:effectRef>
+          <a:fontRef idx="minor">
+            <a:schemeClr val="lt1"/>
+          </a:fontRef>
+        </p:style>
+      </p:sp>
+      <p:sp>
+        <p:nvSpPr>
           <p:cNvPr id="2" name="Title 1"/>
           <p:cNvSpPr>
             <a:spLocks noGrp="1"/>
@@ -8551,22 +6552,26 @@
         </p:nvSpPr>
         <p:spPr>
           <a:xfrm>
-            <a:off x="2589213" y="4800600"/>
-            <a:ext cx="8915400" cy="566738"/>
+            <a:off x="1097280" y="5074920"/>
+            <a:ext cx="10113645" cy="822960"/>
           </a:xfrm>
         </p:spPr>
         <p:txBody>
-          <a:bodyPr anchor="b">
-            <a:normAutofit/>
+          <a:bodyPr lIns="91440" tIns="0" rIns="91440" bIns="0" anchor="b">
+            <a:noAutofit/>
           </a:bodyPr>
           <a:lstStyle>
-            <a:lvl1pPr algn="l">
-              <a:defRPr sz="2400" b="0"/>
+            <a:lvl1pPr>
+              <a:defRPr sz="3600" b="0">
+                <a:solidFill>
+                  <a:srgbClr val="FFFFFF"/>
+                </a:solidFill>
+              </a:defRPr>
             </a:lvl1pPr>
           </a:lstStyle>
           <a:p>
             <a:r>
-              <a:rPr lang="es-ES_tradnl"/>
+              <a:rPr lang="es-ES"/>
               <a:t>Haga clic para modificar el estilo de título del patrón</a:t>
             </a:r>
             <a:endParaRPr lang="en-US" dirty="0"/>
@@ -8585,56 +6590,59 @@
         </p:nvSpPr>
         <p:spPr>
           <a:xfrm>
-            <a:off x="2589212" y="634965"/>
-            <a:ext cx="8915400" cy="3854970"/>
+            <a:off x="15" y="0"/>
+            <a:ext cx="12191985" cy="4915076"/>
           </a:xfrm>
+          <a:solidFill>
+            <a:schemeClr val="bg2">
+              <a:lumMod val="90000"/>
+            </a:schemeClr>
+          </a:solidFill>
         </p:spPr>
         <p:txBody>
-          <a:bodyPr anchor="t">
-            <a:normAutofit/>
-          </a:bodyPr>
+          <a:bodyPr lIns="457200" tIns="457200" anchor="t"/>
           <a:lstStyle>
-            <a:lvl1pPr marL="0" indent="0" algn="ctr">
+            <a:lvl1pPr marL="0" indent="0">
               <a:buNone/>
-              <a:defRPr sz="1600"/>
+              <a:defRPr sz="3200"/>
             </a:lvl1pPr>
             <a:lvl2pPr marL="457200" indent="0">
               <a:buNone/>
-              <a:defRPr sz="1600"/>
+              <a:defRPr sz="2800"/>
             </a:lvl2pPr>
             <a:lvl3pPr marL="914400" indent="0">
               <a:buNone/>
-              <a:defRPr sz="1600"/>
+              <a:defRPr sz="2400"/>
             </a:lvl3pPr>
             <a:lvl4pPr marL="1371600" indent="0">
               <a:buNone/>
-              <a:defRPr sz="1600"/>
+              <a:defRPr sz="2000"/>
             </a:lvl4pPr>
             <a:lvl5pPr marL="1828800" indent="0">
               <a:buNone/>
-              <a:defRPr sz="1600"/>
+              <a:defRPr sz="2000"/>
             </a:lvl5pPr>
             <a:lvl6pPr marL="2286000" indent="0">
               <a:buNone/>
-              <a:defRPr sz="1600"/>
+              <a:defRPr sz="2000"/>
             </a:lvl6pPr>
             <a:lvl7pPr marL="2743200" indent="0">
               <a:buNone/>
-              <a:defRPr sz="1600"/>
+              <a:defRPr sz="2000"/>
             </a:lvl7pPr>
             <a:lvl8pPr marL="3200400" indent="0">
               <a:buNone/>
-              <a:defRPr sz="1600"/>
+              <a:defRPr sz="2000"/>
             </a:lvl8pPr>
             <a:lvl9pPr marL="3657600" indent="0">
               <a:buNone/>
-              <a:defRPr sz="1600"/>
+              <a:defRPr sz="2000"/>
             </a:lvl9pPr>
           </a:lstStyle>
           <a:p>
             <a:r>
-              <a:rPr lang="es-ES_tradnl"/>
-              <a:t>Arrastre la imagen al marcador de posición o haga clic en el icono para agregarla</a:t>
+              <a:rPr lang="es-ES"/>
+              <a:t>Haga clic en el icono para agregar una imagen</a:t>
             </a:r>
             <a:endParaRPr lang="en-US" dirty="0"/>
           </a:p>
@@ -8652,18 +6660,28 @@
         </p:nvSpPr>
         <p:spPr>
           <a:xfrm>
-            <a:off x="2589213" y="5367338"/>
-            <a:ext cx="8915400" cy="493712"/>
+            <a:off x="1097280" y="5907024"/>
+            <a:ext cx="10113264" cy="594360"/>
           </a:xfrm>
         </p:spPr>
         <p:txBody>
-          <a:bodyPr>
+          <a:bodyPr lIns="91440" tIns="0" rIns="91440" bIns="0">
             <a:normAutofit/>
           </a:bodyPr>
           <a:lstStyle>
             <a:lvl1pPr marL="0" indent="0">
+              <a:spcBef>
+                <a:spcPts val="0"/>
+              </a:spcBef>
+              <a:spcAft>
+                <a:spcPts val="600"/>
+              </a:spcAft>
               <a:buNone/>
-              <a:defRPr sz="1200"/>
+              <a:defRPr sz="1500">
+                <a:solidFill>
+                  <a:srgbClr val="FFFFFF"/>
+                </a:solidFill>
+              </a:defRPr>
             </a:lvl1pPr>
             <a:lvl2pPr marL="457200" indent="0">
               <a:buNone/>
@@ -8701,8 +6719,8 @@
           <a:p>
             <a:pPr lvl="0"/>
             <a:r>
-              <a:rPr lang="es-ES_tradnl"/>
-              <a:t>Haga clic para modificar los estilos de texto del patrón</a:t>
+              <a:rPr lang="es-ES"/>
+              <a:t>Editar los estilos de texto del patrón</a:t>
             </a:r>
           </a:p>
         </p:txBody>
@@ -8725,7 +6743,7 @@
             <a:fld id="{8EB92E29-7FB2-4284-9496-FE061DBF8A30}" type="datetime1">
               <a:rPr lang="es-ES" smtClean="0"/>
               <a:pPr/>
-              <a:t>15/02/2018</a:t>
+              <a:t>16/02/2018</a:t>
             </a:fld>
             <a:endParaRPr lang="es-ES" dirty="0"/>
           </a:p>
@@ -8753,88 +6771,6 @@
       </p:sp>
       <p:sp>
         <p:nvSpPr>
-          <p:cNvPr id="9" name="Freeform 11"/>
-          <p:cNvSpPr/>
-          <p:nvPr/>
-        </p:nvSpPr>
-        <p:spPr bwMode="auto">
-          <a:xfrm flipV="1">
-            <a:off x="-4189" y="4911725"/>
-            <a:ext cx="1588527" cy="507297"/>
-          </a:xfrm>
-          <a:custGeom>
-            <a:avLst/>
-            <a:gdLst/>
-            <a:ahLst/>
-            <a:cxnLst/>
-            <a:rect l="l" t="t" r="r" b="b"/>
-            <a:pathLst>
-              <a:path w="9248" h="10000">
-                <a:moveTo>
-                  <a:pt x="9248" y="4701"/>
-                </a:moveTo>
-                <a:lnTo>
-                  <a:pt x="7915" y="188"/>
-                </a:lnTo>
-                <a:cubicBezTo>
-                  <a:pt x="7906" y="156"/>
-                  <a:pt x="7895" y="126"/>
-                  <a:pt x="7886" y="94"/>
-                </a:cubicBezTo>
-                <a:cubicBezTo>
-                  <a:pt x="7859" y="0"/>
-                  <a:pt x="7831" y="0"/>
-                  <a:pt x="7803" y="0"/>
-                </a:cubicBezTo>
-                <a:lnTo>
-                  <a:pt x="7275" y="0"/>
-                </a:lnTo>
-                <a:lnTo>
-                  <a:pt x="0" y="70"/>
-                </a:lnTo>
-                <a:cubicBezTo>
-                  <a:pt x="8" y="3380"/>
-                  <a:pt x="17" y="6690"/>
-                  <a:pt x="25" y="10000"/>
-                </a:cubicBezTo>
-                <a:lnTo>
-                  <a:pt x="7275" y="9966"/>
-                </a:lnTo>
-                <a:lnTo>
-                  <a:pt x="7803" y="9966"/>
-                </a:lnTo>
-                <a:cubicBezTo>
-                  <a:pt x="7831" y="9966"/>
-                  <a:pt x="7859" y="9872"/>
-                  <a:pt x="7886" y="9872"/>
-                </a:cubicBezTo>
-                <a:cubicBezTo>
-                  <a:pt x="7886" y="9778"/>
-                  <a:pt x="7915" y="9778"/>
-                  <a:pt x="7915" y="9778"/>
-                </a:cubicBezTo>
-                <a:lnTo>
-                  <a:pt x="9248" y="5265"/>
-                </a:lnTo>
-                <a:cubicBezTo>
-                  <a:pt x="9303" y="5077"/>
-                  <a:pt x="9303" y="4889"/>
-                  <a:pt x="9248" y="4701"/>
-                </a:cubicBezTo>
-                <a:close/>
-              </a:path>
-            </a:pathLst>
-          </a:custGeom>
-          <a:solidFill>
-            <a:schemeClr val="accent1"/>
-          </a:solidFill>
-          <a:ln>
-            <a:noFill/>
-          </a:ln>
-        </p:spPr>
-      </p:sp>
-      <p:sp>
-        <p:nvSpPr>
           <p:cNvPr id="7" name="Slide Number Placeholder 6"/>
           <p:cNvSpPr>
             <a:spLocks noGrp="1"/>
@@ -8843,12 +6779,7 @@
             <p:ph type="sldNum" sz="quarter" idx="12"/>
           </p:nvPr>
         </p:nvSpPr>
-        <p:spPr>
-          <a:xfrm>
-            <a:off x="531812" y="4983087"/>
-            <a:ext cx="779767" cy="365125"/>
-          </a:xfrm>
-        </p:spPr>
+        <p:spPr/>
         <p:txBody>
           <a:bodyPr/>
           <a:lstStyle/>
@@ -8868,7 +6799,7 @@
           <p:cNvPr id="10" name="Rectángulo 9">
             <a:extLst>
               <a:ext uri="{FF2B5EF4-FFF2-40B4-BE49-F238E27FC236}">
-                <a16:creationId xmlns:a16="http://schemas.microsoft.com/office/drawing/2014/main" id="{1AD9BC45-2482-48B1-86E5-832C11382C56}"/>
+                <a16:creationId xmlns:a16="http://schemas.microsoft.com/office/drawing/2014/main" id="{6169CE73-73AC-4F0D-BA41-2C4E3152BCF4}"/>
               </a:ext>
             </a:extLst>
           </p:cNvPr>
@@ -8919,6 +6850,11 @@
         </p:txBody>
       </p:sp>
     </p:spTree>
+    <p:extLst>
+      <p:ext uri="{BB962C8B-B14F-4D97-AF65-F5344CB8AC3E}">
+        <p14:creationId xmlns:p14="http://schemas.microsoft.com/office/powerpoint/2010/main" val="3809375097"/>
+      </p:ext>
+    </p:extLst>
   </p:cSld>
   <p:clrMapOvr>
     <a:masterClrMapping/>
@@ -8930,8 +6866,8 @@
 <p:sldMaster xmlns:a="http://schemas.openxmlformats.org/drawingml/2006/main" xmlns:r="http://schemas.openxmlformats.org/officeDocument/2006/relationships" xmlns:p="http://schemas.openxmlformats.org/presentationml/2006/main">
   <p:cSld>
     <p:bg>
-      <p:bgRef idx="1003">
-        <a:schemeClr val="bg2"/>
+      <p:bgRef idx="1001">
+        <a:schemeClr val="bg1"/>
       </p:bgRef>
     </p:bg>
     <p:spTree>
@@ -8948,1786 +6884,6 @@
           <a:chExt cx="0" cy="0"/>
         </a:xfrm>
       </p:grpSpPr>
-      <p:grpSp>
-        <p:nvGrpSpPr>
-          <p:cNvPr id="23" name="Group 22"/>
-          <p:cNvGrpSpPr/>
-          <p:nvPr/>
-        </p:nvGrpSpPr>
-        <p:grpSpPr>
-          <a:xfrm>
-            <a:off x="1" y="228600"/>
-            <a:ext cx="2851516" cy="6638628"/>
-            <a:chOff x="2487613" y="285750"/>
-            <a:chExt cx="2428875" cy="5654676"/>
-          </a:xfrm>
-        </p:grpSpPr>
-        <p:sp>
-          <p:nvSpPr>
-            <p:cNvPr id="24" name="Freeform 11"/>
-            <p:cNvSpPr/>
-            <p:nvPr/>
-          </p:nvSpPr>
-          <p:spPr bwMode="auto">
-            <a:xfrm>
-              <a:off x="2487613" y="2284413"/>
-              <a:ext cx="85725" cy="533400"/>
-            </a:xfrm>
-            <a:custGeom>
-              <a:avLst/>
-              <a:gdLst/>
-              <a:ahLst/>
-              <a:cxnLst/>
-              <a:rect l="0" t="0" r="r" b="b"/>
-              <a:pathLst>
-                <a:path w="22" h="136">
-                  <a:moveTo>
-                    <a:pt x="22" y="136"/>
-                  </a:moveTo>
-                  <a:cubicBezTo>
-                    <a:pt x="20" y="117"/>
-                    <a:pt x="19" y="99"/>
-                    <a:pt x="17" y="80"/>
-                  </a:cubicBezTo>
-                  <a:cubicBezTo>
-                    <a:pt x="11" y="54"/>
-                    <a:pt x="6" y="27"/>
-                    <a:pt x="0" y="0"/>
-                  </a:cubicBezTo>
-                  <a:cubicBezTo>
-                    <a:pt x="0" y="35"/>
-                    <a:pt x="0" y="35"/>
-                    <a:pt x="0" y="35"/>
-                  </a:cubicBezTo>
-                  <a:cubicBezTo>
-                    <a:pt x="6" y="64"/>
-                    <a:pt x="13" y="94"/>
-                    <a:pt x="20" y="124"/>
-                  </a:cubicBezTo>
-                  <a:cubicBezTo>
-                    <a:pt x="20" y="128"/>
-                    <a:pt x="21" y="132"/>
-                    <a:pt x="22" y="136"/>
-                  </a:cubicBezTo>
-                  <a:close/>
-                </a:path>
-              </a:pathLst>
-            </a:custGeom>
-            <a:solidFill>
-              <a:schemeClr val="tx2">
-                <a:alpha val="20000"/>
-              </a:schemeClr>
-            </a:solidFill>
-            <a:ln>
-              <a:noFill/>
-            </a:ln>
-          </p:spPr>
-        </p:sp>
-        <p:sp>
-          <p:nvSpPr>
-            <p:cNvPr id="25" name="Freeform 12"/>
-            <p:cNvSpPr/>
-            <p:nvPr/>
-          </p:nvSpPr>
-          <p:spPr bwMode="auto">
-            <a:xfrm>
-              <a:off x="2597151" y="2779713"/>
-              <a:ext cx="550863" cy="1978025"/>
-            </a:xfrm>
-            <a:custGeom>
-              <a:avLst/>
-              <a:gdLst/>
-              <a:ahLst/>
-              <a:cxnLst/>
-              <a:rect l="0" t="0" r="r" b="b"/>
-              <a:pathLst>
-                <a:path w="140" h="504">
-                  <a:moveTo>
-                    <a:pt x="86" y="350"/>
-                  </a:moveTo>
-                  <a:cubicBezTo>
-                    <a:pt x="103" y="402"/>
-                    <a:pt x="120" y="453"/>
-                    <a:pt x="139" y="504"/>
-                  </a:cubicBezTo>
-                  <a:cubicBezTo>
-                    <a:pt x="139" y="495"/>
-                    <a:pt x="139" y="487"/>
-                    <a:pt x="140" y="478"/>
-                  </a:cubicBezTo>
-                  <a:cubicBezTo>
-                    <a:pt x="124" y="435"/>
-                    <a:pt x="109" y="391"/>
-                    <a:pt x="95" y="347"/>
-                  </a:cubicBezTo>
-                  <a:cubicBezTo>
-                    <a:pt x="58" y="233"/>
-                    <a:pt x="27" y="117"/>
-                    <a:pt x="0" y="0"/>
-                  </a:cubicBezTo>
-                  <a:cubicBezTo>
-                    <a:pt x="2" y="20"/>
-                    <a:pt x="4" y="41"/>
-                    <a:pt x="6" y="61"/>
-                  </a:cubicBezTo>
-                  <a:cubicBezTo>
-                    <a:pt x="30" y="158"/>
-                    <a:pt x="56" y="255"/>
-                    <a:pt x="86" y="350"/>
-                  </a:cubicBezTo>
-                  <a:close/>
-                </a:path>
-              </a:pathLst>
-            </a:custGeom>
-            <a:solidFill>
-              <a:schemeClr val="tx2">
-                <a:alpha val="20000"/>
-              </a:schemeClr>
-            </a:solidFill>
-            <a:ln>
-              <a:noFill/>
-            </a:ln>
-          </p:spPr>
-        </p:sp>
-        <p:sp>
-          <p:nvSpPr>
-            <p:cNvPr id="26" name="Freeform 13"/>
-            <p:cNvSpPr/>
-            <p:nvPr/>
-          </p:nvSpPr>
-          <p:spPr bwMode="auto">
-            <a:xfrm>
-              <a:off x="3175001" y="4730750"/>
-              <a:ext cx="519113" cy="1209675"/>
-            </a:xfrm>
-            <a:custGeom>
-              <a:avLst/>
-              <a:gdLst/>
-              <a:ahLst/>
-              <a:cxnLst/>
-              <a:rect l="0" t="0" r="r" b="b"/>
-              <a:pathLst>
-                <a:path w="132" h="308">
-                  <a:moveTo>
-                    <a:pt x="8" y="22"/>
-                  </a:moveTo>
-                  <a:cubicBezTo>
-                    <a:pt x="5" y="15"/>
-                    <a:pt x="2" y="8"/>
-                    <a:pt x="0" y="0"/>
-                  </a:cubicBezTo>
-                  <a:cubicBezTo>
-                    <a:pt x="0" y="10"/>
-                    <a:pt x="0" y="19"/>
-                    <a:pt x="0" y="29"/>
-                  </a:cubicBezTo>
-                  <a:cubicBezTo>
-                    <a:pt x="21" y="85"/>
-                    <a:pt x="44" y="140"/>
-                    <a:pt x="68" y="194"/>
-                  </a:cubicBezTo>
-                  <a:cubicBezTo>
-                    <a:pt x="85" y="232"/>
-                    <a:pt x="104" y="270"/>
-                    <a:pt x="123" y="308"/>
-                  </a:cubicBezTo>
-                  <a:cubicBezTo>
-                    <a:pt x="132" y="308"/>
-                    <a:pt x="132" y="308"/>
-                    <a:pt x="132" y="308"/>
-                  </a:cubicBezTo>
-                  <a:cubicBezTo>
-                    <a:pt x="113" y="269"/>
-                    <a:pt x="94" y="230"/>
-                    <a:pt x="77" y="190"/>
-                  </a:cubicBezTo>
-                  <a:cubicBezTo>
-                    <a:pt x="52" y="135"/>
-                    <a:pt x="29" y="79"/>
-                    <a:pt x="8" y="22"/>
-                  </a:cubicBezTo>
-                  <a:close/>
-                </a:path>
-              </a:pathLst>
-            </a:custGeom>
-            <a:solidFill>
-              <a:schemeClr val="tx2">
-                <a:alpha val="20000"/>
-              </a:schemeClr>
-            </a:solidFill>
-            <a:ln>
-              <a:noFill/>
-            </a:ln>
-          </p:spPr>
-        </p:sp>
-        <p:sp>
-          <p:nvSpPr>
-            <p:cNvPr id="27" name="Freeform 14"/>
-            <p:cNvSpPr/>
-            <p:nvPr/>
-          </p:nvSpPr>
-          <p:spPr bwMode="auto">
-            <a:xfrm>
-              <a:off x="3305176" y="5630863"/>
-              <a:ext cx="146050" cy="309563"/>
-            </a:xfrm>
-            <a:custGeom>
-              <a:avLst/>
-              <a:gdLst/>
-              <a:ahLst/>
-              <a:cxnLst/>
-              <a:rect l="0" t="0" r="r" b="b"/>
-              <a:pathLst>
-                <a:path w="37" h="79">
-                  <a:moveTo>
-                    <a:pt x="28" y="79"/>
-                  </a:moveTo>
-                  <a:cubicBezTo>
-                    <a:pt x="37" y="79"/>
-                    <a:pt x="37" y="79"/>
-                    <a:pt x="37" y="79"/>
-                  </a:cubicBezTo>
-                  <a:cubicBezTo>
-                    <a:pt x="24" y="53"/>
-                    <a:pt x="12" y="27"/>
-                    <a:pt x="0" y="0"/>
-                  </a:cubicBezTo>
-                  <a:cubicBezTo>
-                    <a:pt x="8" y="27"/>
-                    <a:pt x="17" y="53"/>
-                    <a:pt x="28" y="79"/>
-                  </a:cubicBezTo>
-                  <a:close/>
-                </a:path>
-              </a:pathLst>
-            </a:custGeom>
-            <a:solidFill>
-              <a:schemeClr val="tx2">
-                <a:alpha val="20000"/>
-              </a:schemeClr>
-            </a:solidFill>
-            <a:ln>
-              <a:noFill/>
-            </a:ln>
-          </p:spPr>
-        </p:sp>
-        <p:sp>
-          <p:nvSpPr>
-            <p:cNvPr id="28" name="Freeform 15"/>
-            <p:cNvSpPr/>
-            <p:nvPr/>
-          </p:nvSpPr>
-          <p:spPr bwMode="auto">
-            <a:xfrm>
-              <a:off x="2573338" y="2817813"/>
-              <a:ext cx="700088" cy="2835275"/>
-            </a:xfrm>
-            <a:custGeom>
-              <a:avLst/>
-              <a:gdLst/>
-              <a:ahLst/>
-              <a:cxnLst/>
-              <a:rect l="0" t="0" r="r" b="b"/>
-              <a:pathLst>
-                <a:path w="178" h="722">
-                  <a:moveTo>
-                    <a:pt x="162" y="660"/>
-                  </a:moveTo>
-                  <a:cubicBezTo>
-                    <a:pt x="145" y="618"/>
-                    <a:pt x="130" y="576"/>
-                    <a:pt x="116" y="534"/>
-                  </a:cubicBezTo>
-                  <a:cubicBezTo>
-                    <a:pt x="84" y="437"/>
-                    <a:pt x="59" y="337"/>
-                    <a:pt x="40" y="236"/>
-                  </a:cubicBezTo>
-                  <a:cubicBezTo>
-                    <a:pt x="29" y="175"/>
-                    <a:pt x="20" y="113"/>
-                    <a:pt x="12" y="51"/>
-                  </a:cubicBezTo>
-                  <a:cubicBezTo>
-                    <a:pt x="8" y="34"/>
-                    <a:pt x="4" y="17"/>
-                    <a:pt x="0" y="0"/>
-                  </a:cubicBezTo>
-                  <a:cubicBezTo>
-                    <a:pt x="8" y="79"/>
-                    <a:pt x="19" y="159"/>
-                    <a:pt x="33" y="237"/>
-                  </a:cubicBezTo>
-                  <a:cubicBezTo>
-                    <a:pt x="51" y="339"/>
-                    <a:pt x="76" y="439"/>
-                    <a:pt x="107" y="537"/>
-                  </a:cubicBezTo>
-                  <a:cubicBezTo>
-                    <a:pt x="123" y="586"/>
-                    <a:pt x="141" y="634"/>
-                    <a:pt x="160" y="681"/>
-                  </a:cubicBezTo>
-                  <a:cubicBezTo>
-                    <a:pt x="166" y="695"/>
-                    <a:pt x="172" y="708"/>
-                    <a:pt x="178" y="722"/>
-                  </a:cubicBezTo>
-                  <a:cubicBezTo>
-                    <a:pt x="176" y="717"/>
-                    <a:pt x="175" y="713"/>
-                    <a:pt x="174" y="708"/>
-                  </a:cubicBezTo>
-                  <a:cubicBezTo>
-                    <a:pt x="169" y="692"/>
-                    <a:pt x="165" y="676"/>
-                    <a:pt x="162" y="660"/>
-                  </a:cubicBezTo>
-                  <a:close/>
-                </a:path>
-              </a:pathLst>
-            </a:custGeom>
-            <a:solidFill>
-              <a:schemeClr val="tx2">
-                <a:alpha val="20000"/>
-              </a:schemeClr>
-            </a:solidFill>
-            <a:ln>
-              <a:noFill/>
-            </a:ln>
-          </p:spPr>
-        </p:sp>
-        <p:sp>
-          <p:nvSpPr>
-            <p:cNvPr id="29" name="Freeform 16"/>
-            <p:cNvSpPr/>
-            <p:nvPr/>
-          </p:nvSpPr>
-          <p:spPr bwMode="auto">
-            <a:xfrm>
-              <a:off x="2506663" y="285750"/>
-              <a:ext cx="90488" cy="2493963"/>
-            </a:xfrm>
-            <a:custGeom>
-              <a:avLst/>
-              <a:gdLst/>
-              <a:ahLst/>
-              <a:cxnLst/>
-              <a:rect l="0" t="0" r="r" b="b"/>
-              <a:pathLst>
-                <a:path w="23" h="635">
-                  <a:moveTo>
-                    <a:pt x="11" y="577"/>
-                  </a:moveTo>
-                  <a:cubicBezTo>
-                    <a:pt x="12" y="581"/>
-                    <a:pt x="12" y="585"/>
-                    <a:pt x="12" y="589"/>
-                  </a:cubicBezTo>
-                  <a:cubicBezTo>
-                    <a:pt x="15" y="603"/>
-                    <a:pt x="19" y="617"/>
-                    <a:pt x="22" y="632"/>
-                  </a:cubicBezTo>
-                  <a:cubicBezTo>
-                    <a:pt x="22" y="633"/>
-                    <a:pt x="22" y="634"/>
-                    <a:pt x="23" y="635"/>
-                  </a:cubicBezTo>
-                  <a:cubicBezTo>
-                    <a:pt x="21" y="615"/>
-                    <a:pt x="19" y="596"/>
-                    <a:pt x="17" y="576"/>
-                  </a:cubicBezTo>
-                  <a:cubicBezTo>
-                    <a:pt x="9" y="474"/>
-                    <a:pt x="5" y="372"/>
-                    <a:pt x="5" y="269"/>
-                  </a:cubicBezTo>
-                  <a:cubicBezTo>
-                    <a:pt x="6" y="179"/>
-                    <a:pt x="9" y="90"/>
-                    <a:pt x="15" y="0"/>
-                  </a:cubicBezTo>
-                  <a:cubicBezTo>
-                    <a:pt x="12" y="0"/>
-                    <a:pt x="12" y="0"/>
-                    <a:pt x="12" y="0"/>
-                  </a:cubicBezTo>
-                  <a:cubicBezTo>
-                    <a:pt x="5" y="89"/>
-                    <a:pt x="2" y="179"/>
-                    <a:pt x="1" y="269"/>
-                  </a:cubicBezTo>
-                  <a:cubicBezTo>
-                    <a:pt x="0" y="372"/>
-                    <a:pt x="3" y="474"/>
-                    <a:pt x="11" y="577"/>
-                  </a:cubicBezTo>
-                  <a:close/>
-                </a:path>
-              </a:pathLst>
-            </a:custGeom>
-            <a:solidFill>
-              <a:schemeClr val="tx2">
-                <a:alpha val="20000"/>
-              </a:schemeClr>
-            </a:solidFill>
-            <a:ln>
-              <a:noFill/>
-            </a:ln>
-          </p:spPr>
-        </p:sp>
-        <p:sp>
-          <p:nvSpPr>
-            <p:cNvPr id="30" name="Freeform 17"/>
-            <p:cNvSpPr/>
-            <p:nvPr/>
-          </p:nvSpPr>
-          <p:spPr bwMode="auto">
-            <a:xfrm>
-              <a:off x="2554288" y="2598738"/>
-              <a:ext cx="66675" cy="420688"/>
-            </a:xfrm>
-            <a:custGeom>
-              <a:avLst/>
-              <a:gdLst/>
-              <a:ahLst/>
-              <a:cxnLst/>
-              <a:rect l="0" t="0" r="r" b="b"/>
-              <a:pathLst>
-                <a:path w="17" h="107">
-                  <a:moveTo>
-                    <a:pt x="0" y="0"/>
-                  </a:moveTo>
-                  <a:cubicBezTo>
-                    <a:pt x="2" y="19"/>
-                    <a:pt x="3" y="37"/>
-                    <a:pt x="5" y="56"/>
-                  </a:cubicBezTo>
-                  <a:cubicBezTo>
-                    <a:pt x="9" y="73"/>
-                    <a:pt x="13" y="90"/>
-                    <a:pt x="17" y="107"/>
-                  </a:cubicBezTo>
-                  <a:cubicBezTo>
-                    <a:pt x="15" y="87"/>
-                    <a:pt x="13" y="66"/>
-                    <a:pt x="11" y="46"/>
-                  </a:cubicBezTo>
-                  <a:cubicBezTo>
-                    <a:pt x="10" y="45"/>
-                    <a:pt x="10" y="44"/>
-                    <a:pt x="10" y="43"/>
-                  </a:cubicBezTo>
-                  <a:cubicBezTo>
-                    <a:pt x="7" y="28"/>
-                    <a:pt x="3" y="14"/>
-                    <a:pt x="0" y="0"/>
-                  </a:cubicBezTo>
-                  <a:close/>
-                </a:path>
-              </a:pathLst>
-            </a:custGeom>
-            <a:solidFill>
-              <a:schemeClr val="tx2">
-                <a:alpha val="20000"/>
-              </a:schemeClr>
-            </a:solidFill>
-            <a:ln>
-              <a:noFill/>
-            </a:ln>
-          </p:spPr>
-        </p:sp>
-        <p:sp>
-          <p:nvSpPr>
-            <p:cNvPr id="31" name="Freeform 18"/>
-            <p:cNvSpPr/>
-            <p:nvPr/>
-          </p:nvSpPr>
-          <p:spPr bwMode="auto">
-            <a:xfrm>
-              <a:off x="3143251" y="4757738"/>
-              <a:ext cx="161925" cy="873125"/>
-            </a:xfrm>
-            <a:custGeom>
-              <a:avLst/>
-              <a:gdLst/>
-              <a:ahLst/>
-              <a:cxnLst/>
-              <a:rect l="0" t="0" r="r" b="b"/>
-              <a:pathLst>
-                <a:path w="41" h="222">
-                  <a:moveTo>
-                    <a:pt x="0" y="0"/>
-                  </a:moveTo>
-                  <a:cubicBezTo>
-                    <a:pt x="0" y="31"/>
-                    <a:pt x="2" y="62"/>
-                    <a:pt x="5" y="93"/>
-                  </a:cubicBezTo>
-                  <a:cubicBezTo>
-                    <a:pt x="8" y="117"/>
-                    <a:pt x="12" y="142"/>
-                    <a:pt x="17" y="166"/>
-                  </a:cubicBezTo>
-                  <a:cubicBezTo>
-                    <a:pt x="19" y="172"/>
-                    <a:pt x="22" y="178"/>
-                    <a:pt x="24" y="184"/>
-                  </a:cubicBezTo>
-                  <a:cubicBezTo>
-                    <a:pt x="30" y="197"/>
-                    <a:pt x="35" y="209"/>
-                    <a:pt x="41" y="222"/>
-                  </a:cubicBezTo>
-                  <a:cubicBezTo>
-                    <a:pt x="40" y="219"/>
-                    <a:pt x="39" y="215"/>
-                    <a:pt x="38" y="212"/>
-                  </a:cubicBezTo>
-                  <a:cubicBezTo>
-                    <a:pt x="26" y="172"/>
-                    <a:pt x="18" y="132"/>
-                    <a:pt x="13" y="92"/>
-                  </a:cubicBezTo>
-                  <a:cubicBezTo>
-                    <a:pt x="11" y="68"/>
-                    <a:pt x="9" y="45"/>
-                    <a:pt x="8" y="22"/>
-                  </a:cubicBezTo>
-                  <a:cubicBezTo>
-                    <a:pt x="8" y="21"/>
-                    <a:pt x="7" y="20"/>
-                    <a:pt x="7" y="18"/>
-                  </a:cubicBezTo>
-                  <a:cubicBezTo>
-                    <a:pt x="5" y="12"/>
-                    <a:pt x="2" y="6"/>
-                    <a:pt x="0" y="0"/>
-                  </a:cubicBezTo>
-                  <a:close/>
-                </a:path>
-              </a:pathLst>
-            </a:custGeom>
-            <a:solidFill>
-              <a:schemeClr val="tx2">
-                <a:alpha val="20000"/>
-              </a:schemeClr>
-            </a:solidFill>
-            <a:ln>
-              <a:noFill/>
-            </a:ln>
-          </p:spPr>
-        </p:sp>
-        <p:sp>
-          <p:nvSpPr>
-            <p:cNvPr id="32" name="Freeform 19"/>
-            <p:cNvSpPr/>
-            <p:nvPr/>
-          </p:nvSpPr>
-          <p:spPr bwMode="auto">
-            <a:xfrm>
-              <a:off x="3148013" y="1282700"/>
-              <a:ext cx="1768475" cy="3448050"/>
-            </a:xfrm>
-            <a:custGeom>
-              <a:avLst/>
-              <a:gdLst/>
-              <a:ahLst/>
-              <a:cxnLst/>
-              <a:rect l="0" t="0" r="r" b="b"/>
-              <a:pathLst>
-                <a:path w="450" h="878">
-                  <a:moveTo>
-                    <a:pt x="7" y="854"/>
-                  </a:moveTo>
-                  <a:cubicBezTo>
-                    <a:pt x="10" y="772"/>
-                    <a:pt x="26" y="691"/>
-                    <a:pt x="50" y="613"/>
-                  </a:cubicBezTo>
-                  <a:cubicBezTo>
-                    <a:pt x="75" y="535"/>
-                    <a:pt x="109" y="460"/>
-                    <a:pt x="149" y="388"/>
-                  </a:cubicBezTo>
-                  <a:cubicBezTo>
-                    <a:pt x="189" y="316"/>
-                    <a:pt x="235" y="248"/>
-                    <a:pt x="285" y="183"/>
-                  </a:cubicBezTo>
-                  <a:cubicBezTo>
-                    <a:pt x="310" y="151"/>
-                    <a:pt x="337" y="119"/>
-                    <a:pt x="364" y="89"/>
-                  </a:cubicBezTo>
-                  <a:cubicBezTo>
-                    <a:pt x="378" y="74"/>
-                    <a:pt x="392" y="58"/>
-                    <a:pt x="406" y="44"/>
-                  </a:cubicBezTo>
-                  <a:cubicBezTo>
-                    <a:pt x="421" y="29"/>
-                    <a:pt x="435" y="15"/>
-                    <a:pt x="450" y="1"/>
-                  </a:cubicBezTo>
-                  <a:cubicBezTo>
-                    <a:pt x="450" y="0"/>
-                    <a:pt x="450" y="0"/>
-                    <a:pt x="450" y="0"/>
-                  </a:cubicBezTo>
-                  <a:cubicBezTo>
-                    <a:pt x="434" y="14"/>
-                    <a:pt x="420" y="28"/>
-                    <a:pt x="405" y="43"/>
-                  </a:cubicBezTo>
-                  <a:cubicBezTo>
-                    <a:pt x="391" y="57"/>
-                    <a:pt x="377" y="72"/>
-                    <a:pt x="363" y="88"/>
-                  </a:cubicBezTo>
-                  <a:cubicBezTo>
-                    <a:pt x="335" y="118"/>
-                    <a:pt x="308" y="149"/>
-                    <a:pt x="283" y="181"/>
-                  </a:cubicBezTo>
-                  <a:cubicBezTo>
-                    <a:pt x="232" y="246"/>
-                    <a:pt x="185" y="314"/>
-                    <a:pt x="145" y="386"/>
-                  </a:cubicBezTo>
-                  <a:cubicBezTo>
-                    <a:pt x="104" y="457"/>
-                    <a:pt x="70" y="533"/>
-                    <a:pt x="45" y="611"/>
-                  </a:cubicBezTo>
-                  <a:cubicBezTo>
-                    <a:pt x="19" y="690"/>
-                    <a:pt x="3" y="771"/>
-                    <a:pt x="0" y="854"/>
-                  </a:cubicBezTo>
-                  <a:cubicBezTo>
-                    <a:pt x="0" y="856"/>
-                    <a:pt x="0" y="857"/>
-                    <a:pt x="0" y="859"/>
-                  </a:cubicBezTo>
-                  <a:cubicBezTo>
-                    <a:pt x="2" y="865"/>
-                    <a:pt x="4" y="872"/>
-                    <a:pt x="7" y="878"/>
-                  </a:cubicBezTo>
-                  <a:cubicBezTo>
-                    <a:pt x="7" y="870"/>
-                    <a:pt x="7" y="862"/>
-                    <a:pt x="7" y="854"/>
-                  </a:cubicBezTo>
-                  <a:close/>
-                </a:path>
-              </a:pathLst>
-            </a:custGeom>
-            <a:solidFill>
-              <a:schemeClr val="tx2">
-                <a:alpha val="20000"/>
-              </a:schemeClr>
-            </a:solidFill>
-            <a:ln>
-              <a:noFill/>
-            </a:ln>
-          </p:spPr>
-        </p:sp>
-        <p:sp>
-          <p:nvSpPr>
-            <p:cNvPr id="33" name="Freeform 20"/>
-            <p:cNvSpPr/>
-            <p:nvPr/>
-          </p:nvSpPr>
-          <p:spPr bwMode="auto">
-            <a:xfrm>
-              <a:off x="3273426" y="5653088"/>
-              <a:ext cx="138113" cy="287338"/>
-            </a:xfrm>
-            <a:custGeom>
-              <a:avLst/>
-              <a:gdLst/>
-              <a:ahLst/>
-              <a:cxnLst/>
-              <a:rect l="0" t="0" r="r" b="b"/>
-              <a:pathLst>
-                <a:path w="35" h="73">
-                  <a:moveTo>
-                    <a:pt x="0" y="0"/>
-                  </a:moveTo>
-                  <a:cubicBezTo>
-                    <a:pt x="7" y="24"/>
-                    <a:pt x="16" y="49"/>
-                    <a:pt x="26" y="73"/>
-                  </a:cubicBezTo>
-                  <a:cubicBezTo>
-                    <a:pt x="35" y="73"/>
-                    <a:pt x="35" y="73"/>
-                    <a:pt x="35" y="73"/>
-                  </a:cubicBezTo>
-                  <a:cubicBezTo>
-                    <a:pt x="23" y="49"/>
-                    <a:pt x="11" y="24"/>
-                    <a:pt x="0" y="0"/>
-                  </a:cubicBezTo>
-                  <a:close/>
-                </a:path>
-              </a:pathLst>
-            </a:custGeom>
-            <a:solidFill>
-              <a:schemeClr val="tx2">
-                <a:alpha val="20000"/>
-              </a:schemeClr>
-            </a:solidFill>
-            <a:ln>
-              <a:noFill/>
-            </a:ln>
-          </p:spPr>
-        </p:sp>
-        <p:sp>
-          <p:nvSpPr>
-            <p:cNvPr id="34" name="Freeform 21"/>
-            <p:cNvSpPr/>
-            <p:nvPr/>
-          </p:nvSpPr>
-          <p:spPr bwMode="auto">
-            <a:xfrm>
-              <a:off x="3143251" y="4656138"/>
-              <a:ext cx="31750" cy="188913"/>
-            </a:xfrm>
-            <a:custGeom>
-              <a:avLst/>
-              <a:gdLst/>
-              <a:ahLst/>
-              <a:cxnLst/>
-              <a:rect l="0" t="0" r="r" b="b"/>
-              <a:pathLst>
-                <a:path w="8" h="48">
-                  <a:moveTo>
-                    <a:pt x="7" y="44"/>
-                  </a:moveTo>
-                  <a:cubicBezTo>
-                    <a:pt x="7" y="46"/>
-                    <a:pt x="8" y="47"/>
-                    <a:pt x="8" y="48"/>
-                  </a:cubicBezTo>
-                  <a:cubicBezTo>
-                    <a:pt x="8" y="38"/>
-                    <a:pt x="8" y="29"/>
-                    <a:pt x="8" y="19"/>
-                  </a:cubicBezTo>
-                  <a:cubicBezTo>
-                    <a:pt x="5" y="13"/>
-                    <a:pt x="3" y="6"/>
-                    <a:pt x="1" y="0"/>
-                  </a:cubicBezTo>
-                  <a:cubicBezTo>
-                    <a:pt x="0" y="9"/>
-                    <a:pt x="0" y="17"/>
-                    <a:pt x="0" y="26"/>
-                  </a:cubicBezTo>
-                  <a:cubicBezTo>
-                    <a:pt x="2" y="32"/>
-                    <a:pt x="5" y="38"/>
-                    <a:pt x="7" y="44"/>
-                  </a:cubicBezTo>
-                  <a:close/>
-                </a:path>
-              </a:pathLst>
-            </a:custGeom>
-            <a:solidFill>
-              <a:schemeClr val="tx2">
-                <a:alpha val="20000"/>
-              </a:schemeClr>
-            </a:solidFill>
-            <a:ln>
-              <a:noFill/>
-            </a:ln>
-          </p:spPr>
-        </p:sp>
-        <p:sp>
-          <p:nvSpPr>
-            <p:cNvPr id="35" name="Freeform 22"/>
-            <p:cNvSpPr/>
-            <p:nvPr/>
-          </p:nvSpPr>
-          <p:spPr bwMode="auto">
-            <a:xfrm>
-              <a:off x="3211513" y="5410200"/>
-              <a:ext cx="203200" cy="530225"/>
-            </a:xfrm>
-            <a:custGeom>
-              <a:avLst/>
-              <a:gdLst/>
-              <a:ahLst/>
-              <a:cxnLst/>
-              <a:rect l="0" t="0" r="r" b="b"/>
-              <a:pathLst>
-                <a:path w="52" h="135">
-                  <a:moveTo>
-                    <a:pt x="7" y="18"/>
-                  </a:moveTo>
-                  <a:cubicBezTo>
-                    <a:pt x="5" y="12"/>
-                    <a:pt x="2" y="6"/>
-                    <a:pt x="0" y="0"/>
-                  </a:cubicBezTo>
-                  <a:cubicBezTo>
-                    <a:pt x="3" y="16"/>
-                    <a:pt x="7" y="32"/>
-                    <a:pt x="12" y="48"/>
-                  </a:cubicBezTo>
-                  <a:cubicBezTo>
-                    <a:pt x="13" y="53"/>
-                    <a:pt x="14" y="57"/>
-                    <a:pt x="16" y="62"/>
-                  </a:cubicBezTo>
-                  <a:cubicBezTo>
-                    <a:pt x="27" y="86"/>
-                    <a:pt x="39" y="111"/>
-                    <a:pt x="51" y="135"/>
-                  </a:cubicBezTo>
-                  <a:cubicBezTo>
-                    <a:pt x="52" y="135"/>
-                    <a:pt x="52" y="135"/>
-                    <a:pt x="52" y="135"/>
-                  </a:cubicBezTo>
-                  <a:cubicBezTo>
-                    <a:pt x="41" y="109"/>
-                    <a:pt x="32" y="83"/>
-                    <a:pt x="24" y="56"/>
-                  </a:cubicBezTo>
-                  <a:cubicBezTo>
-                    <a:pt x="18" y="43"/>
-                    <a:pt x="13" y="31"/>
-                    <a:pt x="7" y="18"/>
-                  </a:cubicBezTo>
-                  <a:close/>
-                </a:path>
-              </a:pathLst>
-            </a:custGeom>
-            <a:solidFill>
-              <a:schemeClr val="tx2">
-                <a:alpha val="20000"/>
-              </a:schemeClr>
-            </a:solidFill>
-            <a:ln>
-              <a:noFill/>
-            </a:ln>
-          </p:spPr>
-        </p:sp>
-      </p:grpSp>
-      <p:grpSp>
-        <p:nvGrpSpPr>
-          <p:cNvPr id="10" name="Group 9"/>
-          <p:cNvGrpSpPr/>
-          <p:nvPr/>
-        </p:nvGrpSpPr>
-        <p:grpSpPr>
-          <a:xfrm>
-            <a:off x="27221" y="-786"/>
-            <a:ext cx="2356674" cy="6854039"/>
-            <a:chOff x="6627813" y="194833"/>
-            <a:chExt cx="1952625" cy="5678918"/>
-          </a:xfrm>
-        </p:grpSpPr>
-        <p:sp>
-          <p:nvSpPr>
-            <p:cNvPr id="11" name="Freeform 27"/>
-            <p:cNvSpPr/>
-            <p:nvPr/>
-          </p:nvSpPr>
-          <p:spPr bwMode="auto">
-            <a:xfrm>
-              <a:off x="6627813" y="194833"/>
-              <a:ext cx="409575" cy="3646488"/>
-            </a:xfrm>
-            <a:custGeom>
-              <a:avLst/>
-              <a:gdLst/>
-              <a:ahLst/>
-              <a:cxnLst/>
-              <a:rect l="0" t="0" r="r" b="b"/>
-              <a:pathLst>
-                <a:path w="103" h="920">
-                  <a:moveTo>
-                    <a:pt x="7" y="210"/>
-                  </a:moveTo>
-                  <a:cubicBezTo>
-                    <a:pt x="11" y="288"/>
-                    <a:pt x="17" y="367"/>
-                    <a:pt x="26" y="445"/>
-                  </a:cubicBezTo>
-                  <a:cubicBezTo>
-                    <a:pt x="34" y="523"/>
-                    <a:pt x="44" y="601"/>
-                    <a:pt x="57" y="679"/>
-                  </a:cubicBezTo>
-                  <a:cubicBezTo>
-                    <a:pt x="69" y="757"/>
-                    <a:pt x="84" y="834"/>
-                    <a:pt x="101" y="911"/>
-                  </a:cubicBezTo>
-                  <a:cubicBezTo>
-                    <a:pt x="102" y="914"/>
-                    <a:pt x="103" y="917"/>
-                    <a:pt x="103" y="920"/>
-                  </a:cubicBezTo>
-                  <a:cubicBezTo>
-                    <a:pt x="102" y="905"/>
-                    <a:pt x="100" y="889"/>
-                    <a:pt x="99" y="874"/>
-                  </a:cubicBezTo>
-                  <a:cubicBezTo>
-                    <a:pt x="99" y="871"/>
-                    <a:pt x="99" y="868"/>
-                    <a:pt x="99" y="866"/>
-                  </a:cubicBezTo>
-                  <a:cubicBezTo>
-                    <a:pt x="85" y="803"/>
-                    <a:pt x="73" y="741"/>
-                    <a:pt x="63" y="678"/>
-                  </a:cubicBezTo>
-                  <a:cubicBezTo>
-                    <a:pt x="50" y="600"/>
-                    <a:pt x="39" y="523"/>
-                    <a:pt x="30" y="444"/>
-                  </a:cubicBezTo>
-                  <a:cubicBezTo>
-                    <a:pt x="21" y="366"/>
-                    <a:pt x="14" y="288"/>
-                    <a:pt x="9" y="209"/>
-                  </a:cubicBezTo>
-                  <a:cubicBezTo>
-                    <a:pt x="7" y="170"/>
-                    <a:pt x="5" y="131"/>
-                    <a:pt x="3" y="92"/>
-                  </a:cubicBezTo>
-                  <a:cubicBezTo>
-                    <a:pt x="2" y="61"/>
-                    <a:pt x="1" y="31"/>
-                    <a:pt x="1" y="0"/>
-                  </a:cubicBezTo>
-                  <a:cubicBezTo>
-                    <a:pt x="0" y="0"/>
-                    <a:pt x="0" y="0"/>
-                    <a:pt x="0" y="0"/>
-                  </a:cubicBezTo>
-                  <a:cubicBezTo>
-                    <a:pt x="0" y="31"/>
-                    <a:pt x="1" y="61"/>
-                    <a:pt x="1" y="92"/>
-                  </a:cubicBezTo>
-                  <a:cubicBezTo>
-                    <a:pt x="3" y="131"/>
-                    <a:pt x="4" y="170"/>
-                    <a:pt x="7" y="210"/>
-                  </a:cubicBezTo>
-                  <a:close/>
-                </a:path>
-              </a:pathLst>
-            </a:custGeom>
-            <a:solidFill>
-              <a:schemeClr val="tx2"/>
-            </a:solidFill>
-            <a:ln>
-              <a:noFill/>
-            </a:ln>
-          </p:spPr>
-        </p:sp>
-        <p:sp>
-          <p:nvSpPr>
-            <p:cNvPr id="12" name="Freeform 28"/>
-            <p:cNvSpPr/>
-            <p:nvPr/>
-          </p:nvSpPr>
-          <p:spPr bwMode="auto">
-            <a:xfrm>
-              <a:off x="7061201" y="3771900"/>
-              <a:ext cx="350838" cy="1309688"/>
-            </a:xfrm>
-            <a:custGeom>
-              <a:avLst/>
-              <a:gdLst/>
-              <a:ahLst/>
-              <a:cxnLst/>
-              <a:rect l="0" t="0" r="r" b="b"/>
-              <a:pathLst>
-                <a:path w="88" h="330">
-                  <a:moveTo>
-                    <a:pt x="53" y="229"/>
-                  </a:moveTo>
-                  <a:cubicBezTo>
-                    <a:pt x="64" y="263"/>
-                    <a:pt x="75" y="297"/>
-                    <a:pt x="88" y="330"/>
-                  </a:cubicBezTo>
-                  <a:cubicBezTo>
-                    <a:pt x="88" y="323"/>
-                    <a:pt x="88" y="315"/>
-                    <a:pt x="88" y="308"/>
-                  </a:cubicBezTo>
-                  <a:cubicBezTo>
-                    <a:pt x="88" y="307"/>
-                    <a:pt x="88" y="305"/>
-                    <a:pt x="88" y="304"/>
-                  </a:cubicBezTo>
-                  <a:cubicBezTo>
-                    <a:pt x="79" y="278"/>
-                    <a:pt x="70" y="252"/>
-                    <a:pt x="62" y="226"/>
-                  </a:cubicBezTo>
-                  <a:cubicBezTo>
-                    <a:pt x="38" y="152"/>
-                    <a:pt x="17" y="76"/>
-                    <a:pt x="0" y="0"/>
-                  </a:cubicBezTo>
-                  <a:cubicBezTo>
-                    <a:pt x="2" y="21"/>
-                    <a:pt x="4" y="42"/>
-                    <a:pt x="7" y="63"/>
-                  </a:cubicBezTo>
-                  <a:cubicBezTo>
-                    <a:pt x="21" y="119"/>
-                    <a:pt x="36" y="174"/>
-                    <a:pt x="53" y="229"/>
-                  </a:cubicBezTo>
-                  <a:close/>
-                </a:path>
-              </a:pathLst>
-            </a:custGeom>
-            <a:solidFill>
-              <a:schemeClr val="tx2"/>
-            </a:solidFill>
-            <a:ln>
-              <a:noFill/>
-            </a:ln>
-          </p:spPr>
-        </p:sp>
-        <p:sp>
-          <p:nvSpPr>
-            <p:cNvPr id="13" name="Freeform 29"/>
-            <p:cNvSpPr/>
-            <p:nvPr/>
-          </p:nvSpPr>
-          <p:spPr bwMode="auto">
-            <a:xfrm>
-              <a:off x="7439026" y="5053013"/>
-              <a:ext cx="357188" cy="820738"/>
-            </a:xfrm>
-            <a:custGeom>
-              <a:avLst/>
-              <a:gdLst/>
-              <a:ahLst/>
-              <a:cxnLst/>
-              <a:rect l="0" t="0" r="r" b="b"/>
-              <a:pathLst>
-                <a:path w="90" h="207">
-                  <a:moveTo>
-                    <a:pt x="6" y="15"/>
-                  </a:moveTo>
-                  <a:cubicBezTo>
-                    <a:pt x="4" y="10"/>
-                    <a:pt x="2" y="5"/>
-                    <a:pt x="0" y="0"/>
-                  </a:cubicBezTo>
-                  <a:cubicBezTo>
-                    <a:pt x="0" y="9"/>
-                    <a:pt x="0" y="19"/>
-                    <a:pt x="1" y="29"/>
-                  </a:cubicBezTo>
-                  <a:cubicBezTo>
-                    <a:pt x="14" y="62"/>
-                    <a:pt x="27" y="95"/>
-                    <a:pt x="42" y="127"/>
-                  </a:cubicBezTo>
-                  <a:cubicBezTo>
-                    <a:pt x="54" y="154"/>
-                    <a:pt x="67" y="181"/>
-                    <a:pt x="80" y="207"/>
-                  </a:cubicBezTo>
-                  <a:cubicBezTo>
-                    <a:pt x="90" y="207"/>
-                    <a:pt x="90" y="207"/>
-                    <a:pt x="90" y="207"/>
-                  </a:cubicBezTo>
-                  <a:cubicBezTo>
-                    <a:pt x="76" y="180"/>
-                    <a:pt x="63" y="152"/>
-                    <a:pt x="50" y="123"/>
-                  </a:cubicBezTo>
-                  <a:cubicBezTo>
-                    <a:pt x="34" y="88"/>
-                    <a:pt x="20" y="51"/>
-                    <a:pt x="6" y="15"/>
-                  </a:cubicBezTo>
-                  <a:close/>
-                </a:path>
-              </a:pathLst>
-            </a:custGeom>
-            <a:solidFill>
-              <a:schemeClr val="tx2"/>
-            </a:solidFill>
-            <a:ln>
-              <a:noFill/>
-            </a:ln>
-          </p:spPr>
-        </p:sp>
-        <p:sp>
-          <p:nvSpPr>
-            <p:cNvPr id="14" name="Freeform 30"/>
-            <p:cNvSpPr/>
-            <p:nvPr/>
-          </p:nvSpPr>
-          <p:spPr bwMode="auto">
-            <a:xfrm>
-              <a:off x="7037388" y="3811588"/>
-              <a:ext cx="457200" cy="1852613"/>
-            </a:xfrm>
-            <a:custGeom>
-              <a:avLst/>
-              <a:gdLst/>
-              <a:ahLst/>
-              <a:cxnLst/>
-              <a:rect l="0" t="0" r="r" b="b"/>
-              <a:pathLst>
-                <a:path w="115" h="467">
-                  <a:moveTo>
-                    <a:pt x="101" y="409"/>
-                  </a:moveTo>
-                  <a:cubicBezTo>
-                    <a:pt x="93" y="388"/>
-                    <a:pt x="85" y="366"/>
-                    <a:pt x="78" y="344"/>
-                  </a:cubicBezTo>
-                  <a:cubicBezTo>
-                    <a:pt x="57" y="281"/>
-                    <a:pt x="41" y="216"/>
-                    <a:pt x="29" y="151"/>
-                  </a:cubicBezTo>
-                  <a:cubicBezTo>
-                    <a:pt x="22" y="119"/>
-                    <a:pt x="17" y="86"/>
-                    <a:pt x="13" y="53"/>
-                  </a:cubicBezTo>
-                  <a:cubicBezTo>
-                    <a:pt x="9" y="35"/>
-                    <a:pt x="4" y="18"/>
-                    <a:pt x="0" y="0"/>
-                  </a:cubicBezTo>
-                  <a:cubicBezTo>
-                    <a:pt x="5" y="51"/>
-                    <a:pt x="12" y="102"/>
-                    <a:pt x="21" y="152"/>
-                  </a:cubicBezTo>
-                  <a:cubicBezTo>
-                    <a:pt x="33" y="218"/>
-                    <a:pt x="49" y="283"/>
-                    <a:pt x="69" y="347"/>
-                  </a:cubicBezTo>
-                  <a:cubicBezTo>
-                    <a:pt x="79" y="378"/>
-                    <a:pt x="90" y="410"/>
-                    <a:pt x="103" y="441"/>
-                  </a:cubicBezTo>
-                  <a:cubicBezTo>
-                    <a:pt x="107" y="449"/>
-                    <a:pt x="111" y="458"/>
-                    <a:pt x="115" y="467"/>
-                  </a:cubicBezTo>
-                  <a:cubicBezTo>
-                    <a:pt x="114" y="464"/>
-                    <a:pt x="113" y="461"/>
-                    <a:pt x="112" y="458"/>
-                  </a:cubicBezTo>
-                  <a:cubicBezTo>
-                    <a:pt x="108" y="442"/>
-                    <a:pt x="104" y="425"/>
-                    <a:pt x="101" y="409"/>
-                  </a:cubicBezTo>
-                  <a:close/>
-                </a:path>
-              </a:pathLst>
-            </a:custGeom>
-            <a:solidFill>
-              <a:schemeClr val="tx2"/>
-            </a:solidFill>
-            <a:ln>
-              <a:noFill/>
-            </a:ln>
-          </p:spPr>
-        </p:sp>
-        <p:sp>
-          <p:nvSpPr>
-            <p:cNvPr id="15" name="Freeform 31"/>
-            <p:cNvSpPr/>
-            <p:nvPr/>
-          </p:nvSpPr>
-          <p:spPr bwMode="auto">
-            <a:xfrm>
-              <a:off x="6992938" y="1263650"/>
-              <a:ext cx="144463" cy="2508250"/>
-            </a:xfrm>
-            <a:custGeom>
-              <a:avLst/>
-              <a:gdLst/>
-              <a:ahLst/>
-              <a:cxnLst/>
-              <a:rect l="0" t="0" r="r" b="b"/>
-              <a:pathLst>
-                <a:path w="36" h="633">
-                  <a:moveTo>
-                    <a:pt x="17" y="633"/>
-                  </a:moveTo>
-                  <a:cubicBezTo>
-                    <a:pt x="15" y="621"/>
-                    <a:pt x="14" y="609"/>
-                    <a:pt x="13" y="597"/>
-                  </a:cubicBezTo>
-                  <a:cubicBezTo>
-                    <a:pt x="8" y="530"/>
-                    <a:pt x="5" y="464"/>
-                    <a:pt x="5" y="398"/>
-                  </a:cubicBezTo>
-                  <a:cubicBezTo>
-                    <a:pt x="5" y="331"/>
-                    <a:pt x="8" y="265"/>
-                    <a:pt x="13" y="198"/>
-                  </a:cubicBezTo>
-                  <a:cubicBezTo>
-                    <a:pt x="15" y="165"/>
-                    <a:pt x="18" y="132"/>
-                    <a:pt x="22" y="99"/>
-                  </a:cubicBezTo>
-                  <a:cubicBezTo>
-                    <a:pt x="26" y="66"/>
-                    <a:pt x="30" y="33"/>
-                    <a:pt x="36" y="0"/>
-                  </a:cubicBezTo>
-                  <a:cubicBezTo>
-                    <a:pt x="35" y="0"/>
-                    <a:pt x="35" y="0"/>
-                    <a:pt x="35" y="0"/>
-                  </a:cubicBezTo>
-                  <a:cubicBezTo>
-                    <a:pt x="29" y="33"/>
-                    <a:pt x="24" y="66"/>
-                    <a:pt x="20" y="99"/>
-                  </a:cubicBezTo>
-                  <a:cubicBezTo>
-                    <a:pt x="16" y="132"/>
-                    <a:pt x="13" y="165"/>
-                    <a:pt x="10" y="198"/>
-                  </a:cubicBezTo>
-                  <a:cubicBezTo>
-                    <a:pt x="4" y="264"/>
-                    <a:pt x="1" y="331"/>
-                    <a:pt x="1" y="398"/>
-                  </a:cubicBezTo>
-                  <a:cubicBezTo>
-                    <a:pt x="0" y="461"/>
-                    <a:pt x="2" y="525"/>
-                    <a:pt x="7" y="589"/>
-                  </a:cubicBezTo>
-                  <a:cubicBezTo>
-                    <a:pt x="10" y="603"/>
-                    <a:pt x="13" y="618"/>
-                    <a:pt x="16" y="632"/>
-                  </a:cubicBezTo>
-                  <a:cubicBezTo>
-                    <a:pt x="16" y="632"/>
-                    <a:pt x="17" y="633"/>
-                    <a:pt x="17" y="633"/>
-                  </a:cubicBezTo>
-                  <a:close/>
-                </a:path>
-              </a:pathLst>
-            </a:custGeom>
-            <a:solidFill>
-              <a:schemeClr val="tx2"/>
-            </a:solidFill>
-            <a:ln>
-              <a:noFill/>
-            </a:ln>
-          </p:spPr>
-        </p:sp>
-        <p:sp>
-          <p:nvSpPr>
-            <p:cNvPr id="16" name="Freeform 32"/>
-            <p:cNvSpPr/>
-            <p:nvPr/>
-          </p:nvSpPr>
-          <p:spPr bwMode="auto">
-            <a:xfrm>
-              <a:off x="7526338" y="5640388"/>
-              <a:ext cx="111125" cy="233363"/>
-            </a:xfrm>
-            <a:custGeom>
-              <a:avLst/>
-              <a:gdLst/>
-              <a:ahLst/>
-              <a:cxnLst/>
-              <a:rect l="0" t="0" r="r" b="b"/>
-              <a:pathLst>
-                <a:path w="28" h="59">
-                  <a:moveTo>
-                    <a:pt x="22" y="59"/>
-                  </a:moveTo>
-                  <a:cubicBezTo>
-                    <a:pt x="28" y="59"/>
-                    <a:pt x="28" y="59"/>
-                    <a:pt x="28" y="59"/>
-                  </a:cubicBezTo>
-                  <a:cubicBezTo>
-                    <a:pt x="18" y="40"/>
-                    <a:pt x="9" y="20"/>
-                    <a:pt x="0" y="0"/>
-                  </a:cubicBezTo>
-                  <a:cubicBezTo>
-                    <a:pt x="6" y="20"/>
-                    <a:pt x="13" y="40"/>
-                    <a:pt x="22" y="59"/>
-                  </a:cubicBezTo>
-                  <a:close/>
-                </a:path>
-              </a:pathLst>
-            </a:custGeom>
-            <a:solidFill>
-              <a:schemeClr val="tx2"/>
-            </a:solidFill>
-            <a:ln>
-              <a:noFill/>
-            </a:ln>
-          </p:spPr>
-        </p:sp>
-        <p:sp>
-          <p:nvSpPr>
-            <p:cNvPr id="17" name="Freeform 33"/>
-            <p:cNvSpPr/>
-            <p:nvPr/>
-          </p:nvSpPr>
-          <p:spPr bwMode="auto">
-            <a:xfrm>
-              <a:off x="7021513" y="3598863"/>
-              <a:ext cx="68263" cy="423863"/>
-            </a:xfrm>
-            <a:custGeom>
-              <a:avLst/>
-              <a:gdLst/>
-              <a:ahLst/>
-              <a:cxnLst/>
-              <a:rect l="0" t="0" r="r" b="b"/>
-              <a:pathLst>
-                <a:path w="17" h="107">
-                  <a:moveTo>
-                    <a:pt x="4" y="54"/>
-                  </a:moveTo>
-                  <a:cubicBezTo>
-                    <a:pt x="8" y="72"/>
-                    <a:pt x="13" y="89"/>
-                    <a:pt x="17" y="107"/>
-                  </a:cubicBezTo>
-                  <a:cubicBezTo>
-                    <a:pt x="14" y="86"/>
-                    <a:pt x="12" y="65"/>
-                    <a:pt x="10" y="44"/>
-                  </a:cubicBezTo>
-                  <a:cubicBezTo>
-                    <a:pt x="10" y="44"/>
-                    <a:pt x="9" y="43"/>
-                    <a:pt x="9" y="43"/>
-                  </a:cubicBezTo>
-                  <a:cubicBezTo>
-                    <a:pt x="6" y="29"/>
-                    <a:pt x="3" y="14"/>
-                    <a:pt x="0" y="0"/>
-                  </a:cubicBezTo>
-                  <a:cubicBezTo>
-                    <a:pt x="0" y="2"/>
-                    <a:pt x="0" y="5"/>
-                    <a:pt x="0" y="8"/>
-                  </a:cubicBezTo>
-                  <a:cubicBezTo>
-                    <a:pt x="1" y="23"/>
-                    <a:pt x="3" y="39"/>
-                    <a:pt x="4" y="54"/>
-                  </a:cubicBezTo>
-                  <a:close/>
-                </a:path>
-              </a:pathLst>
-            </a:custGeom>
-            <a:solidFill>
-              <a:schemeClr val="tx2"/>
-            </a:solidFill>
-            <a:ln>
-              <a:noFill/>
-            </a:ln>
-          </p:spPr>
-        </p:sp>
-        <p:sp>
-          <p:nvSpPr>
-            <p:cNvPr id="18" name="Freeform 34"/>
-            <p:cNvSpPr/>
-            <p:nvPr/>
-          </p:nvSpPr>
-          <p:spPr bwMode="auto">
-            <a:xfrm>
-              <a:off x="7412038" y="2801938"/>
-              <a:ext cx="1168400" cy="2251075"/>
-            </a:xfrm>
-            <a:custGeom>
-              <a:avLst/>
-              <a:gdLst/>
-              <a:ahLst/>
-              <a:cxnLst/>
-              <a:rect l="0" t="0" r="r" b="b"/>
-              <a:pathLst>
-                <a:path w="294" h="568">
-                  <a:moveTo>
-                    <a:pt x="8" y="553"/>
-                  </a:moveTo>
-                  <a:cubicBezTo>
-                    <a:pt x="9" y="501"/>
-                    <a:pt x="19" y="448"/>
-                    <a:pt x="35" y="397"/>
-                  </a:cubicBezTo>
-                  <a:cubicBezTo>
-                    <a:pt x="51" y="347"/>
-                    <a:pt x="73" y="298"/>
-                    <a:pt x="99" y="252"/>
-                  </a:cubicBezTo>
-                  <a:cubicBezTo>
-                    <a:pt x="124" y="205"/>
-                    <a:pt x="154" y="161"/>
-                    <a:pt x="187" y="119"/>
-                  </a:cubicBezTo>
-                  <a:cubicBezTo>
-                    <a:pt x="203" y="98"/>
-                    <a:pt x="220" y="77"/>
-                    <a:pt x="238" y="58"/>
-                  </a:cubicBezTo>
-                  <a:cubicBezTo>
-                    <a:pt x="247" y="48"/>
-                    <a:pt x="256" y="38"/>
-                    <a:pt x="265" y="28"/>
-                  </a:cubicBezTo>
-                  <a:cubicBezTo>
-                    <a:pt x="274" y="19"/>
-                    <a:pt x="284" y="9"/>
-                    <a:pt x="294" y="0"/>
-                  </a:cubicBezTo>
-                  <a:cubicBezTo>
-                    <a:pt x="293" y="0"/>
-                    <a:pt x="293" y="0"/>
-                    <a:pt x="293" y="0"/>
-                  </a:cubicBezTo>
-                  <a:cubicBezTo>
-                    <a:pt x="283" y="9"/>
-                    <a:pt x="273" y="18"/>
-                    <a:pt x="264" y="27"/>
-                  </a:cubicBezTo>
-                  <a:cubicBezTo>
-                    <a:pt x="255" y="37"/>
-                    <a:pt x="246" y="47"/>
-                    <a:pt x="237" y="56"/>
-                  </a:cubicBezTo>
-                  <a:cubicBezTo>
-                    <a:pt x="218" y="76"/>
-                    <a:pt x="201" y="96"/>
-                    <a:pt x="185" y="117"/>
-                  </a:cubicBezTo>
-                  <a:cubicBezTo>
-                    <a:pt x="151" y="159"/>
-                    <a:pt x="121" y="203"/>
-                    <a:pt x="95" y="249"/>
-                  </a:cubicBezTo>
-                  <a:cubicBezTo>
-                    <a:pt x="68" y="296"/>
-                    <a:pt x="46" y="345"/>
-                    <a:pt x="30" y="396"/>
-                  </a:cubicBezTo>
-                  <a:cubicBezTo>
-                    <a:pt x="13" y="445"/>
-                    <a:pt x="3" y="497"/>
-                    <a:pt x="0" y="549"/>
-                  </a:cubicBezTo>
-                  <a:cubicBezTo>
-                    <a:pt x="3" y="555"/>
-                    <a:pt x="5" y="561"/>
-                    <a:pt x="7" y="568"/>
-                  </a:cubicBezTo>
-                  <a:cubicBezTo>
-                    <a:pt x="7" y="563"/>
-                    <a:pt x="7" y="558"/>
-                    <a:pt x="8" y="553"/>
-                  </a:cubicBezTo>
-                  <a:close/>
-                </a:path>
-              </a:pathLst>
-            </a:custGeom>
-            <a:solidFill>
-              <a:schemeClr val="tx2"/>
-            </a:solidFill>
-            <a:ln>
-              <a:noFill/>
-            </a:ln>
-          </p:spPr>
-        </p:sp>
-        <p:sp>
-          <p:nvSpPr>
-            <p:cNvPr id="19" name="Freeform 35"/>
-            <p:cNvSpPr/>
-            <p:nvPr/>
-          </p:nvSpPr>
-          <p:spPr bwMode="auto">
-            <a:xfrm>
-              <a:off x="7494588" y="5664200"/>
-              <a:ext cx="100013" cy="209550"/>
-            </a:xfrm>
-            <a:custGeom>
-              <a:avLst/>
-              <a:gdLst/>
-              <a:ahLst/>
-              <a:cxnLst/>
-              <a:rect l="0" t="0" r="r" b="b"/>
-              <a:pathLst>
-                <a:path w="25" h="53">
-                  <a:moveTo>
-                    <a:pt x="0" y="0"/>
-                  </a:moveTo>
-                  <a:cubicBezTo>
-                    <a:pt x="5" y="18"/>
-                    <a:pt x="12" y="36"/>
-                    <a:pt x="19" y="53"/>
-                  </a:cubicBezTo>
-                  <a:cubicBezTo>
-                    <a:pt x="25" y="53"/>
-                    <a:pt x="25" y="53"/>
-                    <a:pt x="25" y="53"/>
-                  </a:cubicBezTo>
-                  <a:cubicBezTo>
-                    <a:pt x="16" y="36"/>
-                    <a:pt x="8" y="18"/>
-                    <a:pt x="0" y="0"/>
-                  </a:cubicBezTo>
-                  <a:close/>
-                </a:path>
-              </a:pathLst>
-            </a:custGeom>
-            <a:solidFill>
-              <a:schemeClr val="tx2"/>
-            </a:solidFill>
-            <a:ln>
-              <a:noFill/>
-            </a:ln>
-          </p:spPr>
-        </p:sp>
-        <p:sp>
-          <p:nvSpPr>
-            <p:cNvPr id="20" name="Freeform 36"/>
-            <p:cNvSpPr/>
-            <p:nvPr/>
-          </p:nvSpPr>
-          <p:spPr bwMode="auto">
-            <a:xfrm>
-              <a:off x="7412038" y="5081588"/>
-              <a:ext cx="114300" cy="558800"/>
-            </a:xfrm>
-            <a:custGeom>
-              <a:avLst/>
-              <a:gdLst/>
-              <a:ahLst/>
-              <a:cxnLst/>
-              <a:rect l="0" t="0" r="r" b="b"/>
-              <a:pathLst>
-                <a:path w="29" h="141">
-                  <a:moveTo>
-                    <a:pt x="0" y="0"/>
-                  </a:moveTo>
-                  <a:cubicBezTo>
-                    <a:pt x="0" y="30"/>
-                    <a:pt x="2" y="60"/>
-                    <a:pt x="7" y="89"/>
-                  </a:cubicBezTo>
-                  <a:cubicBezTo>
-                    <a:pt x="11" y="98"/>
-                    <a:pt x="14" y="108"/>
-                    <a:pt x="18" y="117"/>
-                  </a:cubicBezTo>
-                  <a:cubicBezTo>
-                    <a:pt x="22" y="125"/>
-                    <a:pt x="25" y="133"/>
-                    <a:pt x="29" y="141"/>
-                  </a:cubicBezTo>
-                  <a:cubicBezTo>
-                    <a:pt x="28" y="139"/>
-                    <a:pt x="28" y="137"/>
-                    <a:pt x="27" y="135"/>
-                  </a:cubicBezTo>
-                  <a:cubicBezTo>
-                    <a:pt x="16" y="98"/>
-                    <a:pt x="10" y="60"/>
-                    <a:pt x="8" y="22"/>
-                  </a:cubicBezTo>
-                  <a:cubicBezTo>
-                    <a:pt x="7" y="18"/>
-                    <a:pt x="5" y="15"/>
-                    <a:pt x="4" y="11"/>
-                  </a:cubicBezTo>
-                  <a:cubicBezTo>
-                    <a:pt x="2" y="7"/>
-                    <a:pt x="1" y="3"/>
-                    <a:pt x="0" y="0"/>
-                  </a:cubicBezTo>
-                  <a:close/>
-                </a:path>
-              </a:pathLst>
-            </a:custGeom>
-            <a:solidFill>
-              <a:schemeClr val="tx2"/>
-            </a:solidFill>
-            <a:ln>
-              <a:noFill/>
-            </a:ln>
-          </p:spPr>
-        </p:sp>
-        <p:sp>
-          <p:nvSpPr>
-            <p:cNvPr id="21" name="Freeform 37"/>
-            <p:cNvSpPr/>
-            <p:nvPr/>
-          </p:nvSpPr>
-          <p:spPr bwMode="auto">
-            <a:xfrm>
-              <a:off x="7412038" y="4978400"/>
-              <a:ext cx="31750" cy="188913"/>
-            </a:xfrm>
-            <a:custGeom>
-              <a:avLst/>
-              <a:gdLst/>
-              <a:ahLst/>
-              <a:cxnLst/>
-              <a:rect l="0" t="0" r="r" b="b"/>
-              <a:pathLst>
-                <a:path w="8" h="48">
-                  <a:moveTo>
-                    <a:pt x="0" y="26"/>
-                  </a:moveTo>
-                  <a:cubicBezTo>
-                    <a:pt x="1" y="29"/>
-                    <a:pt x="2" y="33"/>
-                    <a:pt x="4" y="37"/>
-                  </a:cubicBezTo>
-                  <a:cubicBezTo>
-                    <a:pt x="5" y="41"/>
-                    <a:pt x="7" y="44"/>
-                    <a:pt x="8" y="48"/>
-                  </a:cubicBezTo>
-                  <a:cubicBezTo>
-                    <a:pt x="7" y="38"/>
-                    <a:pt x="7" y="28"/>
-                    <a:pt x="7" y="19"/>
-                  </a:cubicBezTo>
-                  <a:cubicBezTo>
-                    <a:pt x="5" y="12"/>
-                    <a:pt x="3" y="6"/>
-                    <a:pt x="0" y="0"/>
-                  </a:cubicBezTo>
-                  <a:cubicBezTo>
-                    <a:pt x="0" y="1"/>
-                    <a:pt x="0" y="3"/>
-                    <a:pt x="0" y="4"/>
-                  </a:cubicBezTo>
-                  <a:cubicBezTo>
-                    <a:pt x="0" y="11"/>
-                    <a:pt x="0" y="19"/>
-                    <a:pt x="0" y="26"/>
-                  </a:cubicBezTo>
-                  <a:close/>
-                </a:path>
-              </a:pathLst>
-            </a:custGeom>
-            <a:solidFill>
-              <a:schemeClr val="tx2"/>
-            </a:solidFill>
-            <a:ln>
-              <a:noFill/>
-            </a:ln>
-          </p:spPr>
-        </p:sp>
-        <p:sp>
-          <p:nvSpPr>
-            <p:cNvPr id="22" name="Freeform 38"/>
-            <p:cNvSpPr/>
-            <p:nvPr/>
-          </p:nvSpPr>
-          <p:spPr bwMode="auto">
-            <a:xfrm>
-              <a:off x="7439026" y="5434013"/>
-              <a:ext cx="174625" cy="439738"/>
-            </a:xfrm>
-            <a:custGeom>
-              <a:avLst/>
-              <a:gdLst/>
-              <a:ahLst/>
-              <a:cxnLst/>
-              <a:rect l="0" t="0" r="r" b="b"/>
-              <a:pathLst>
-                <a:path w="44" h="111">
-                  <a:moveTo>
-                    <a:pt x="11" y="28"/>
-                  </a:moveTo>
-                  <a:cubicBezTo>
-                    <a:pt x="7" y="19"/>
-                    <a:pt x="4" y="9"/>
-                    <a:pt x="0" y="0"/>
-                  </a:cubicBezTo>
-                  <a:cubicBezTo>
-                    <a:pt x="3" y="16"/>
-                    <a:pt x="7" y="33"/>
-                    <a:pt x="11" y="49"/>
-                  </a:cubicBezTo>
-                  <a:cubicBezTo>
-                    <a:pt x="12" y="52"/>
-                    <a:pt x="13" y="55"/>
-                    <a:pt x="14" y="58"/>
-                  </a:cubicBezTo>
-                  <a:cubicBezTo>
-                    <a:pt x="22" y="76"/>
-                    <a:pt x="30" y="94"/>
-                    <a:pt x="39" y="111"/>
-                  </a:cubicBezTo>
-                  <a:cubicBezTo>
-                    <a:pt x="44" y="111"/>
-                    <a:pt x="44" y="111"/>
-                    <a:pt x="44" y="111"/>
-                  </a:cubicBezTo>
-                  <a:cubicBezTo>
-                    <a:pt x="35" y="92"/>
-                    <a:pt x="28" y="72"/>
-                    <a:pt x="22" y="52"/>
-                  </a:cubicBezTo>
-                  <a:cubicBezTo>
-                    <a:pt x="18" y="44"/>
-                    <a:pt x="15" y="36"/>
-                    <a:pt x="11" y="28"/>
-                  </a:cubicBezTo>
-                  <a:close/>
-                </a:path>
-              </a:pathLst>
-            </a:custGeom>
-            <a:solidFill>
-              <a:schemeClr val="tx2"/>
-            </a:solidFill>
-            <a:ln>
-              <a:noFill/>
-            </a:ln>
-          </p:spPr>
-        </p:sp>
-      </p:grpSp>
       <p:sp>
         <p:nvSpPr>
           <p:cNvPr id="7" name="Rectangle 6"/>
@@ -10736,28 +6892,67 @@
         </p:nvSpPr>
         <p:spPr>
           <a:xfrm>
-            <a:off x="0" y="0"/>
-            <a:ext cx="182880" cy="6858000"/>
+            <a:off x="1" y="6400800"/>
+            <a:ext cx="12192000" cy="457200"/>
           </a:xfrm>
           <a:prstGeom prst="rect">
             <a:avLst/>
           </a:prstGeom>
           <a:solidFill>
-            <a:schemeClr val="tx2"/>
+            <a:schemeClr val="accent2"/>
           </a:solidFill>
           <a:ln>
             <a:noFill/>
           </a:ln>
-          <a:effectLst/>
         </p:spPr>
         <p:style>
-          <a:lnRef idx="1">
-            <a:schemeClr val="accent1"/>
+          <a:lnRef idx="2">
+            <a:schemeClr val="accent1">
+              <a:shade val="50000"/>
+            </a:schemeClr>
           </a:lnRef>
-          <a:fillRef idx="3">
+          <a:fillRef idx="1">
             <a:schemeClr val="accent1"/>
           </a:fillRef>
-          <a:effectRef idx="2">
+          <a:effectRef idx="0">
+            <a:schemeClr val="accent1"/>
+          </a:effectRef>
+          <a:fontRef idx="minor">
+            <a:schemeClr val="lt1"/>
+          </a:fontRef>
+        </p:style>
+      </p:sp>
+      <p:sp>
+        <p:nvSpPr>
+          <p:cNvPr id="9" name="Rectangle 8"/>
+          <p:cNvSpPr/>
+          <p:nvPr/>
+        </p:nvSpPr>
+        <p:spPr>
+          <a:xfrm>
+            <a:off x="15" y="6334316"/>
+            <a:ext cx="12191985" cy="66484"/>
+          </a:xfrm>
+          <a:prstGeom prst="rect">
+            <a:avLst/>
+          </a:prstGeom>
+          <a:solidFill>
+            <a:schemeClr val="accent1"/>
+          </a:solidFill>
+          <a:ln>
+            <a:noFill/>
+          </a:ln>
+        </p:spPr>
+        <p:style>
+          <a:lnRef idx="2">
+            <a:schemeClr val="accent1">
+              <a:shade val="50000"/>
+            </a:schemeClr>
+          </a:lnRef>
+          <a:fillRef idx="1">
+            <a:schemeClr val="accent1"/>
+          </a:fillRef>
+          <a:effectRef idx="0">
             <a:schemeClr val="accent1"/>
           </a:effectRef>
           <a:fontRef idx="minor">
@@ -10777,21 +6972,21 @@
         </p:nvSpPr>
         <p:spPr>
           <a:xfrm>
-            <a:off x="2592924" y="624110"/>
-            <a:ext cx="8911687" cy="1280890"/>
+            <a:off x="1097280" y="286603"/>
+            <a:ext cx="10058400" cy="1450757"/>
           </a:xfrm>
           <a:prstGeom prst="rect">
             <a:avLst/>
           </a:prstGeom>
         </p:spPr>
         <p:txBody>
-          <a:bodyPr vert="horz" lIns="91440" tIns="45720" rIns="91440" bIns="45720" rtlCol="0" anchor="t">
+          <a:bodyPr vert="horz" lIns="91440" tIns="45720" rIns="91440" bIns="45720" rtlCol="0" anchor="b">
             <a:normAutofit/>
           </a:bodyPr>
           <a:lstStyle/>
           <a:p>
             <a:r>
-              <a:rPr lang="es-ES_tradnl"/>
+              <a:rPr lang="es-ES"/>
               <a:t>Haga clic para modificar el estilo de título del patrón</a:t>
             </a:r>
             <a:endParaRPr lang="en-US" dirty="0"/>
@@ -10810,50 +7005,50 @@
         </p:nvSpPr>
         <p:spPr>
           <a:xfrm>
-            <a:off x="2589212" y="2133600"/>
-            <a:ext cx="8915400" cy="3886200"/>
+            <a:off x="1097280" y="1845734"/>
+            <a:ext cx="10058400" cy="4023360"/>
           </a:xfrm>
           <a:prstGeom prst="rect">
             <a:avLst/>
           </a:prstGeom>
         </p:spPr>
         <p:txBody>
-          <a:bodyPr vert="horz" lIns="91440" tIns="45720" rIns="91440" bIns="45720" rtlCol="0">
+          <a:bodyPr vert="horz" lIns="0" tIns="45720" rIns="0" bIns="45720" rtlCol="0">
             <a:normAutofit/>
           </a:bodyPr>
           <a:lstStyle/>
           <a:p>
             <a:pPr lvl="0"/>
             <a:r>
-              <a:rPr lang="es-ES_tradnl"/>
-              <a:t>Haga clic para modificar los estilos de texto del patrón</a:t>
+              <a:rPr lang="es-ES"/>
+              <a:t>Editar los estilos de texto del patrón</a:t>
             </a:r>
           </a:p>
           <a:p>
             <a:pPr lvl="1"/>
             <a:r>
-              <a:rPr lang="es-ES_tradnl"/>
+              <a:rPr lang="es-ES"/>
               <a:t>Segundo nivel</a:t>
             </a:r>
           </a:p>
           <a:p>
             <a:pPr lvl="2"/>
             <a:r>
-              <a:rPr lang="es-ES_tradnl"/>
+              <a:rPr lang="es-ES"/>
               <a:t>Tercer nivel</a:t>
             </a:r>
           </a:p>
           <a:p>
             <a:pPr lvl="3"/>
             <a:r>
-              <a:rPr lang="es-ES_tradnl"/>
+              <a:rPr lang="es-ES"/>
               <a:t>Cuarto nivel</a:t>
             </a:r>
           </a:p>
           <a:p>
             <a:pPr lvl="4"/>
             <a:r>
-              <a:rPr lang="es-ES_tradnl"/>
+              <a:rPr lang="es-ES"/>
               <a:t>Quinto nivel</a:t>
             </a:r>
             <a:endParaRPr lang="en-US" dirty="0"/>
@@ -10872,8 +7067,8 @@
         </p:nvSpPr>
         <p:spPr>
           <a:xfrm>
-            <a:off x="10361612" y="6130437"/>
-            <a:ext cx="1146283" cy="370396"/>
+            <a:off x="1097280" y="6459785"/>
+            <a:ext cx="2472271" cy="365125"/>
           </a:xfrm>
           <a:prstGeom prst="rect">
             <a:avLst/>
@@ -10882,12 +7077,10 @@
         <p:txBody>
           <a:bodyPr vert="horz" lIns="91440" tIns="45720" rIns="91440" bIns="45720" rtlCol="0" anchor="ctr"/>
           <a:lstStyle>
-            <a:lvl1pPr algn="r">
+            <a:lvl1pPr algn="l">
               <a:defRPr sz="900">
                 <a:solidFill>
-                  <a:schemeClr val="tx1">
-                    <a:tint val="75000"/>
-                  </a:schemeClr>
+                  <a:srgbClr val="FFFFFF"/>
                 </a:solidFill>
               </a:defRPr>
             </a:lvl1pPr>
@@ -10896,7 +7089,7 @@
             <a:fld id="{F03D15E0-E6C7-48CB-A009-DF16BCB95302}" type="datetime1">
               <a:rPr lang="es-ES" smtClean="0"/>
               <a:pPr/>
-              <a:t>15/02/2018</a:t>
+              <a:t>16/02/2018</a:t>
             </a:fld>
             <a:endParaRPr lang="es-ES" dirty="0"/>
           </a:p>
@@ -10914,8 +7107,8 @@
         </p:nvSpPr>
         <p:spPr>
           <a:xfrm>
-            <a:off x="2589212" y="6135808"/>
-            <a:ext cx="7619999" cy="365125"/>
+            <a:off x="3686185" y="6459785"/>
+            <a:ext cx="4822804" cy="365125"/>
           </a:xfrm>
           <a:prstGeom prst="rect">
             <a:avLst/>
@@ -10924,12 +7117,10 @@
         <p:txBody>
           <a:bodyPr vert="horz" lIns="91440" tIns="45720" rIns="91440" bIns="45720" rtlCol="0" anchor="ctr"/>
           <a:lstStyle>
-            <a:lvl1pPr algn="l">
-              <a:defRPr sz="900">
+            <a:lvl1pPr algn="ctr">
+              <a:defRPr sz="900" cap="all" baseline="0">
                 <a:solidFill>
-                  <a:schemeClr val="tx1">
-                    <a:tint val="75000"/>
-                  </a:schemeClr>
+                  <a:srgbClr val="FFFFFF"/>
                 </a:solidFill>
               </a:defRPr>
             </a:lvl1pPr>
@@ -10950,10 +7141,10 @@
             <p:ph type="sldNum" sz="quarter" idx="4"/>
           </p:nvPr>
         </p:nvSpPr>
-        <p:spPr bwMode="gray">
+        <p:spPr>
           <a:xfrm>
-            <a:off x="531812" y="787782"/>
-            <a:ext cx="779767" cy="365125"/>
+            <a:off x="9900458" y="6459785"/>
+            <a:ext cx="1312025" cy="365125"/>
           </a:xfrm>
           <a:prstGeom prst="rect">
             <a:avLst/>
@@ -10963,9 +7154,9 @@
           <a:bodyPr vert="horz" lIns="91440" tIns="45720" rIns="91440" bIns="45720" rtlCol="0" anchor="ctr"/>
           <a:lstStyle>
             <a:lvl1pPr algn="r">
-              <a:defRPr sz="2000">
+              <a:defRPr sz="1050">
                 <a:solidFill>
-                  <a:srgbClr val="FEFFFF"/>
+                  <a:srgbClr val="FFFFFF"/>
                 </a:solidFill>
               </a:defRPr>
             </a:lvl1pPr>
@@ -10981,45 +7172,81 @@
           </a:p>
         </p:txBody>
       </p:sp>
+      <p:cxnSp>
+        <p:nvCxnSpPr>
+          <p:cNvPr id="10" name="Straight Connector 9"/>
+          <p:cNvCxnSpPr/>
+          <p:nvPr/>
+        </p:nvCxnSpPr>
+        <p:spPr>
+          <a:xfrm>
+            <a:off x="1193532" y="1737845"/>
+            <a:ext cx="9966960" cy="0"/>
+          </a:xfrm>
+          <a:prstGeom prst="line">
+            <a:avLst/>
+          </a:prstGeom>
+          <a:ln w="6350">
+            <a:solidFill>
+              <a:schemeClr val="tx1">
+                <a:lumMod val="50000"/>
+                <a:lumOff val="50000"/>
+              </a:schemeClr>
+            </a:solidFill>
+          </a:ln>
+        </p:spPr>
+        <p:style>
+          <a:lnRef idx="1">
+            <a:schemeClr val="accent1"/>
+          </a:lnRef>
+          <a:fillRef idx="0">
+            <a:schemeClr val="accent1"/>
+          </a:fillRef>
+          <a:effectRef idx="0">
+            <a:schemeClr val="accent1"/>
+          </a:effectRef>
+          <a:fontRef idx="minor">
+            <a:schemeClr val="tx1"/>
+          </a:fontRef>
+        </p:style>
+      </p:cxnSp>
     </p:spTree>
     <p:extLst>
       <p:ext uri="{BB962C8B-B14F-4D97-AF65-F5344CB8AC3E}">
-        <p14:creationId xmlns:p14="http://schemas.microsoft.com/office/powerpoint/2010/main" val="1087345206"/>
+        <p14:creationId xmlns:p14="http://schemas.microsoft.com/office/powerpoint/2010/main" val="2160845196"/>
       </p:ext>
     </p:extLst>
   </p:cSld>
   <p:clrMap bg1="lt1" tx1="dk1" bg2="lt2" tx2="dk2" accent1="accent1" accent2="accent2" accent3="accent3" accent4="accent4" accent5="accent5" accent6="accent6" hlink="hlink" folHlink="folHlink"/>
   <p:sldLayoutIdLst>
-    <p:sldLayoutId id="2147483779" r:id="rId1"/>
-    <p:sldLayoutId id="2147483780" r:id="rId2"/>
-    <p:sldLayoutId id="2147483781" r:id="rId3"/>
-    <p:sldLayoutId id="2147483782" r:id="rId4"/>
-    <p:sldLayoutId id="2147483783" r:id="rId5"/>
-    <p:sldLayoutId id="2147483784" r:id="rId6"/>
-    <p:sldLayoutId id="2147483785" r:id="rId7"/>
-    <p:sldLayoutId id="2147483786" r:id="rId8"/>
-    <p:sldLayoutId id="2147483787" r:id="rId9"/>
-    <p:sldLayoutId id="2147483788" r:id="rId10"/>
-    <p:sldLayoutId id="2147483789" r:id="rId11"/>
-    <p:sldLayoutId id="2147483790" r:id="rId12"/>
-    <p:sldLayoutId id="2147483791" r:id="rId13"/>
-    <p:sldLayoutId id="2147483792" r:id="rId14"/>
-    <p:sldLayoutId id="2147483793" r:id="rId15"/>
-    <p:sldLayoutId id="2147483794" r:id="rId16"/>
-    <p:sldLayoutId id="2147483656" r:id="rId17"/>
+    <p:sldLayoutId id="2147484120" r:id="rId1"/>
+    <p:sldLayoutId id="2147484121" r:id="rId2"/>
+    <p:sldLayoutId id="2147484122" r:id="rId3"/>
+    <p:sldLayoutId id="2147484123" r:id="rId4"/>
+    <p:sldLayoutId id="2147484124" r:id="rId5"/>
+    <p:sldLayoutId id="2147484125" r:id="rId6"/>
+    <p:sldLayoutId id="2147484126" r:id="rId7"/>
+    <p:sldLayoutId id="2147484127" r:id="rId8"/>
+    <p:sldLayoutId id="2147484128" r:id="rId9"/>
+    <p:sldLayoutId id="2147484129" r:id="rId10"/>
+    <p:sldLayoutId id="2147484130" r:id="rId11"/>
+    <p:sldLayoutId id="2147483656" r:id="rId12"/>
   </p:sldLayoutIdLst>
   <p:txStyles>
     <p:titleStyle>
-      <a:lvl1pPr algn="l" defTabSz="457200" rtl="0" eaLnBrk="1" latinLnBrk="0" hangingPunct="1">
+      <a:lvl1pPr algn="l" defTabSz="914400" rtl="0" eaLnBrk="1" latinLnBrk="0" hangingPunct="1">
+        <a:lnSpc>
+          <a:spcPct val="85000"/>
+        </a:lnSpc>
         <a:spcBef>
           <a:spcPct val="0"/>
         </a:spcBef>
         <a:buNone/>
-        <a:defRPr sz="3600" kern="1200">
+        <a:defRPr sz="4800" kern="1200" spc="-50" baseline="0">
           <a:solidFill>
             <a:schemeClr val="tx1">
-              <a:lumMod val="85000"/>
-              <a:lumOff val="15000"/>
+              <a:lumMod val="75000"/>
+              <a:lumOff val="25000"/>
             </a:schemeClr>
           </a:solidFill>
           <a:latin typeface="+mj-lt"/>
@@ -11027,76 +7254,51 @@
           <a:cs typeface="+mj-cs"/>
         </a:defRPr>
       </a:lvl1pPr>
-      <a:lvl2pPr eaLnBrk="1" hangingPunct="1">
-        <a:defRPr>
-          <a:solidFill>
-            <a:schemeClr val="tx2"/>
-          </a:solidFill>
-        </a:defRPr>
-      </a:lvl2pPr>
-      <a:lvl3pPr eaLnBrk="1" hangingPunct="1">
-        <a:defRPr>
-          <a:solidFill>
-            <a:schemeClr val="tx2"/>
-          </a:solidFill>
-        </a:defRPr>
-      </a:lvl3pPr>
-      <a:lvl4pPr eaLnBrk="1" hangingPunct="1">
-        <a:defRPr>
-          <a:solidFill>
-            <a:schemeClr val="tx2"/>
-          </a:solidFill>
-        </a:defRPr>
-      </a:lvl4pPr>
-      <a:lvl5pPr eaLnBrk="1" hangingPunct="1">
-        <a:defRPr>
-          <a:solidFill>
-            <a:schemeClr val="tx2"/>
-          </a:solidFill>
-        </a:defRPr>
-      </a:lvl5pPr>
-      <a:lvl6pPr eaLnBrk="1" hangingPunct="1">
-        <a:defRPr>
-          <a:solidFill>
-            <a:schemeClr val="tx2"/>
-          </a:solidFill>
-        </a:defRPr>
-      </a:lvl6pPr>
-      <a:lvl7pPr eaLnBrk="1" hangingPunct="1">
-        <a:defRPr>
-          <a:solidFill>
-            <a:schemeClr val="tx2"/>
-          </a:solidFill>
-        </a:defRPr>
-      </a:lvl7pPr>
-      <a:lvl8pPr eaLnBrk="1" hangingPunct="1">
-        <a:defRPr>
-          <a:solidFill>
-            <a:schemeClr val="tx2"/>
-          </a:solidFill>
-        </a:defRPr>
-      </a:lvl8pPr>
-      <a:lvl9pPr eaLnBrk="1" hangingPunct="1">
-        <a:defRPr>
-          <a:solidFill>
-            <a:schemeClr val="tx2"/>
-          </a:solidFill>
-        </a:defRPr>
-      </a:lvl9pPr>
     </p:titleStyle>
     <p:bodyStyle>
-      <a:lvl1pPr marL="342900" indent="-342900" algn="l" defTabSz="457200" rtl="0" eaLnBrk="1" latinLnBrk="0" hangingPunct="1">
+      <a:lvl1pPr marL="91440" indent="-91440" algn="l" defTabSz="914400" rtl="0" eaLnBrk="1" latinLnBrk="0" hangingPunct="1">
+        <a:lnSpc>
+          <a:spcPct val="90000"/>
+        </a:lnSpc>
         <a:spcBef>
-          <a:spcPts val="1000"/>
+          <a:spcPts val="1200"/>
         </a:spcBef>
         <a:spcAft>
-          <a:spcPts val="0"/>
+          <a:spcPts val="200"/>
         </a:spcAft>
         <a:buClr>
           <a:schemeClr val="accent1"/>
         </a:buClr>
-        <a:buFont typeface="Wingdings 3" charset="2"/>
-        <a:buChar char=""/>
+        <a:buSzPct val="100000"/>
+        <a:buFont typeface="Calibri" panose="020F0502020204030204" pitchFamily="34" charset="0"/>
+        <a:buChar char=" "/>
+        <a:defRPr sz="2000" kern="1200">
+          <a:solidFill>
+            <a:schemeClr val="tx1">
+              <a:lumMod val="75000"/>
+              <a:lumOff val="25000"/>
+            </a:schemeClr>
+          </a:solidFill>
+          <a:latin typeface="+mn-lt"/>
+          <a:ea typeface="+mn-ea"/>
+          <a:cs typeface="+mn-cs"/>
+        </a:defRPr>
+      </a:lvl1pPr>
+      <a:lvl2pPr marL="384048" indent="-182880" algn="l" defTabSz="914400" rtl="0" eaLnBrk="1" latinLnBrk="0" hangingPunct="1">
+        <a:lnSpc>
+          <a:spcPct val="90000"/>
+        </a:lnSpc>
+        <a:spcBef>
+          <a:spcPts val="200"/>
+        </a:spcBef>
+        <a:spcAft>
+          <a:spcPts val="400"/>
+        </a:spcAft>
+        <a:buClr>
+          <a:schemeClr val="accent1"/>
+        </a:buClr>
+        <a:buFont typeface="Calibri" pitchFamily="34" charset="0"/>
+        <a:buChar char="◦"/>
         <a:defRPr sz="1800" kern="1200">
           <a:solidFill>
             <a:schemeClr val="tx1">
@@ -11108,43 +7310,22 @@
           <a:ea typeface="+mn-ea"/>
           <a:cs typeface="+mn-cs"/>
         </a:defRPr>
-      </a:lvl1pPr>
-      <a:lvl2pPr marL="742950" indent="-285750" algn="l" defTabSz="457200" rtl="0" eaLnBrk="1" latinLnBrk="0" hangingPunct="1">
+      </a:lvl2pPr>
+      <a:lvl3pPr marL="566928" indent="-182880" algn="l" defTabSz="914400" rtl="0" eaLnBrk="1" latinLnBrk="0" hangingPunct="1">
+        <a:lnSpc>
+          <a:spcPct val="90000"/>
+        </a:lnSpc>
         <a:spcBef>
-          <a:spcPts val="1000"/>
+          <a:spcPts val="200"/>
         </a:spcBef>
         <a:spcAft>
-          <a:spcPts val="0"/>
+          <a:spcPts val="400"/>
         </a:spcAft>
         <a:buClr>
           <a:schemeClr val="accent1"/>
         </a:buClr>
-        <a:buFont typeface="Wingdings 3" charset="2"/>
-        <a:buChar char=""/>
-        <a:defRPr sz="1600" kern="1200">
-          <a:solidFill>
-            <a:schemeClr val="tx1">
-              <a:lumMod val="75000"/>
-              <a:lumOff val="25000"/>
-            </a:schemeClr>
-          </a:solidFill>
-          <a:latin typeface="+mn-lt"/>
-          <a:ea typeface="+mn-ea"/>
-          <a:cs typeface="+mn-cs"/>
-        </a:defRPr>
-      </a:lvl2pPr>
-      <a:lvl3pPr marL="1143000" indent="-228600" algn="l" defTabSz="457200" rtl="0" eaLnBrk="1" latinLnBrk="0" hangingPunct="1">
-        <a:spcBef>
-          <a:spcPts val="1000"/>
-        </a:spcBef>
-        <a:spcAft>
-          <a:spcPts val="0"/>
-        </a:spcAft>
-        <a:buClr>
-          <a:schemeClr val="accent1"/>
-        </a:buClr>
-        <a:buFont typeface="Wingdings 3" charset="2"/>
-        <a:buChar char=""/>
+        <a:buFont typeface="Calibri" pitchFamily="34" charset="0"/>
+        <a:buChar char="◦"/>
         <a:defRPr sz="1400" kern="1200">
           <a:solidFill>
             <a:schemeClr val="tx1">
@@ -11157,19 +7338,22 @@
           <a:cs typeface="+mn-cs"/>
         </a:defRPr>
       </a:lvl3pPr>
-      <a:lvl4pPr marL="1600200" indent="-228600" algn="l" defTabSz="457200" rtl="0" eaLnBrk="1" latinLnBrk="0" hangingPunct="1">
+      <a:lvl4pPr marL="749808" indent="-182880" algn="l" defTabSz="914400" rtl="0" eaLnBrk="1" latinLnBrk="0" hangingPunct="1">
+        <a:lnSpc>
+          <a:spcPct val="90000"/>
+        </a:lnSpc>
         <a:spcBef>
-          <a:spcPts val="1000"/>
+          <a:spcPts val="200"/>
         </a:spcBef>
         <a:spcAft>
-          <a:spcPts val="0"/>
+          <a:spcPts val="400"/>
         </a:spcAft>
         <a:buClr>
           <a:schemeClr val="accent1"/>
         </a:buClr>
-        <a:buFont typeface="Wingdings 3" charset="2"/>
-        <a:buChar char=""/>
-        <a:defRPr sz="1200" kern="1200">
+        <a:buFont typeface="Calibri" pitchFamily="34" charset="0"/>
+        <a:buChar char="◦"/>
+        <a:defRPr sz="1400" kern="1200">
           <a:solidFill>
             <a:schemeClr val="tx1">
               <a:lumMod val="75000"/>
@@ -11181,19 +7365,22 @@
           <a:cs typeface="+mn-cs"/>
         </a:defRPr>
       </a:lvl4pPr>
-      <a:lvl5pPr marL="2057400" indent="-228600" algn="l" defTabSz="457200" rtl="0" eaLnBrk="1" latinLnBrk="0" hangingPunct="1">
+      <a:lvl5pPr marL="932688" indent="-182880" algn="l" defTabSz="914400" rtl="0" eaLnBrk="1" latinLnBrk="0" hangingPunct="1">
+        <a:lnSpc>
+          <a:spcPct val="90000"/>
+        </a:lnSpc>
         <a:spcBef>
-          <a:spcPts val="1000"/>
+          <a:spcPts val="200"/>
         </a:spcBef>
         <a:spcAft>
-          <a:spcPts val="0"/>
+          <a:spcPts val="400"/>
         </a:spcAft>
         <a:buClr>
           <a:schemeClr val="accent1"/>
         </a:buClr>
-        <a:buFont typeface="Wingdings 3" charset="2"/>
-        <a:buChar char=""/>
-        <a:defRPr sz="1200" kern="1200">
+        <a:buFont typeface="Calibri" pitchFamily="34" charset="0"/>
+        <a:buChar char="◦"/>
+        <a:defRPr sz="1400" kern="1200">
           <a:solidFill>
             <a:schemeClr val="tx1">
               <a:lumMod val="75000"/>
@@ -11205,19 +7392,22 @@
           <a:cs typeface="+mn-cs"/>
         </a:defRPr>
       </a:lvl5pPr>
-      <a:lvl6pPr marL="2514600" indent="-228600" algn="l" defTabSz="457200" rtl="0" eaLnBrk="1" latinLnBrk="0" hangingPunct="1">
+      <a:lvl6pPr marL="1100000" indent="-228600" algn="l" defTabSz="914400" rtl="0" eaLnBrk="1" latinLnBrk="0" hangingPunct="1">
+        <a:lnSpc>
+          <a:spcPct val="90000"/>
+        </a:lnSpc>
         <a:spcBef>
-          <a:spcPts val="1000"/>
+          <a:spcPts val="200"/>
         </a:spcBef>
         <a:spcAft>
-          <a:spcPts val="0"/>
+          <a:spcPts val="400"/>
         </a:spcAft>
         <a:buClr>
           <a:schemeClr val="accent1"/>
         </a:buClr>
-        <a:buFont typeface="Wingdings 3" charset="2"/>
-        <a:buChar char=""/>
-        <a:defRPr sz="1200" kern="1200">
+        <a:buFont typeface="Calibri" pitchFamily="34" charset="0"/>
+        <a:buChar char="◦"/>
+        <a:defRPr sz="1400" kern="1200">
           <a:solidFill>
             <a:schemeClr val="tx1">
               <a:lumMod val="75000"/>
@@ -11229,19 +7419,22 @@
           <a:cs typeface="+mn-cs"/>
         </a:defRPr>
       </a:lvl6pPr>
-      <a:lvl7pPr marL="2971800" indent="-228600" algn="l" defTabSz="457200" rtl="0" eaLnBrk="1" latinLnBrk="0" hangingPunct="1">
+      <a:lvl7pPr marL="1300000" indent="-228600" algn="l" defTabSz="914400" rtl="0" eaLnBrk="1" latinLnBrk="0" hangingPunct="1">
+        <a:lnSpc>
+          <a:spcPct val="90000"/>
+        </a:lnSpc>
         <a:spcBef>
-          <a:spcPts val="1000"/>
+          <a:spcPts val="200"/>
         </a:spcBef>
         <a:spcAft>
-          <a:spcPts val="0"/>
+          <a:spcPts val="400"/>
         </a:spcAft>
         <a:buClr>
           <a:schemeClr val="accent1"/>
         </a:buClr>
-        <a:buFont typeface="Wingdings 3" charset="2"/>
-        <a:buChar char=""/>
-        <a:defRPr sz="1200" kern="1200">
+        <a:buFont typeface="Calibri" pitchFamily="34" charset="0"/>
+        <a:buChar char="◦"/>
+        <a:defRPr sz="1400" kern="1200">
           <a:solidFill>
             <a:schemeClr val="tx1">
               <a:lumMod val="75000"/>
@@ -11253,19 +7446,22 @@
           <a:cs typeface="+mn-cs"/>
         </a:defRPr>
       </a:lvl7pPr>
-      <a:lvl8pPr marL="3429000" indent="-228600" algn="l" defTabSz="457200" rtl="0" eaLnBrk="1" latinLnBrk="0" hangingPunct="1">
+      <a:lvl8pPr marL="1500000" indent="-228600" algn="l" defTabSz="914400" rtl="0" eaLnBrk="1" latinLnBrk="0" hangingPunct="1">
+        <a:lnSpc>
+          <a:spcPct val="90000"/>
+        </a:lnSpc>
         <a:spcBef>
-          <a:spcPts val="1000"/>
+          <a:spcPts val="200"/>
         </a:spcBef>
         <a:spcAft>
-          <a:spcPts val="0"/>
+          <a:spcPts val="400"/>
         </a:spcAft>
         <a:buClr>
           <a:schemeClr val="accent1"/>
         </a:buClr>
-        <a:buFont typeface="Wingdings 3" charset="2"/>
-        <a:buChar char=""/>
-        <a:defRPr sz="1200" kern="1200">
+        <a:buFont typeface="Calibri" pitchFamily="34" charset="0"/>
+        <a:buChar char="◦"/>
+        <a:defRPr sz="1400" kern="1200">
           <a:solidFill>
             <a:schemeClr val="tx1">
               <a:lumMod val="75000"/>
@@ -11277,19 +7473,22 @@
           <a:cs typeface="+mn-cs"/>
         </a:defRPr>
       </a:lvl8pPr>
-      <a:lvl9pPr marL="3886200" indent="-228600" algn="l" defTabSz="457200" rtl="0" eaLnBrk="1" latinLnBrk="0" hangingPunct="1">
+      <a:lvl9pPr marL="1700000" indent="-228600" algn="l" defTabSz="914400" rtl="0" eaLnBrk="1" latinLnBrk="0" hangingPunct="1">
+        <a:lnSpc>
+          <a:spcPct val="90000"/>
+        </a:lnSpc>
         <a:spcBef>
-          <a:spcPts val="1000"/>
+          <a:spcPts val="200"/>
         </a:spcBef>
         <a:spcAft>
-          <a:spcPts val="0"/>
+          <a:spcPts val="400"/>
         </a:spcAft>
         <a:buClr>
           <a:schemeClr val="accent1"/>
         </a:buClr>
-        <a:buFont typeface="Wingdings 3" charset="2"/>
-        <a:buChar char=""/>
-        <a:defRPr sz="1200" kern="1200">
+        <a:buFont typeface="Calibri" pitchFamily="34" charset="0"/>
+        <a:buChar char="◦"/>
+        <a:defRPr sz="1400" kern="1200">
           <a:solidFill>
             <a:schemeClr val="tx1">
               <a:lumMod val="75000"/>
@@ -11306,7 +7505,7 @@
       <a:defPPr>
         <a:defRPr lang="en-US"/>
       </a:defPPr>
-      <a:lvl1pPr marL="0" algn="l" defTabSz="457200" rtl="0" eaLnBrk="1" latinLnBrk="0" hangingPunct="1">
+      <a:lvl1pPr marL="0" algn="l" defTabSz="914400" rtl="0" eaLnBrk="1" latinLnBrk="0" hangingPunct="1">
         <a:defRPr sz="1800" kern="1200">
           <a:solidFill>
             <a:schemeClr val="tx1"/>
@@ -11316,7 +7515,7 @@
           <a:cs typeface="+mn-cs"/>
         </a:defRPr>
       </a:lvl1pPr>
-      <a:lvl2pPr marL="457200" algn="l" defTabSz="457200" rtl="0" eaLnBrk="1" latinLnBrk="0" hangingPunct="1">
+      <a:lvl2pPr marL="457200" algn="l" defTabSz="914400" rtl="0" eaLnBrk="1" latinLnBrk="0" hangingPunct="1">
         <a:defRPr sz="1800" kern="1200">
           <a:solidFill>
             <a:schemeClr val="tx1"/>
@@ -11326,7 +7525,7 @@
           <a:cs typeface="+mn-cs"/>
         </a:defRPr>
       </a:lvl2pPr>
-      <a:lvl3pPr marL="914400" algn="l" defTabSz="457200" rtl="0" eaLnBrk="1" latinLnBrk="0" hangingPunct="1">
+      <a:lvl3pPr marL="914400" algn="l" defTabSz="914400" rtl="0" eaLnBrk="1" latinLnBrk="0" hangingPunct="1">
         <a:defRPr sz="1800" kern="1200">
           <a:solidFill>
             <a:schemeClr val="tx1"/>
@@ -11336,7 +7535,7 @@
           <a:cs typeface="+mn-cs"/>
         </a:defRPr>
       </a:lvl3pPr>
-      <a:lvl4pPr marL="1371600" algn="l" defTabSz="457200" rtl="0" eaLnBrk="1" latinLnBrk="0" hangingPunct="1">
+      <a:lvl4pPr marL="1371600" algn="l" defTabSz="914400" rtl="0" eaLnBrk="1" latinLnBrk="0" hangingPunct="1">
         <a:defRPr sz="1800" kern="1200">
           <a:solidFill>
             <a:schemeClr val="tx1"/>
@@ -11346,7 +7545,7 @@
           <a:cs typeface="+mn-cs"/>
         </a:defRPr>
       </a:lvl4pPr>
-      <a:lvl5pPr marL="1828800" algn="l" defTabSz="457200" rtl="0" eaLnBrk="1" latinLnBrk="0" hangingPunct="1">
+      <a:lvl5pPr marL="1828800" algn="l" defTabSz="914400" rtl="0" eaLnBrk="1" latinLnBrk="0" hangingPunct="1">
         <a:defRPr sz="1800" kern="1200">
           <a:solidFill>
             <a:schemeClr val="tx1"/>
@@ -11356,7 +7555,7 @@
           <a:cs typeface="+mn-cs"/>
         </a:defRPr>
       </a:lvl5pPr>
-      <a:lvl6pPr marL="2286000" algn="l" defTabSz="457200" rtl="0" eaLnBrk="1" latinLnBrk="0" hangingPunct="1">
+      <a:lvl6pPr marL="2286000" algn="l" defTabSz="914400" rtl="0" eaLnBrk="1" latinLnBrk="0" hangingPunct="1">
         <a:defRPr sz="1800" kern="1200">
           <a:solidFill>
             <a:schemeClr val="tx1"/>
@@ -11366,7 +7565,7 @@
           <a:cs typeface="+mn-cs"/>
         </a:defRPr>
       </a:lvl6pPr>
-      <a:lvl7pPr marL="2743200" algn="l" defTabSz="457200" rtl="0" eaLnBrk="1" latinLnBrk="0" hangingPunct="1">
+      <a:lvl7pPr marL="2743200" algn="l" defTabSz="914400" rtl="0" eaLnBrk="1" latinLnBrk="0" hangingPunct="1">
         <a:defRPr sz="1800" kern="1200">
           <a:solidFill>
             <a:schemeClr val="tx1"/>
@@ -11376,7 +7575,7 @@
           <a:cs typeface="+mn-cs"/>
         </a:defRPr>
       </a:lvl7pPr>
-      <a:lvl8pPr marL="3200400" algn="l" defTabSz="457200" rtl="0" eaLnBrk="1" latinLnBrk="0" hangingPunct="1">
+      <a:lvl8pPr marL="3200400" algn="l" defTabSz="914400" rtl="0" eaLnBrk="1" latinLnBrk="0" hangingPunct="1">
         <a:defRPr sz="1800" kern="1200">
           <a:solidFill>
             <a:schemeClr val="tx1"/>
@@ -11386,7 +7585,7 @@
           <a:cs typeface="+mn-cs"/>
         </a:defRPr>
       </a:lvl8pPr>
-      <a:lvl9pPr marL="3657600" algn="l" defTabSz="457200" rtl="0" eaLnBrk="1" latinLnBrk="0" hangingPunct="1">
+      <a:lvl9pPr marL="3657600" algn="l" defTabSz="914400" rtl="0" eaLnBrk="1" latinLnBrk="0" hangingPunct="1">
         <a:defRPr sz="1800" kern="1200">
           <a:solidFill>
             <a:schemeClr val="tx1"/>
@@ -11435,8 +7634,8 @@
         </p:nvSpPr>
         <p:spPr>
           <a:xfrm>
-            <a:off x="849116" y="2183713"/>
-            <a:ext cx="10287444" cy="2541431"/>
+            <a:off x="407368" y="2399737"/>
+            <a:ext cx="11113590" cy="2541431"/>
           </a:xfrm>
         </p:spPr>
         <p:txBody>
@@ -11447,7 +7646,7 @@
           <a:p>
             <a:pPr algn="ctr" rtl="0"/>
             <a:r>
-              <a:rPr lang="es-ES" dirty="0"/>
+              <a:rPr lang="es-ES" b="1" dirty="0"/>
               <a:t>HOSPITAL MANAGEMENT SYSTEM </a:t>
             </a:r>
           </a:p>
@@ -11465,17 +7664,19 @@
         </p:nvSpPr>
         <p:spPr>
           <a:xfrm>
-            <a:off x="1573089" y="4777379"/>
+            <a:off x="1638300" y="4941168"/>
             <a:ext cx="8915399" cy="1126283"/>
           </a:xfrm>
         </p:spPr>
         <p:txBody>
-          <a:bodyPr rtlCol="0" anchor="ctr"/>
+          <a:bodyPr rtlCol="0" anchor="ctr">
+            <a:normAutofit/>
+          </a:bodyPr>
           <a:lstStyle/>
           <a:p>
             <a:pPr algn="ctr" rtl="0"/>
             <a:r>
-              <a:rPr lang="es-ES" dirty="0"/>
+              <a:rPr lang="es-ES" sz="2000" dirty="0"/>
               <a:t>Lola Ardura, Alejandra García, Inés Martín y Ainhoa Rey</a:t>
             </a:r>
           </a:p>
@@ -11561,6 +7762,18 @@
   <p:clrMapOvr>
     <a:masterClrMapping/>
   </p:clrMapOvr>
+  <mc:AlternateContent xmlns:mc="http://schemas.openxmlformats.org/markup-compatibility/2006">
+    <mc:Choice xmlns:p14="http://schemas.microsoft.com/office/powerpoint/2010/main" Requires="p14">
+      <p:transition spd="med" p14:dur="700">
+        <p:fade/>
+      </p:transition>
+    </mc:Choice>
+    <mc:Fallback>
+      <p:transition spd="med">
+        <p:fade/>
+      </p:transition>
+    </mc:Fallback>
+  </mc:AlternateContent>
 </p:sld>
 </file>
 
@@ -11609,8 +7822,8 @@
         </p:blipFill>
         <p:spPr>
           <a:xfrm>
-            <a:off x="1109155" y="0"/>
-            <a:ext cx="9973690" cy="6858000"/>
+            <a:off x="1487488" y="116632"/>
+            <a:ext cx="9385181" cy="6453336"/>
           </a:xfrm>
           <a:prstGeom prst="rect">
             <a:avLst/>
@@ -11627,6 +7840,18 @@
   <p:clrMapOvr>
     <a:masterClrMapping/>
   </p:clrMapOvr>
+  <mc:AlternateContent xmlns:mc="http://schemas.openxmlformats.org/markup-compatibility/2006">
+    <mc:Choice xmlns:p14="http://schemas.microsoft.com/office/powerpoint/2010/main" Requires="p14">
+      <p:transition spd="med" p14:dur="700">
+        <p:fade/>
+      </p:transition>
+    </mc:Choice>
+    <mc:Fallback>
+      <p:transition spd="med">
+        <p:fade/>
+      </p:transition>
+    </mc:Fallback>
+  </mc:AlternateContent>
 </p:sld>
 </file>
 
@@ -11662,13 +7887,13 @@
           <p:nvPr>
             <p:extLst>
               <p:ext uri="{D42A27DB-BD31-4B8C-83A1-F6EECF244321}">
-                <p14:modId xmlns:p14="http://schemas.microsoft.com/office/powerpoint/2010/main" val="2037177167"/>
+                <p14:modId xmlns:p14="http://schemas.microsoft.com/office/powerpoint/2010/main" val="691353782"/>
               </p:ext>
             </p:extLst>
           </p:nvPr>
         </p:nvGraphicFramePr>
         <p:xfrm>
-          <a:off x="1199454" y="517214"/>
+          <a:off x="1199456" y="188640"/>
           <a:ext cx="9865098" cy="6190444"/>
         </p:xfrm>
         <a:graphic>
@@ -21079,6 +17304,18 @@
   <p:clrMapOvr>
     <a:masterClrMapping/>
   </p:clrMapOvr>
+  <mc:AlternateContent xmlns:mc="http://schemas.openxmlformats.org/markup-compatibility/2006">
+    <mc:Choice xmlns:p14="http://schemas.microsoft.com/office/powerpoint/2010/main" Requires="p14">
+      <p:transition spd="med" p14:dur="700">
+        <p:fade/>
+      </p:transition>
+    </mc:Choice>
+    <mc:Fallback>
+      <p:transition spd="med">
+        <p:fade/>
+      </p:transition>
+    </mc:Fallback>
+  </mc:AlternateContent>
 </p:sld>
 </file>
 
@@ -21127,7 +17364,7 @@
         </p:blipFill>
         <p:spPr>
           <a:xfrm>
-            <a:off x="1204930" y="1264625"/>
+            <a:off x="1223072" y="1404759"/>
             <a:ext cx="4961792" cy="3237569"/>
           </a:xfrm>
           <a:prstGeom prst="rect">
@@ -21146,13 +17383,14 @@
           </p:cNvPr>
           <p:cNvCxnSpPr>
             <a:cxnSpLocks/>
+            <a:endCxn id="8" idx="1"/>
           </p:cNvCxnSpPr>
           <p:nvPr/>
         </p:nvCxnSpPr>
         <p:spPr>
           <a:xfrm flipV="1">
-            <a:off x="6136471" y="1565252"/>
-            <a:ext cx="1440160" cy="1080120"/>
+            <a:off x="6136471" y="1243718"/>
+            <a:ext cx="1599009" cy="1401654"/>
           </a:xfrm>
           <a:prstGeom prst="straightConnector1">
             <a:avLst/>
@@ -21187,13 +17425,14 @@
           </p:cNvPr>
           <p:cNvCxnSpPr>
             <a:cxnSpLocks/>
+            <a:endCxn id="9" idx="1"/>
           </p:cNvCxnSpPr>
           <p:nvPr/>
         </p:nvCxnSpPr>
         <p:spPr>
           <a:xfrm flipV="1">
-            <a:off x="6166722" y="2419936"/>
-            <a:ext cx="1584176" cy="216024"/>
+            <a:off x="6184864" y="2478838"/>
+            <a:ext cx="1584175" cy="166534"/>
           </a:xfrm>
           <a:prstGeom prst="straightConnector1">
             <a:avLst/>
@@ -21228,13 +17467,14 @@
           </p:cNvPr>
           <p:cNvCxnSpPr>
             <a:cxnSpLocks/>
+            <a:endCxn id="10" idx="1"/>
           </p:cNvCxnSpPr>
           <p:nvPr/>
         </p:nvCxnSpPr>
         <p:spPr>
           <a:xfrm>
-            <a:off x="6136471" y="2663504"/>
-            <a:ext cx="1584176" cy="720080"/>
+            <a:off x="6136471" y="2657941"/>
+            <a:ext cx="1599010" cy="952992"/>
           </a:xfrm>
           <a:prstGeom prst="straightConnector1">
             <a:avLst/>
@@ -21267,13 +17507,16 @@
               </a:ext>
             </a:extLst>
           </p:cNvPr>
-          <p:cNvCxnSpPr/>
+          <p:cNvCxnSpPr>
+            <a:cxnSpLocks/>
+            <a:endCxn id="11" idx="1"/>
+          </p:cNvCxnSpPr>
           <p:nvPr/>
         </p:nvCxnSpPr>
         <p:spPr>
           <a:xfrm>
-            <a:off x="6136471" y="2672916"/>
-            <a:ext cx="1440160" cy="1435514"/>
+            <a:off x="6136471" y="2664490"/>
+            <a:ext cx="1606953" cy="1847504"/>
           </a:xfrm>
           <a:prstGeom prst="straightConnector1">
             <a:avLst/>
@@ -21311,7 +17554,7 @@
         </p:nvSpPr>
         <p:spPr>
           <a:xfrm>
-            <a:off x="8051573" y="1264625"/>
+            <a:off x="7735480" y="1059052"/>
             <a:ext cx="1728192" cy="369332"/>
           </a:xfrm>
           <a:prstGeom prst="rect">
@@ -21353,7 +17596,7 @@
         </p:nvSpPr>
         <p:spPr>
           <a:xfrm>
-            <a:off x="8040214" y="2158616"/>
+            <a:off x="7769039" y="2294172"/>
             <a:ext cx="1739551" cy="369332"/>
           </a:xfrm>
           <a:prstGeom prst="rect">
@@ -21372,6 +17615,10 @@
           </a:bodyPr>
           <a:lstStyle/>
           <a:p>
+            <a:r>
+              <a:rPr lang="es-ES" dirty="0"/>
+              <a:t>   </a:t>
+            </a:r>
             <a:r>
               <a:rPr lang="es-ES" dirty="0" err="1"/>
               <a:t>Receptionist</a:t>
@@ -21394,8 +17641,8 @@
         </p:nvSpPr>
         <p:spPr>
           <a:xfrm>
-            <a:off x="8051573" y="3160943"/>
-            <a:ext cx="1739550" cy="369332"/>
+            <a:off x="7735481" y="3426267"/>
+            <a:ext cx="1773110" cy="369332"/>
           </a:xfrm>
           <a:prstGeom prst="rect">
             <a:avLst/>
@@ -21435,7 +17682,7 @@
         </p:nvSpPr>
         <p:spPr>
           <a:xfrm>
-            <a:off x="8036834" y="4241407"/>
+            <a:off x="7743424" y="4327328"/>
             <a:ext cx="1739549" cy="369332"/>
           </a:xfrm>
           <a:prstGeom prst="rect">
@@ -21462,6 +17709,936 @@
           </a:p>
         </p:txBody>
       </p:sp>
+      <p:sp>
+        <p:nvSpPr>
+          <p:cNvPr id="4" name="Rectángulo 3">
+            <a:extLst>
+              <a:ext uri="{FF2B5EF4-FFF2-40B4-BE49-F238E27FC236}">
+                <a16:creationId xmlns:a16="http://schemas.microsoft.com/office/drawing/2014/main" id="{E42D9F14-90EC-45ED-8858-9A28E191F114}"/>
+              </a:ext>
+            </a:extLst>
+          </p:cNvPr>
+          <p:cNvSpPr/>
+          <p:nvPr/>
+        </p:nvSpPr>
+        <p:spPr>
+          <a:xfrm>
+            <a:off x="9648225" y="3103319"/>
+            <a:ext cx="2109421" cy="690857"/>
+          </a:xfrm>
+          <a:prstGeom prst="rect">
+            <a:avLst/>
+          </a:prstGeom>
+          <a:noFill/>
+          <a:ln>
+            <a:noFill/>
+          </a:ln>
+        </p:spPr>
+        <p:style>
+          <a:lnRef idx="2">
+            <a:schemeClr val="accent1">
+              <a:shade val="50000"/>
+            </a:schemeClr>
+          </a:lnRef>
+          <a:fillRef idx="1">
+            <a:schemeClr val="accent1"/>
+          </a:fillRef>
+          <a:effectRef idx="0">
+            <a:schemeClr val="accent1"/>
+          </a:effectRef>
+          <a:fontRef idx="minor">
+            <a:schemeClr val="lt1"/>
+          </a:fontRef>
+        </p:style>
+        <p:txBody>
+          <a:bodyPr rtlCol="0" anchor="ctr"/>
+          <a:lstStyle/>
+          <a:p>
+            <a:pPr algn="ctr"/>
+            <a:r>
+              <a:rPr lang="es-ES" dirty="0">
+                <a:solidFill>
+                  <a:schemeClr val="tx1"/>
+                </a:solidFill>
+              </a:rPr>
+              <a:t>View </a:t>
+            </a:r>
+            <a:r>
+              <a:rPr lang="es-ES" dirty="0" err="1">
+                <a:solidFill>
+                  <a:schemeClr val="tx1"/>
+                </a:solidFill>
+              </a:rPr>
+              <a:t>patient</a:t>
+            </a:r>
+            <a:r>
+              <a:rPr lang="es-ES" dirty="0">
+                <a:solidFill>
+                  <a:schemeClr val="tx1"/>
+                </a:solidFill>
+              </a:rPr>
+              <a:t> </a:t>
+            </a:r>
+            <a:r>
+              <a:rPr lang="es-ES" dirty="0" err="1">
+                <a:solidFill>
+                  <a:schemeClr val="tx1"/>
+                </a:solidFill>
+              </a:rPr>
+              <a:t>details</a:t>
+            </a:r>
+            <a:r>
+              <a:rPr lang="es-ES" dirty="0">
+                <a:solidFill>
+                  <a:schemeClr val="tx1"/>
+                </a:solidFill>
+              </a:rPr>
+              <a:t> </a:t>
+            </a:r>
+          </a:p>
+        </p:txBody>
+      </p:sp>
+      <p:sp>
+        <p:nvSpPr>
+          <p:cNvPr id="12" name="Rectángulo 11">
+            <a:extLst>
+              <a:ext uri="{FF2B5EF4-FFF2-40B4-BE49-F238E27FC236}">
+                <a16:creationId xmlns:a16="http://schemas.microsoft.com/office/drawing/2014/main" id="{EFD65088-21AC-44B9-ADEA-9AA4D5D7AC88}"/>
+              </a:ext>
+            </a:extLst>
+          </p:cNvPr>
+          <p:cNvSpPr/>
+          <p:nvPr/>
+        </p:nvSpPr>
+        <p:spPr>
+          <a:xfrm>
+            <a:off x="9575356" y="3382247"/>
+            <a:ext cx="1800200" cy="690857"/>
+          </a:xfrm>
+          <a:prstGeom prst="rect">
+            <a:avLst/>
+          </a:prstGeom>
+          <a:noFill/>
+          <a:ln>
+            <a:noFill/>
+          </a:ln>
+        </p:spPr>
+        <p:style>
+          <a:lnRef idx="2">
+            <a:schemeClr val="accent1">
+              <a:shade val="50000"/>
+            </a:schemeClr>
+          </a:lnRef>
+          <a:fillRef idx="1">
+            <a:schemeClr val="accent1"/>
+          </a:fillRef>
+          <a:effectRef idx="0">
+            <a:schemeClr val="accent1"/>
+          </a:effectRef>
+          <a:fontRef idx="minor">
+            <a:schemeClr val="lt1"/>
+          </a:fontRef>
+        </p:style>
+        <p:txBody>
+          <a:bodyPr rtlCol="0" anchor="ctr"/>
+          <a:lstStyle/>
+          <a:p>
+            <a:pPr algn="ctr"/>
+            <a:r>
+              <a:rPr lang="es-ES" dirty="0" err="1">
+                <a:solidFill>
+                  <a:schemeClr val="tx1"/>
+                </a:solidFill>
+              </a:rPr>
+              <a:t>Add</a:t>
+            </a:r>
+            <a:r>
+              <a:rPr lang="es-ES" dirty="0">
+                <a:solidFill>
+                  <a:schemeClr val="tx1"/>
+                </a:solidFill>
+              </a:rPr>
+              <a:t> </a:t>
+            </a:r>
+            <a:r>
+              <a:rPr lang="es-ES" dirty="0" err="1">
+                <a:solidFill>
+                  <a:schemeClr val="tx1"/>
+                </a:solidFill>
+              </a:rPr>
+              <a:t>treatment</a:t>
+            </a:r>
+            <a:endParaRPr lang="es-ES" dirty="0">
+              <a:solidFill>
+                <a:schemeClr val="tx1"/>
+              </a:solidFill>
+            </a:endParaRPr>
+          </a:p>
+        </p:txBody>
+      </p:sp>
+      <p:sp>
+        <p:nvSpPr>
+          <p:cNvPr id="13" name="Rectángulo 12">
+            <a:extLst>
+              <a:ext uri="{FF2B5EF4-FFF2-40B4-BE49-F238E27FC236}">
+                <a16:creationId xmlns:a16="http://schemas.microsoft.com/office/drawing/2014/main" id="{0976BF26-4EFA-421A-AFF0-B443BCEAEDAC}"/>
+              </a:ext>
+            </a:extLst>
+          </p:cNvPr>
+          <p:cNvSpPr/>
+          <p:nvPr/>
+        </p:nvSpPr>
+        <p:spPr>
+          <a:xfrm>
+            <a:off x="9692444" y="4157636"/>
+            <a:ext cx="2109422" cy="690857"/>
+          </a:xfrm>
+          <a:prstGeom prst="rect">
+            <a:avLst/>
+          </a:prstGeom>
+          <a:noFill/>
+          <a:ln>
+            <a:noFill/>
+          </a:ln>
+        </p:spPr>
+        <p:style>
+          <a:lnRef idx="2">
+            <a:schemeClr val="accent1">
+              <a:shade val="50000"/>
+            </a:schemeClr>
+          </a:lnRef>
+          <a:fillRef idx="1">
+            <a:schemeClr val="accent1"/>
+          </a:fillRef>
+          <a:effectRef idx="0">
+            <a:schemeClr val="accent1"/>
+          </a:effectRef>
+          <a:fontRef idx="minor">
+            <a:schemeClr val="lt1"/>
+          </a:fontRef>
+        </p:style>
+        <p:txBody>
+          <a:bodyPr rtlCol="0" anchor="ctr"/>
+          <a:lstStyle/>
+          <a:p>
+            <a:pPr algn="ctr"/>
+            <a:r>
+              <a:rPr lang="es-ES" dirty="0">
+                <a:solidFill>
+                  <a:schemeClr val="tx1"/>
+                </a:solidFill>
+              </a:rPr>
+              <a:t>View </a:t>
+            </a:r>
+            <a:r>
+              <a:rPr lang="es-ES" dirty="0" err="1">
+                <a:solidFill>
+                  <a:schemeClr val="tx1"/>
+                </a:solidFill>
+              </a:rPr>
+              <a:t>patient</a:t>
+            </a:r>
+            <a:r>
+              <a:rPr lang="es-ES" dirty="0">
+                <a:solidFill>
+                  <a:schemeClr val="tx1"/>
+                </a:solidFill>
+              </a:rPr>
+              <a:t> </a:t>
+            </a:r>
+            <a:r>
+              <a:rPr lang="es-ES" dirty="0" err="1">
+                <a:solidFill>
+                  <a:schemeClr val="tx1"/>
+                </a:solidFill>
+              </a:rPr>
+              <a:t>details</a:t>
+            </a:r>
+            <a:r>
+              <a:rPr lang="es-ES" dirty="0">
+                <a:solidFill>
+                  <a:schemeClr val="tx1"/>
+                </a:solidFill>
+              </a:rPr>
+              <a:t> </a:t>
+            </a:r>
+          </a:p>
+        </p:txBody>
+      </p:sp>
+      <p:sp>
+        <p:nvSpPr>
+          <p:cNvPr id="14" name="Rectángulo 13">
+            <a:extLst>
+              <a:ext uri="{FF2B5EF4-FFF2-40B4-BE49-F238E27FC236}">
+                <a16:creationId xmlns:a16="http://schemas.microsoft.com/office/drawing/2014/main" id="{58CC56D0-2AD9-499E-95BD-DF2479FBC8D4}"/>
+              </a:ext>
+            </a:extLst>
+          </p:cNvPr>
+          <p:cNvSpPr/>
+          <p:nvPr/>
+        </p:nvSpPr>
+        <p:spPr>
+          <a:xfrm>
+            <a:off x="9508590" y="1786727"/>
+            <a:ext cx="1800200" cy="690857"/>
+          </a:xfrm>
+          <a:prstGeom prst="rect">
+            <a:avLst/>
+          </a:prstGeom>
+          <a:noFill/>
+          <a:ln>
+            <a:noFill/>
+          </a:ln>
+        </p:spPr>
+        <p:style>
+          <a:lnRef idx="2">
+            <a:schemeClr val="accent1">
+              <a:shade val="50000"/>
+            </a:schemeClr>
+          </a:lnRef>
+          <a:fillRef idx="1">
+            <a:schemeClr val="accent1"/>
+          </a:fillRef>
+          <a:effectRef idx="0">
+            <a:schemeClr val="accent1"/>
+          </a:effectRef>
+          <a:fontRef idx="minor">
+            <a:schemeClr val="lt1"/>
+          </a:fontRef>
+        </p:style>
+        <p:txBody>
+          <a:bodyPr rtlCol="0" anchor="ctr"/>
+          <a:lstStyle/>
+          <a:p>
+            <a:pPr algn="ctr"/>
+            <a:r>
+              <a:rPr lang="es-ES" dirty="0" err="1">
+                <a:solidFill>
+                  <a:schemeClr val="tx1"/>
+                </a:solidFill>
+              </a:rPr>
+              <a:t>Add</a:t>
+            </a:r>
+            <a:r>
+              <a:rPr lang="es-ES" dirty="0">
+                <a:solidFill>
+                  <a:schemeClr val="tx1"/>
+                </a:solidFill>
+              </a:rPr>
+              <a:t> </a:t>
+            </a:r>
+            <a:r>
+              <a:rPr lang="es-ES" dirty="0" err="1">
+                <a:solidFill>
+                  <a:schemeClr val="tx1"/>
+                </a:solidFill>
+              </a:rPr>
+              <a:t>patients</a:t>
+            </a:r>
+            <a:r>
+              <a:rPr lang="es-ES" dirty="0">
+                <a:solidFill>
+                  <a:schemeClr val="tx1"/>
+                </a:solidFill>
+              </a:rPr>
+              <a:t> </a:t>
+            </a:r>
+          </a:p>
+        </p:txBody>
+      </p:sp>
+      <p:sp>
+        <p:nvSpPr>
+          <p:cNvPr id="15" name="Rectángulo 14">
+            <a:extLst>
+              <a:ext uri="{FF2B5EF4-FFF2-40B4-BE49-F238E27FC236}">
+                <a16:creationId xmlns:a16="http://schemas.microsoft.com/office/drawing/2014/main" id="{30840F19-9474-4975-BF01-88BB2DF80761}"/>
+              </a:ext>
+            </a:extLst>
+          </p:cNvPr>
+          <p:cNvSpPr/>
+          <p:nvPr/>
+        </p:nvSpPr>
+        <p:spPr>
+          <a:xfrm>
+            <a:off x="9612225" y="2132156"/>
+            <a:ext cx="2109422" cy="690857"/>
+          </a:xfrm>
+          <a:prstGeom prst="rect">
+            <a:avLst/>
+          </a:prstGeom>
+          <a:noFill/>
+          <a:ln>
+            <a:noFill/>
+          </a:ln>
+        </p:spPr>
+        <p:style>
+          <a:lnRef idx="2">
+            <a:schemeClr val="accent1">
+              <a:shade val="50000"/>
+            </a:schemeClr>
+          </a:lnRef>
+          <a:fillRef idx="1">
+            <a:schemeClr val="accent1"/>
+          </a:fillRef>
+          <a:effectRef idx="0">
+            <a:schemeClr val="accent1"/>
+          </a:effectRef>
+          <a:fontRef idx="minor">
+            <a:schemeClr val="lt1"/>
+          </a:fontRef>
+        </p:style>
+        <p:txBody>
+          <a:bodyPr rtlCol="0" anchor="ctr"/>
+          <a:lstStyle/>
+          <a:p>
+            <a:pPr algn="ctr"/>
+            <a:r>
+              <a:rPr lang="es-ES" dirty="0" err="1">
+                <a:solidFill>
+                  <a:schemeClr val="tx1"/>
+                </a:solidFill>
+              </a:rPr>
+              <a:t>Discharge</a:t>
+            </a:r>
+            <a:r>
+              <a:rPr lang="es-ES" dirty="0">
+                <a:solidFill>
+                  <a:schemeClr val="tx1"/>
+                </a:solidFill>
+              </a:rPr>
+              <a:t> </a:t>
+            </a:r>
+            <a:r>
+              <a:rPr lang="es-ES" dirty="0" err="1">
+                <a:solidFill>
+                  <a:schemeClr val="tx1"/>
+                </a:solidFill>
+              </a:rPr>
+              <a:t>patients</a:t>
+            </a:r>
+            <a:endParaRPr lang="es-ES" dirty="0">
+              <a:solidFill>
+                <a:schemeClr val="tx1"/>
+              </a:solidFill>
+            </a:endParaRPr>
+          </a:p>
+        </p:txBody>
+      </p:sp>
+      <p:sp>
+        <p:nvSpPr>
+          <p:cNvPr id="16" name="Rectángulo 15">
+            <a:extLst>
+              <a:ext uri="{FF2B5EF4-FFF2-40B4-BE49-F238E27FC236}">
+                <a16:creationId xmlns:a16="http://schemas.microsoft.com/office/drawing/2014/main" id="{047ED727-356A-485D-AAD6-B9C3441A6236}"/>
+              </a:ext>
+            </a:extLst>
+          </p:cNvPr>
+          <p:cNvSpPr/>
+          <p:nvPr/>
+        </p:nvSpPr>
+        <p:spPr>
+          <a:xfrm>
+            <a:off x="9556982" y="2470408"/>
+            <a:ext cx="1800200" cy="690857"/>
+          </a:xfrm>
+          <a:prstGeom prst="rect">
+            <a:avLst/>
+          </a:prstGeom>
+          <a:noFill/>
+          <a:ln>
+            <a:noFill/>
+          </a:ln>
+        </p:spPr>
+        <p:style>
+          <a:lnRef idx="2">
+            <a:schemeClr val="accent1">
+              <a:shade val="50000"/>
+            </a:schemeClr>
+          </a:lnRef>
+          <a:fillRef idx="1">
+            <a:schemeClr val="accent1"/>
+          </a:fillRef>
+          <a:effectRef idx="0">
+            <a:schemeClr val="accent1"/>
+          </a:effectRef>
+          <a:fontRef idx="minor">
+            <a:schemeClr val="lt1"/>
+          </a:fontRef>
+        </p:style>
+        <p:txBody>
+          <a:bodyPr rtlCol="0" anchor="ctr"/>
+          <a:lstStyle/>
+          <a:p>
+            <a:pPr algn="ctr"/>
+            <a:r>
+              <a:rPr lang="es-ES" dirty="0" err="1">
+                <a:solidFill>
+                  <a:schemeClr val="tx1"/>
+                </a:solidFill>
+              </a:rPr>
+              <a:t>Billing</a:t>
+            </a:r>
+            <a:r>
+              <a:rPr lang="es-ES" dirty="0">
+                <a:solidFill>
+                  <a:schemeClr val="tx1"/>
+                </a:solidFill>
+              </a:rPr>
+              <a:t> </a:t>
+            </a:r>
+            <a:r>
+              <a:rPr lang="es-ES" dirty="0" err="1">
+                <a:solidFill>
+                  <a:schemeClr val="tx1"/>
+                </a:solidFill>
+              </a:rPr>
+              <a:t>reports</a:t>
+            </a:r>
+            <a:endParaRPr lang="es-ES" dirty="0">
+              <a:solidFill>
+                <a:schemeClr val="tx1"/>
+              </a:solidFill>
+            </a:endParaRPr>
+          </a:p>
+        </p:txBody>
+      </p:sp>
+      <p:sp>
+        <p:nvSpPr>
+          <p:cNvPr id="17" name="Rectángulo 16">
+            <a:extLst>
+              <a:ext uri="{FF2B5EF4-FFF2-40B4-BE49-F238E27FC236}">
+                <a16:creationId xmlns:a16="http://schemas.microsoft.com/office/drawing/2014/main" id="{83CF1845-FDB7-4B40-9F93-BAAA181BA30A}"/>
+              </a:ext>
+            </a:extLst>
+          </p:cNvPr>
+          <p:cNvSpPr/>
+          <p:nvPr/>
+        </p:nvSpPr>
+        <p:spPr>
+          <a:xfrm>
+            <a:off x="9463672" y="505217"/>
+            <a:ext cx="1800200" cy="690857"/>
+          </a:xfrm>
+          <a:prstGeom prst="rect">
+            <a:avLst/>
+          </a:prstGeom>
+          <a:noFill/>
+          <a:ln>
+            <a:noFill/>
+          </a:ln>
+        </p:spPr>
+        <p:style>
+          <a:lnRef idx="2">
+            <a:schemeClr val="accent1">
+              <a:shade val="50000"/>
+            </a:schemeClr>
+          </a:lnRef>
+          <a:fillRef idx="1">
+            <a:schemeClr val="accent1"/>
+          </a:fillRef>
+          <a:effectRef idx="0">
+            <a:schemeClr val="accent1"/>
+          </a:effectRef>
+          <a:fontRef idx="minor">
+            <a:schemeClr val="lt1"/>
+          </a:fontRef>
+        </p:style>
+        <p:txBody>
+          <a:bodyPr rtlCol="0" anchor="ctr"/>
+          <a:lstStyle/>
+          <a:p>
+            <a:pPr algn="ctr"/>
+            <a:r>
+              <a:rPr lang="es-ES" dirty="0">
+                <a:solidFill>
+                  <a:schemeClr val="tx1"/>
+                </a:solidFill>
+              </a:rPr>
+              <a:t>View </a:t>
+            </a:r>
+            <a:r>
+              <a:rPr lang="es-ES" dirty="0" err="1">
+                <a:solidFill>
+                  <a:schemeClr val="tx1"/>
+                </a:solidFill>
+              </a:rPr>
+              <a:t>doctors</a:t>
+            </a:r>
+            <a:endParaRPr lang="es-ES" dirty="0">
+              <a:solidFill>
+                <a:schemeClr val="tx1"/>
+              </a:solidFill>
+            </a:endParaRPr>
+          </a:p>
+        </p:txBody>
+      </p:sp>
+      <p:sp>
+        <p:nvSpPr>
+          <p:cNvPr id="18" name="Rectángulo 17">
+            <a:extLst>
+              <a:ext uri="{FF2B5EF4-FFF2-40B4-BE49-F238E27FC236}">
+                <a16:creationId xmlns:a16="http://schemas.microsoft.com/office/drawing/2014/main" id="{44C0EA71-00E2-4C96-8793-E6A3C8CDB2D2}"/>
+              </a:ext>
+            </a:extLst>
+          </p:cNvPr>
+          <p:cNvSpPr/>
+          <p:nvPr/>
+        </p:nvSpPr>
+        <p:spPr>
+          <a:xfrm>
+            <a:off x="9449417" y="819479"/>
+            <a:ext cx="1800200" cy="690857"/>
+          </a:xfrm>
+          <a:prstGeom prst="rect">
+            <a:avLst/>
+          </a:prstGeom>
+          <a:noFill/>
+          <a:ln>
+            <a:noFill/>
+          </a:ln>
+        </p:spPr>
+        <p:style>
+          <a:lnRef idx="2">
+            <a:schemeClr val="accent1">
+              <a:shade val="50000"/>
+            </a:schemeClr>
+          </a:lnRef>
+          <a:fillRef idx="1">
+            <a:schemeClr val="accent1"/>
+          </a:fillRef>
+          <a:effectRef idx="0">
+            <a:schemeClr val="accent1"/>
+          </a:effectRef>
+          <a:fontRef idx="minor">
+            <a:schemeClr val="lt1"/>
+          </a:fontRef>
+        </p:style>
+        <p:txBody>
+          <a:bodyPr rtlCol="0" anchor="ctr"/>
+          <a:lstStyle/>
+          <a:p>
+            <a:pPr algn="ctr"/>
+            <a:r>
+              <a:rPr lang="es-ES" dirty="0">
+                <a:solidFill>
+                  <a:schemeClr val="tx1"/>
+                </a:solidFill>
+              </a:rPr>
+              <a:t>View nurses</a:t>
+            </a:r>
+          </a:p>
+        </p:txBody>
+      </p:sp>
+      <p:sp>
+        <p:nvSpPr>
+          <p:cNvPr id="19" name="Rectángulo 18">
+            <a:extLst>
+              <a:ext uri="{FF2B5EF4-FFF2-40B4-BE49-F238E27FC236}">
+                <a16:creationId xmlns:a16="http://schemas.microsoft.com/office/drawing/2014/main" id="{D514F51E-0FB4-4F0D-AD17-A89A4BCA2CC2}"/>
+              </a:ext>
+            </a:extLst>
+          </p:cNvPr>
+          <p:cNvSpPr/>
+          <p:nvPr/>
+        </p:nvSpPr>
+        <p:spPr>
+          <a:xfrm>
+            <a:off x="9508590" y="1132740"/>
+            <a:ext cx="2195385" cy="690857"/>
+          </a:xfrm>
+          <a:prstGeom prst="rect">
+            <a:avLst/>
+          </a:prstGeom>
+          <a:noFill/>
+          <a:ln>
+            <a:noFill/>
+          </a:ln>
+        </p:spPr>
+        <p:style>
+          <a:lnRef idx="2">
+            <a:schemeClr val="accent1">
+              <a:shade val="50000"/>
+            </a:schemeClr>
+          </a:lnRef>
+          <a:fillRef idx="1">
+            <a:schemeClr val="accent1"/>
+          </a:fillRef>
+          <a:effectRef idx="0">
+            <a:schemeClr val="accent1"/>
+          </a:effectRef>
+          <a:fontRef idx="minor">
+            <a:schemeClr val="lt1"/>
+          </a:fontRef>
+        </p:style>
+        <p:txBody>
+          <a:bodyPr rtlCol="0" anchor="ctr"/>
+          <a:lstStyle/>
+          <a:p>
+            <a:pPr algn="ctr"/>
+            <a:r>
+              <a:rPr lang="es-ES" dirty="0" err="1">
+                <a:solidFill>
+                  <a:schemeClr val="tx1"/>
+                </a:solidFill>
+              </a:rPr>
+              <a:t>User</a:t>
+            </a:r>
+            <a:r>
+              <a:rPr lang="es-ES" dirty="0">
+                <a:solidFill>
+                  <a:schemeClr val="tx1"/>
+                </a:solidFill>
+              </a:rPr>
+              <a:t> </a:t>
+            </a:r>
+            <a:r>
+              <a:rPr lang="es-ES" dirty="0" err="1">
+                <a:solidFill>
+                  <a:schemeClr val="tx1"/>
+                </a:solidFill>
+              </a:rPr>
+              <a:t>magagement</a:t>
+            </a:r>
+            <a:endParaRPr lang="es-ES" dirty="0">
+              <a:solidFill>
+                <a:schemeClr val="tx1"/>
+              </a:solidFill>
+            </a:endParaRPr>
+          </a:p>
+        </p:txBody>
+      </p:sp>
+      <p:sp>
+        <p:nvSpPr>
+          <p:cNvPr id="21" name="Abrir llave 20">
+            <a:extLst>
+              <a:ext uri="{FF2B5EF4-FFF2-40B4-BE49-F238E27FC236}">
+                <a16:creationId xmlns:a16="http://schemas.microsoft.com/office/drawing/2014/main" id="{657D6C2B-D3B3-4F7C-832C-B44A78549C0C}"/>
+              </a:ext>
+            </a:extLst>
+          </p:cNvPr>
+          <p:cNvSpPr/>
+          <p:nvPr/>
+        </p:nvSpPr>
+        <p:spPr>
+          <a:xfrm>
+            <a:off x="9585761" y="692696"/>
+            <a:ext cx="86272" cy="1008693"/>
+          </a:xfrm>
+          <a:prstGeom prst="leftBrace">
+            <a:avLst/>
+          </a:prstGeom>
+        </p:spPr>
+        <p:style>
+          <a:lnRef idx="1">
+            <a:schemeClr val="dk1"/>
+          </a:lnRef>
+          <a:fillRef idx="0">
+            <a:schemeClr val="dk1"/>
+          </a:fillRef>
+          <a:effectRef idx="0">
+            <a:schemeClr val="dk1"/>
+          </a:effectRef>
+          <a:fontRef idx="minor">
+            <a:schemeClr val="tx1"/>
+          </a:fontRef>
+        </p:style>
+        <p:txBody>
+          <a:bodyPr rot="0" spcFirstLastPara="0" vertOverflow="overflow" horzOverflow="overflow" vert="horz" wrap="square" lIns="91440" tIns="45720" rIns="91440" bIns="45720" numCol="1" spcCol="0" rtlCol="0" fromWordArt="0" anchor="ctr" anchorCtr="0" forceAA="0" compatLnSpc="1">
+            <a:prstTxWarp prst="textNoShape">
+              <a:avLst/>
+            </a:prstTxWarp>
+            <a:noAutofit/>
+          </a:bodyPr>
+          <a:lstStyle/>
+          <a:p>
+            <a:pPr algn="ctr"/>
+            <a:endParaRPr lang="es-ES">
+              <a:ln w="0"/>
+              <a:effectLst>
+                <a:outerShdw blurRad="38100" dist="19050" dir="2700000" algn="tl" rotWithShape="0">
+                  <a:schemeClr val="dk1">
+                    <a:alpha val="40000"/>
+                  </a:schemeClr>
+                </a:outerShdw>
+              </a:effectLst>
+            </a:endParaRPr>
+          </a:p>
+        </p:txBody>
+      </p:sp>
+      <p:sp>
+        <p:nvSpPr>
+          <p:cNvPr id="22" name="Abrir llave 21">
+            <a:extLst>
+              <a:ext uri="{FF2B5EF4-FFF2-40B4-BE49-F238E27FC236}">
+                <a16:creationId xmlns:a16="http://schemas.microsoft.com/office/drawing/2014/main" id="{F96D8359-3F00-4E8E-80C2-351A1CD92539}"/>
+              </a:ext>
+            </a:extLst>
+          </p:cNvPr>
+          <p:cNvSpPr/>
+          <p:nvPr/>
+        </p:nvSpPr>
+        <p:spPr>
+          <a:xfrm>
+            <a:off x="9605510" y="2026527"/>
+            <a:ext cx="112242" cy="991454"/>
+          </a:xfrm>
+          <a:prstGeom prst="leftBrace">
+            <a:avLst/>
+          </a:prstGeom>
+        </p:spPr>
+        <p:style>
+          <a:lnRef idx="1">
+            <a:schemeClr val="dk1"/>
+          </a:lnRef>
+          <a:fillRef idx="0">
+            <a:schemeClr val="dk1"/>
+          </a:fillRef>
+          <a:effectRef idx="0">
+            <a:schemeClr val="dk1"/>
+          </a:effectRef>
+          <a:fontRef idx="minor">
+            <a:schemeClr val="tx1"/>
+          </a:fontRef>
+        </p:style>
+        <p:txBody>
+          <a:bodyPr rot="0" spcFirstLastPara="0" vertOverflow="overflow" horzOverflow="overflow" vert="horz" wrap="square" lIns="91440" tIns="45720" rIns="91440" bIns="45720" numCol="1" spcCol="0" rtlCol="0" fromWordArt="0" anchor="ctr" anchorCtr="0" forceAA="0" compatLnSpc="1">
+            <a:prstTxWarp prst="textNoShape">
+              <a:avLst/>
+            </a:prstTxWarp>
+            <a:noAutofit/>
+          </a:bodyPr>
+          <a:lstStyle/>
+          <a:p>
+            <a:pPr algn="ctr"/>
+            <a:endParaRPr lang="es-ES">
+              <a:ln w="0"/>
+              <a:effectLst>
+                <a:outerShdw blurRad="38100" dist="19050" dir="2700000" algn="tl" rotWithShape="0">
+                  <a:schemeClr val="dk1">
+                    <a:alpha val="40000"/>
+                  </a:schemeClr>
+                </a:outerShdw>
+              </a:effectLst>
+            </a:endParaRPr>
+          </a:p>
+        </p:txBody>
+      </p:sp>
+      <p:sp>
+        <p:nvSpPr>
+          <p:cNvPr id="23" name="Abrir llave 22">
+            <a:extLst>
+              <a:ext uri="{FF2B5EF4-FFF2-40B4-BE49-F238E27FC236}">
+                <a16:creationId xmlns:a16="http://schemas.microsoft.com/office/drawing/2014/main" id="{18A265A4-9F3B-402D-8C16-EEC7F224E0E5}"/>
+              </a:ext>
+            </a:extLst>
+          </p:cNvPr>
+          <p:cNvSpPr/>
+          <p:nvPr/>
+        </p:nvSpPr>
+        <p:spPr>
+          <a:xfrm>
+            <a:off x="9628897" y="3259717"/>
+            <a:ext cx="72000" cy="690857"/>
+          </a:xfrm>
+          <a:prstGeom prst="leftBrace">
+            <a:avLst/>
+          </a:prstGeom>
+        </p:spPr>
+        <p:style>
+          <a:lnRef idx="1">
+            <a:schemeClr val="dk1"/>
+          </a:lnRef>
+          <a:fillRef idx="0">
+            <a:schemeClr val="dk1"/>
+          </a:fillRef>
+          <a:effectRef idx="0">
+            <a:schemeClr val="dk1"/>
+          </a:effectRef>
+          <a:fontRef idx="minor">
+            <a:schemeClr val="tx1"/>
+          </a:fontRef>
+        </p:style>
+        <p:txBody>
+          <a:bodyPr rot="0" spcFirstLastPara="0" vertOverflow="overflow" horzOverflow="overflow" vert="horz" wrap="square" lIns="91440" tIns="45720" rIns="91440" bIns="45720" numCol="1" spcCol="0" rtlCol="0" fromWordArt="0" anchor="ctr" anchorCtr="0" forceAA="0" compatLnSpc="1">
+            <a:prstTxWarp prst="textNoShape">
+              <a:avLst/>
+            </a:prstTxWarp>
+            <a:noAutofit/>
+          </a:bodyPr>
+          <a:lstStyle/>
+          <a:p>
+            <a:pPr algn="ctr"/>
+            <a:endParaRPr lang="es-ES">
+              <a:ln w="0"/>
+              <a:effectLst>
+                <a:outerShdw blurRad="38100" dist="19050" dir="2700000" algn="tl" rotWithShape="0">
+                  <a:schemeClr val="dk1">
+                    <a:alpha val="40000"/>
+                  </a:schemeClr>
+                </a:outerShdw>
+              </a:effectLst>
+            </a:endParaRPr>
+          </a:p>
+        </p:txBody>
+      </p:sp>
+      <p:sp>
+        <p:nvSpPr>
+          <p:cNvPr id="24" name="Abrir llave 23">
+            <a:extLst>
+              <a:ext uri="{FF2B5EF4-FFF2-40B4-BE49-F238E27FC236}">
+                <a16:creationId xmlns:a16="http://schemas.microsoft.com/office/drawing/2014/main" id="{15BC8454-05BF-4618-83C3-61CFD46A79EA}"/>
+              </a:ext>
+            </a:extLst>
+          </p:cNvPr>
+          <p:cNvSpPr/>
+          <p:nvPr/>
+        </p:nvSpPr>
+        <p:spPr>
+          <a:xfrm>
+            <a:off x="9672033" y="4300920"/>
+            <a:ext cx="45719" cy="404291"/>
+          </a:xfrm>
+          <a:prstGeom prst="leftBrace">
+            <a:avLst/>
+          </a:prstGeom>
+        </p:spPr>
+        <p:style>
+          <a:lnRef idx="1">
+            <a:schemeClr val="dk1"/>
+          </a:lnRef>
+          <a:fillRef idx="0">
+            <a:schemeClr val="dk1"/>
+          </a:fillRef>
+          <a:effectRef idx="0">
+            <a:schemeClr val="dk1"/>
+          </a:effectRef>
+          <a:fontRef idx="minor">
+            <a:schemeClr val="tx1"/>
+          </a:fontRef>
+        </p:style>
+        <p:txBody>
+          <a:bodyPr rot="0" spcFirstLastPara="0" vertOverflow="overflow" horzOverflow="overflow" vert="horz" wrap="square" lIns="91440" tIns="45720" rIns="91440" bIns="45720" numCol="1" spcCol="0" rtlCol="0" fromWordArt="0" anchor="ctr" anchorCtr="0" forceAA="0" compatLnSpc="1">
+            <a:prstTxWarp prst="textNoShape">
+              <a:avLst/>
+            </a:prstTxWarp>
+            <a:noAutofit/>
+          </a:bodyPr>
+          <a:lstStyle/>
+          <a:p>
+            <a:pPr algn="ctr"/>
+            <a:endParaRPr lang="es-ES">
+              <a:ln w="0"/>
+              <a:effectLst>
+                <a:outerShdw blurRad="38100" dist="19050" dir="2700000" algn="tl" rotWithShape="0">
+                  <a:schemeClr val="dk1">
+                    <a:alpha val="40000"/>
+                  </a:schemeClr>
+                </a:outerShdw>
+              </a:effectLst>
+            </a:endParaRPr>
+          </a:p>
+        </p:txBody>
+      </p:sp>
     </p:spTree>
     <p:extLst>
       <p:ext uri="{BB962C8B-B14F-4D97-AF65-F5344CB8AC3E}">
@@ -21472,6 +18649,18 @@
   <p:clrMapOvr>
     <a:masterClrMapping/>
   </p:clrMapOvr>
+  <mc:AlternateContent xmlns:mc="http://schemas.openxmlformats.org/markup-compatibility/2006">
+    <mc:Choice xmlns:p14="http://schemas.microsoft.com/office/powerpoint/2010/main" Requires="p14">
+      <p:transition spd="med" p14:dur="700">
+        <p:fade/>
+      </p:transition>
+    </mc:Choice>
+    <mc:Fallback>
+      <p:transition spd="med">
+        <p:fade/>
+      </p:transition>
+    </mc:Fallback>
+  </mc:AlternateContent>
 </p:sld>
 </file>
 
@@ -21520,8 +18709,8 @@
         </p:blipFill>
         <p:spPr>
           <a:xfrm>
-            <a:off x="3483138" y="156425"/>
-            <a:ext cx="4515990" cy="2952328"/>
+            <a:off x="3719736" y="188640"/>
+            <a:ext cx="4197038" cy="2743813"/>
           </a:xfrm>
           <a:prstGeom prst="rect">
             <a:avLst/>
@@ -21556,8 +18745,8 @@
         </p:blipFill>
         <p:spPr>
           <a:xfrm>
-            <a:off x="309672" y="3176972"/>
-            <a:ext cx="5431461" cy="3564396"/>
+            <a:off x="510935" y="3012849"/>
+            <a:ext cx="4827965" cy="3168352"/>
           </a:xfrm>
           <a:prstGeom prst="rect">
             <a:avLst/>
@@ -21592,8 +18781,8 @@
         </p:blipFill>
         <p:spPr>
           <a:xfrm>
-            <a:off x="6281163" y="3136886"/>
-            <a:ext cx="5287445" cy="3569026"/>
+            <a:off x="6960097" y="3012849"/>
+            <a:ext cx="4827964" cy="3258877"/>
           </a:xfrm>
           <a:prstGeom prst="rect">
             <a:avLst/>
@@ -21614,8 +18803,8 @@
         </p:nvSpPr>
         <p:spPr>
           <a:xfrm>
-            <a:off x="479376" y="3861048"/>
-            <a:ext cx="1584176" cy="360040"/>
+            <a:off x="623392" y="3637516"/>
+            <a:ext cx="1521067" cy="288032"/>
           </a:xfrm>
           <a:prstGeom prst="rect">
             <a:avLst/>
@@ -21670,8 +18859,8 @@
         </p:nvSpPr>
         <p:spPr>
           <a:xfrm>
-            <a:off x="6393146" y="4135343"/>
-            <a:ext cx="1584176" cy="301769"/>
+            <a:off x="7104111" y="3861048"/>
+            <a:ext cx="1368153" cy="301769"/>
           </a:xfrm>
           <a:prstGeom prst="rect">
             <a:avLst/>
@@ -21722,6 +18911,18 @@
   <p:clrMapOvr>
     <a:masterClrMapping/>
   </p:clrMapOvr>
+  <mc:AlternateContent xmlns:mc="http://schemas.openxmlformats.org/markup-compatibility/2006">
+    <mc:Choice xmlns:p14="http://schemas.microsoft.com/office/powerpoint/2010/main" Requires="p14">
+      <p:transition spd="med" p14:dur="700">
+        <p:fade/>
+      </p:transition>
+    </mc:Choice>
+    <mc:Fallback>
+      <p:transition spd="med">
+        <p:fade/>
+      </p:transition>
+    </mc:Fallback>
+  </mc:AlternateContent>
 </p:sld>
 </file>
 
@@ -21770,7 +18971,7 @@
         </p:blipFill>
         <p:spPr>
           <a:xfrm>
-            <a:off x="1127448" y="1412776"/>
+            <a:off x="983432" y="908720"/>
             <a:ext cx="10560496" cy="4514612"/>
           </a:xfrm>
           <a:prstGeom prst="rect">
@@ -21788,6 +18989,18 @@
   <p:clrMapOvr>
     <a:masterClrMapping/>
   </p:clrMapOvr>
+  <mc:AlternateContent xmlns:mc="http://schemas.openxmlformats.org/markup-compatibility/2006">
+    <mc:Choice xmlns:p14="http://schemas.microsoft.com/office/powerpoint/2010/main" Requires="p14">
+      <p:transition spd="med" p14:dur="700">
+        <p:fade/>
+      </p:transition>
+    </mc:Choice>
+    <mc:Fallback>
+      <p:transition spd="med">
+        <p:fade/>
+      </p:transition>
+    </mc:Fallback>
+  </mc:AlternateContent>
 </p:sld>
 </file>
 
@@ -21836,8 +19049,8 @@
         </p:blipFill>
         <p:spPr>
           <a:xfrm>
-            <a:off x="871787" y="3178394"/>
-            <a:ext cx="4752528" cy="3487167"/>
+            <a:off x="490978" y="2815908"/>
+            <a:ext cx="4711151" cy="3456807"/>
           </a:xfrm>
           <a:prstGeom prst="rect">
             <a:avLst/>
@@ -21872,8 +19085,8 @@
         </p:blipFill>
         <p:spPr>
           <a:xfrm>
-            <a:off x="5984355" y="3116703"/>
-            <a:ext cx="6005069" cy="3610548"/>
+            <a:off x="6324853" y="2815908"/>
+            <a:ext cx="5781777" cy="3476294"/>
           </a:xfrm>
           <a:prstGeom prst="rect">
             <a:avLst/>
@@ -21908,8 +19121,8 @@
         </p:blipFill>
         <p:spPr>
           <a:xfrm>
-            <a:off x="3189635" y="154769"/>
-            <a:ext cx="4869360" cy="2897269"/>
+            <a:off x="3503712" y="44632"/>
+            <a:ext cx="4562549" cy="2714716"/>
           </a:xfrm>
           <a:prstGeom prst="rect">
             <a:avLst/>
@@ -21930,8 +19143,8 @@
         </p:nvSpPr>
         <p:spPr>
           <a:xfrm>
-            <a:off x="6076256" y="2348880"/>
-            <a:ext cx="936104" cy="288032"/>
+            <a:off x="6240016" y="2132856"/>
+            <a:ext cx="792088" cy="216024"/>
           </a:xfrm>
           <a:prstGeom prst="rect">
             <a:avLst/>
@@ -21981,13 +19194,15 @@
               </a:ext>
             </a:extLst>
           </p:cNvPr>
-          <p:cNvCxnSpPr/>
+          <p:cNvCxnSpPr>
+            <a:cxnSpLocks/>
+          </p:cNvCxnSpPr>
           <p:nvPr/>
         </p:nvCxnSpPr>
         <p:spPr>
           <a:xfrm flipH="1">
-            <a:off x="5519936" y="2636912"/>
-            <a:ext cx="864096" cy="648072"/>
+            <a:off x="4770081" y="2348880"/>
+            <a:ext cx="1325919" cy="856315"/>
           </a:xfrm>
           <a:prstGeom prst="straightConnector1">
             <a:avLst/>
@@ -22025,8 +19240,8 @@
         </p:nvSpPr>
         <p:spPr>
           <a:xfrm>
-            <a:off x="3503712" y="4741956"/>
-            <a:ext cx="1944216" cy="487243"/>
+            <a:off x="3215680" y="4365104"/>
+            <a:ext cx="1728192" cy="432572"/>
           </a:xfrm>
           <a:prstGeom prst="rect">
             <a:avLst/>
@@ -22076,13 +19291,15 @@
               </a:ext>
             </a:extLst>
           </p:cNvPr>
-          <p:cNvCxnSpPr/>
+          <p:cNvCxnSpPr>
+            <a:cxnSpLocks/>
+          </p:cNvCxnSpPr>
           <p:nvPr/>
         </p:nvCxnSpPr>
         <p:spPr>
           <a:xfrm flipV="1">
-            <a:off x="5447928" y="4941168"/>
-            <a:ext cx="536427" cy="44410"/>
+            <a:off x="5046274" y="4581390"/>
+            <a:ext cx="1409766" cy="7331"/>
           </a:xfrm>
           <a:prstGeom prst="straightConnector1">
             <a:avLst/>
@@ -22116,13 +19333,25 @@
   <p:clrMapOvr>
     <a:masterClrMapping/>
   </p:clrMapOvr>
+  <mc:AlternateContent xmlns:mc="http://schemas.openxmlformats.org/markup-compatibility/2006">
+    <mc:Choice xmlns:p14="http://schemas.microsoft.com/office/powerpoint/2010/main" Requires="p14">
+      <p:transition spd="med" p14:dur="700">
+        <p:fade/>
+      </p:transition>
+    </mc:Choice>
+    <mc:Fallback>
+      <p:transition spd="med">
+        <p:fade/>
+      </p:transition>
+    </mc:Fallback>
+  </mc:AlternateContent>
 </p:sld>
 </file>
 
 <file path=ppt/theme/theme1.xml><?xml version="1.0" encoding="utf-8"?>
-<a:theme xmlns:a="http://schemas.openxmlformats.org/drawingml/2006/main" name="Espiral">
+<a:theme xmlns:a="http://schemas.openxmlformats.org/drawingml/2006/main" name="Retrospección">
   <a:themeElements>
-    <a:clrScheme name="Espiral">
+    <a:clrScheme name="Verde azulado">
       <a:dk1>
         <a:sysClr val="windowText" lastClr="000000"/>
       </a:dk1>
@@ -22130,48 +19359,83 @@
         <a:sysClr val="window" lastClr="FFFFFF"/>
       </a:lt1>
       <a:dk2>
-        <a:srgbClr val="766F54"/>
+        <a:srgbClr val="373545"/>
       </a:dk2>
       <a:lt2>
-        <a:srgbClr val="E3EACF"/>
+        <a:srgbClr val="CEDBE6"/>
       </a:lt2>
       <a:accent1>
-        <a:srgbClr val="A53010"/>
+        <a:srgbClr val="3494BA"/>
       </a:accent1>
       <a:accent2>
-        <a:srgbClr val="DE7E18"/>
+        <a:srgbClr val="58B6C0"/>
       </a:accent2>
       <a:accent3>
-        <a:srgbClr val="9F8351"/>
+        <a:srgbClr val="75BDA7"/>
       </a:accent3>
       <a:accent4>
-        <a:srgbClr val="728653"/>
+        <a:srgbClr val="7A8C8E"/>
       </a:accent4>
       <a:accent5>
-        <a:srgbClr val="92AA4C"/>
+        <a:srgbClr val="84ACB6"/>
       </a:accent5>
       <a:accent6>
-        <a:srgbClr val="6AAC91"/>
+        <a:srgbClr val="2683C6"/>
       </a:accent6>
       <a:hlink>
-        <a:srgbClr val="FB4A18"/>
+        <a:srgbClr val="6B9F25"/>
       </a:hlink>
       <a:folHlink>
-        <a:srgbClr val="FB9318"/>
+        <a:srgbClr val="9F6715"/>
       </a:folHlink>
     </a:clrScheme>
-    <a:fontScheme name="Espiral">
+    <a:fontScheme name="Retrospección">
       <a:majorFont>
-        <a:latin typeface="Century Gothic" panose="020B0502020202020204"/>
+        <a:latin typeface="Calibri Light" panose="020F0302020204030204"/>
         <a:ea typeface=""/>
         <a:cs typeface=""/>
-        <a:font script="Jpan" typeface="メイリオ"/>
-        <a:font script="Hang" typeface="HY중고딕"/>
-        <a:font script="Hans" typeface="幼圆"/>
-        <a:font script="Hant" typeface="微軟正黑體"/>
-        <a:font script="Arab" typeface="Tahoma"/>
-        <a:font script="Hebr" typeface="Gisha"/>
-        <a:font script="Thai" typeface="DilleniaUPC"/>
+        <a:font script="Jpan" typeface="ＭＳ Ｐゴシック"/>
+        <a:font script="Hang" typeface="맑은 고딕"/>
+        <a:font script="Hans" typeface="宋体"/>
+        <a:font script="Hant" typeface="新細明體"/>
+        <a:font script="Arab" typeface="Times New Roman"/>
+        <a:font script="Hebr" typeface="Times New Roman"/>
+        <a:font script="Thai" typeface="Angsana New"/>
+        <a:font script="Ethi" typeface="Nyala"/>
+        <a:font script="Beng" typeface="Vrinda"/>
+        <a:font script="Gujr" typeface="Shruti"/>
+        <a:font script="Khmr" typeface="MoolBoran"/>
+        <a:font script="Knda" typeface="Tunga"/>
+        <a:font script="Guru" typeface="Raavi"/>
+        <a:font script="Cans" typeface="Euphemia"/>
+        <a:font script="Cher" typeface="Plantagenet Cherokee"/>
+        <a:font script="Yiii" typeface="Microsoft Yi Baiti"/>
+        <a:font script="Tibt" typeface="Microsoft Himalaya"/>
+        <a:font script="Thaa" typeface="MV Boli"/>
+        <a:font script="Deva" typeface="Mangal"/>
+        <a:font script="Telu" typeface="Gautami"/>
+        <a:font script="Taml" typeface="Latha"/>
+        <a:font script="Syrc" typeface="Estrangelo Edessa"/>
+        <a:font script="Orya" typeface="Kalinga"/>
+        <a:font script="Mlym" typeface="Kartika"/>
+        <a:font script="Laoo" typeface="DokChampa"/>
+        <a:font script="Sinh" typeface="Iskoola Pota"/>
+        <a:font script="Mong" typeface="Mongolian Baiti"/>
+        <a:font script="Viet" typeface="Times New Roman"/>
+        <a:font script="Uigh" typeface="Microsoft Uighur"/>
+        <a:font script="Geor" typeface="Sylfaen"/>
+      </a:majorFont>
+      <a:minorFont>
+        <a:latin typeface="Calibri" panose="020F0502020204030204"/>
+        <a:ea typeface=""/>
+        <a:cs typeface=""/>
+        <a:font script="Jpan" typeface="ＭＳ Ｐゴシック"/>
+        <a:font script="Hang" typeface="맑은 고딕"/>
+        <a:font script="Hans" typeface="宋体"/>
+        <a:font script="Hant" typeface="新細明體"/>
+        <a:font script="Arab" typeface="Arial"/>
+        <a:font script="Hebr" typeface="Arial"/>
+        <a:font script="Thai" typeface="Cordia New"/>
         <a:font script="Ethi" typeface="Nyala"/>
         <a:font script="Beng" typeface="Vrinda"/>
         <a:font script="Gujr" typeface="Shruti"/>
@@ -22192,91 +19456,91 @@
         <a:font script="Laoo" typeface="DokChampa"/>
         <a:font script="Sinh" typeface="Iskoola Pota"/>
         <a:font script="Mong" typeface="Mongolian Baiti"/>
-        <a:font script="Viet" typeface="Tahoma"/>
-        <a:font script="Uigh" typeface="Microsoft Uighur"/>
-        <a:font script="Geor" typeface="Sylfaen"/>
-      </a:majorFont>
-      <a:minorFont>
-        <a:latin typeface="Century Gothic" panose="020B0502020202020204"/>
-        <a:ea typeface=""/>
-        <a:cs typeface=""/>
-        <a:font script="Jpan" typeface="メイリオ"/>
-        <a:font script="Hang" typeface="HY중고딕"/>
-        <a:font script="Hans" typeface="幼圆"/>
-        <a:font script="Hant" typeface="微軟正黑體"/>
-        <a:font script="Arab" typeface="Tahoma"/>
-        <a:font script="Hebr" typeface="Gisha"/>
-        <a:font script="Thai" typeface="DilleniaUPC"/>
-        <a:font script="Ethi" typeface="Nyala"/>
-        <a:font script="Beng" typeface="Vrinda"/>
-        <a:font script="Gujr" typeface="Shruti"/>
-        <a:font script="Khmr" typeface="DaunPenh"/>
-        <a:font script="Knda" typeface="Tunga"/>
-        <a:font script="Guru" typeface="Raavi"/>
-        <a:font script="Cans" typeface="Euphemia"/>
-        <a:font script="Cher" typeface="Plantagenet Cherokee"/>
-        <a:font script="Yiii" typeface="Microsoft Yi Baiti"/>
-        <a:font script="Tibt" typeface="Microsoft Himalaya"/>
-        <a:font script="Thaa" typeface="MV Boli"/>
-        <a:font script="Deva" typeface="Mangal"/>
-        <a:font script="Telu" typeface="Gautami"/>
-        <a:font script="Taml" typeface="Latha"/>
-        <a:font script="Syrc" typeface="Estrangelo Edessa"/>
-        <a:font script="Orya" typeface="Kalinga"/>
-        <a:font script="Mlym" typeface="Kartika"/>
-        <a:font script="Laoo" typeface="DokChampa"/>
-        <a:font script="Sinh" typeface="Iskoola Pota"/>
-        <a:font script="Mong" typeface="Mongolian Baiti"/>
-        <a:font script="Viet" typeface="Tahoma"/>
+        <a:font script="Viet" typeface="Arial"/>
         <a:font script="Uigh" typeface="Microsoft Uighur"/>
         <a:font script="Geor" typeface="Sylfaen"/>
       </a:minorFont>
     </a:fontScheme>
-    <a:fmtScheme name="Espiral">
+    <a:fmtScheme name="Retrospección">
       <a:fillStyleLst>
         <a:solidFill>
           <a:schemeClr val="phClr"/>
-        </a:solidFill>
-        <a:solidFill>
-          <a:schemeClr val="phClr">
-            <a:tint val="70000"/>
-            <a:lumMod val="104000"/>
-          </a:schemeClr>
         </a:solidFill>
         <a:gradFill rotWithShape="1">
           <a:gsLst>
             <a:gs pos="0">
               <a:schemeClr val="phClr">
-                <a:tint val="96000"/>
-                <a:lumMod val="104000"/>
+                <a:tint val="65000"/>
+                <a:shade val="92000"/>
+                <a:satMod val="130000"/>
+              </a:schemeClr>
+            </a:gs>
+            <a:gs pos="45000">
+              <a:schemeClr val="phClr">
+                <a:tint val="60000"/>
+                <a:shade val="99000"/>
+                <a:satMod val="120000"/>
               </a:schemeClr>
             </a:gs>
             <a:gs pos="100000">
               <a:schemeClr val="phClr">
-                <a:shade val="98000"/>
-                <a:lumMod val="94000"/>
+                <a:tint val="55000"/>
+                <a:satMod val="140000"/>
               </a:schemeClr>
             </a:gs>
           </a:gsLst>
-          <a:lin ang="5400000" scaled="0"/>
+          <a:path path="circle">
+            <a:fillToRect l="100000" t="100000" r="100000" b="100000"/>
+          </a:path>
+        </a:gradFill>
+        <a:gradFill rotWithShape="1">
+          <a:gsLst>
+            <a:gs pos="0">
+              <a:schemeClr val="phClr">
+                <a:shade val="85000"/>
+                <a:satMod val="130000"/>
+              </a:schemeClr>
+            </a:gs>
+            <a:gs pos="34000">
+              <a:schemeClr val="phClr">
+                <a:shade val="87000"/>
+                <a:satMod val="125000"/>
+              </a:schemeClr>
+            </a:gs>
+            <a:gs pos="70000">
+              <a:schemeClr val="phClr">
+                <a:tint val="100000"/>
+                <a:shade val="90000"/>
+                <a:satMod val="130000"/>
+              </a:schemeClr>
+            </a:gs>
+            <a:gs pos="100000">
+              <a:schemeClr val="phClr">
+                <a:tint val="100000"/>
+                <a:shade val="100000"/>
+                <a:satMod val="110000"/>
+              </a:schemeClr>
+            </a:gs>
+          </a:gsLst>
+          <a:path path="circle">
+            <a:fillToRect l="100000" t="100000" r="100000" b="100000"/>
+          </a:path>
         </a:gradFill>
       </a:fillStyleLst>
       <a:lnStyleLst>
-        <a:ln w="9525" cap="rnd" cmpd="sng" algn="ctr">
-          <a:solidFill>
-            <a:schemeClr val="phClr">
-              <a:shade val="90000"/>
-            </a:schemeClr>
-          </a:solidFill>
-          <a:prstDash val="solid"/>
-        </a:ln>
-        <a:ln w="15875" cap="rnd" cmpd="sng" algn="ctr">
+        <a:ln w="12700" cap="flat" cmpd="sng" algn="ctr">
           <a:solidFill>
             <a:schemeClr val="phClr"/>
           </a:solidFill>
           <a:prstDash val="solid"/>
         </a:ln>
-        <a:ln w="22225" cap="rnd" cmpd="sng" algn="ctr">
+        <a:ln w="15875" cap="flat" cmpd="sng" algn="ctr">
+          <a:solidFill>
+            <a:schemeClr val="phClr"/>
+          </a:solidFill>
+          <a:prstDash val="solid"/>
+        </a:ln>
+        <a:ln w="25400" cap="flat" cmpd="sng" algn="ctr">
           <a:solidFill>
             <a:schemeClr val="phClr"/>
           </a:solidFill>
@@ -22289,65 +19553,70 @@
         </a:effectStyle>
         <a:effectStyle>
           <a:effectLst>
-            <a:outerShdw blurRad="38100" dist="25400" dir="5400000" rotWithShape="0">
+            <a:outerShdw blurRad="38100" dist="25400" dir="2700000" algn="br" rotWithShape="0">
               <a:srgbClr val="000000">
-                <a:alpha val="25000"/>
+                <a:alpha val="60000"/>
               </a:srgbClr>
             </a:outerShdw>
           </a:effectLst>
         </a:effectStyle>
         <a:effectStyle>
           <a:effectLst>
-            <a:outerShdw blurRad="50800" dist="38100" dir="5400000" rotWithShape="0">
+            <a:outerShdw blurRad="44450" dist="25400" dir="2700000" algn="br" rotWithShape="0">
               <a:srgbClr val="000000">
                 <a:alpha val="60000"/>
               </a:srgbClr>
             </a:outerShdw>
           </a:effectLst>
+          <a:scene3d>
+            <a:camera prst="orthographicFront">
+              <a:rot lat="0" lon="0" rev="0"/>
+            </a:camera>
+            <a:lightRig rig="threePt" dir="t">
+              <a:rot lat="0" lon="0" rev="19800000"/>
+            </a:lightRig>
+          </a:scene3d>
+          <a:sp3d prstMaterial="flat">
+            <a:bevelT w="25400" h="31750"/>
+          </a:sp3d>
         </a:effectStyle>
       </a:effectStyleLst>
       <a:bgFillStyleLst>
         <a:solidFill>
           <a:schemeClr val="phClr"/>
         </a:solidFill>
+        <a:solidFill>
+          <a:schemeClr val="phClr">
+            <a:tint val="90000"/>
+            <a:shade val="97000"/>
+            <a:satMod val="130000"/>
+          </a:schemeClr>
+        </a:solidFill>
         <a:gradFill rotWithShape="1">
           <a:gsLst>
             <a:gs pos="0">
               <a:schemeClr val="phClr">
-                <a:tint val="90000"/>
-                <a:lumMod val="120000"/>
+                <a:tint val="96000"/>
+                <a:shade val="99000"/>
+                <a:satMod val="140000"/>
+              </a:schemeClr>
+            </a:gs>
+            <a:gs pos="65000">
+              <a:schemeClr val="phClr">
+                <a:tint val="100000"/>
+                <a:shade val="80000"/>
+                <a:satMod val="130000"/>
               </a:schemeClr>
             </a:gs>
             <a:gs pos="100000">
               <a:schemeClr val="phClr">
-                <a:shade val="98000"/>
+                <a:tint val="100000"/>
+                <a:shade val="48000"/>
                 <a:satMod val="120000"/>
-                <a:lumMod val="98000"/>
               </a:schemeClr>
             </a:gs>
           </a:gsLst>
-          <a:lin ang="5400000" scaled="0"/>
-        </a:gradFill>
-        <a:gradFill rotWithShape="1">
-          <a:gsLst>
-            <a:gs pos="0">
-              <a:schemeClr val="phClr">
-                <a:tint val="90000"/>
-                <a:satMod val="92000"/>
-                <a:lumMod val="120000"/>
-              </a:schemeClr>
-            </a:gs>
-            <a:gs pos="100000">
-              <a:schemeClr val="phClr">
-                <a:shade val="98000"/>
-                <a:satMod val="120000"/>
-                <a:lumMod val="98000"/>
-              </a:schemeClr>
-            </a:gs>
-          </a:gsLst>
-          <a:path path="circle">
-            <a:fillToRect l="50000" t="50000" r="100000" b="100000"/>
-          </a:path>
+          <a:lin ang="16200000" scaled="0"/>
         </a:gradFill>
       </a:bgFillStyleLst>
     </a:fmtScheme>
@@ -22356,7 +19625,7 @@
   <a:extraClrSchemeLst/>
   <a:extLst>
     <a:ext uri="{05A4C25C-085E-4340-85A3-A5531E510DB2}">
-      <thm15:themeFamily xmlns:thm15="http://schemas.microsoft.com/office/thememl/2012/main" name="Wisp" id="{7CB32D59-10C0-40DD-B7BD-2E94284A981C}" vid="{24B1A44C-C006-48B2-A4D7-E5549B3D8CD4}"/>
+      <thm15:themeFamily xmlns:thm15="http://schemas.microsoft.com/office/thememl/2012/main" name="Retrospect" id="{5F128B03-DCCA-4EEB-AB3B-CF2899314A46}" vid="{02006FA4-1611-4B07-AF7F-85CF6D20EB3E}"/>
     </a:ext>
   </a:extLst>
 </a:theme>
@@ -22885,132 +20154,6 @@
 </file>
 
 <file path=customXml/item1.xml><?xml version="1.0" encoding="utf-8"?>
-<p:properties xmlns:p="http://schemas.microsoft.com/office/2006/metadata/properties" xmlns:xsi="http://www.w3.org/2001/XMLSchema-instance" xmlns:pc="http://schemas.microsoft.com/office/infopath/2007/PartnerControls">
-  <documentManagement>
-    <DirectSourceMarket xmlns="4873beb7-5857-4685-be1f-d57550cc96cc" xsi:nil="true"/>
-    <ApprovalStatus xmlns="4873beb7-5857-4685-be1f-d57550cc96cc">InProgress</ApprovalStatus>
-    <MarketSpecific xmlns="4873beb7-5857-4685-be1f-d57550cc96cc">false</MarketSpecific>
-    <LocComments xmlns="4873beb7-5857-4685-be1f-d57550cc96cc" xsi:nil="true"/>
-    <ThumbnailAssetId xmlns="4873beb7-5857-4685-be1f-d57550cc96cc" xsi:nil="true"/>
-    <PrimaryImageGen xmlns="4873beb7-5857-4685-be1f-d57550cc96cc">true</PrimaryImageGen>
-    <LegacyData xmlns="4873beb7-5857-4685-be1f-d57550cc96cc" xsi:nil="true"/>
-    <LocRecommendedHandoff xmlns="4873beb7-5857-4685-be1f-d57550cc96cc" xsi:nil="true"/>
-    <BusinessGroup xmlns="4873beb7-5857-4685-be1f-d57550cc96cc" xsi:nil="true"/>
-    <BlockPublish xmlns="4873beb7-5857-4685-be1f-d57550cc96cc">false</BlockPublish>
-    <TPFriendlyName xmlns="4873beb7-5857-4685-be1f-d57550cc96cc" xsi:nil="true"/>
-    <NumericId xmlns="4873beb7-5857-4685-be1f-d57550cc96cc" xsi:nil="true"/>
-    <APEditor xmlns="4873beb7-5857-4685-be1f-d57550cc96cc">
-      <UserInfo>
-        <DisplayName/>
-        <AccountId xsi:nil="true"/>
-        <AccountType/>
-      </UserInfo>
-    </APEditor>
-    <SourceTitle xmlns="4873beb7-5857-4685-be1f-d57550cc96cc" xsi:nil="true"/>
-    <OpenTemplate xmlns="4873beb7-5857-4685-be1f-d57550cc96cc">true</OpenTemplate>
-    <UALocComments xmlns="4873beb7-5857-4685-be1f-d57550cc96cc" xsi:nil="true"/>
-    <ParentAssetId xmlns="4873beb7-5857-4685-be1f-d57550cc96cc" xsi:nil="true"/>
-    <IntlLangReviewDate xmlns="4873beb7-5857-4685-be1f-d57550cc96cc" xsi:nil="true"/>
-    <FeatureTagsTaxHTField0 xmlns="4873beb7-5857-4685-be1f-d57550cc96cc">
-      <Terms xmlns="http://schemas.microsoft.com/office/infopath/2007/PartnerControls"/>
-    </FeatureTagsTaxHTField0>
-    <PublishStatusLookup xmlns="4873beb7-5857-4685-be1f-d57550cc96cc">
-      <Value>1566889</Value>
-    </PublishStatusLookup>
-    <Providers xmlns="4873beb7-5857-4685-be1f-d57550cc96cc" xsi:nil="true"/>
-    <MachineTranslated xmlns="4873beb7-5857-4685-be1f-d57550cc96cc">false</MachineTranslated>
-    <OriginalSourceMarket xmlns="4873beb7-5857-4685-be1f-d57550cc96cc" xsi:nil="true"/>
-    <APDescription xmlns="4873beb7-5857-4685-be1f-d57550cc96cc" xsi:nil="true"/>
-    <ClipArtFilename xmlns="4873beb7-5857-4685-be1f-d57550cc96cc" xsi:nil="true"/>
-    <ContentItem xmlns="4873beb7-5857-4685-be1f-d57550cc96cc" xsi:nil="true"/>
-    <TPInstallLocation xmlns="4873beb7-5857-4685-be1f-d57550cc96cc" xsi:nil="true"/>
-    <PublishTargets xmlns="4873beb7-5857-4685-be1f-d57550cc96cc">OfficeOnlineVNext</PublishTargets>
-    <TimesCloned xmlns="4873beb7-5857-4685-be1f-d57550cc96cc" xsi:nil="true"/>
-    <AssetStart xmlns="4873beb7-5857-4685-be1f-d57550cc96cc">2012-05-23T08:44:00+00:00</AssetStart>
-    <Provider xmlns="4873beb7-5857-4685-be1f-d57550cc96cc" xsi:nil="true"/>
-    <AcquiredFrom xmlns="4873beb7-5857-4685-be1f-d57550cc96cc">Internal MS</AcquiredFrom>
-    <FriendlyTitle xmlns="4873beb7-5857-4685-be1f-d57550cc96cc" xsi:nil="true"/>
-    <LastHandOff xmlns="4873beb7-5857-4685-be1f-d57550cc96cc" xsi:nil="true"/>
-    <TPClientViewer xmlns="4873beb7-5857-4685-be1f-d57550cc96cc" xsi:nil="true"/>
-    <UACurrentWords xmlns="4873beb7-5857-4685-be1f-d57550cc96cc" xsi:nil="true"/>
-    <ArtSampleDocs xmlns="4873beb7-5857-4685-be1f-d57550cc96cc" xsi:nil="true"/>
-    <UALocRecommendation xmlns="4873beb7-5857-4685-be1f-d57550cc96cc">Localize</UALocRecommendation>
-    <Manager xmlns="4873beb7-5857-4685-be1f-d57550cc96cc" xsi:nil="true"/>
-    <ShowIn xmlns="4873beb7-5857-4685-be1f-d57550cc96cc">Show everywhere</ShowIn>
-    <UANotes xmlns="4873beb7-5857-4685-be1f-d57550cc96cc" xsi:nil="true"/>
-    <TemplateStatus xmlns="4873beb7-5857-4685-be1f-d57550cc96cc">Complete</TemplateStatus>
-    <InternalTagsTaxHTField0 xmlns="4873beb7-5857-4685-be1f-d57550cc96cc">
-      <Terms xmlns="http://schemas.microsoft.com/office/infopath/2007/PartnerControls"/>
-    </InternalTagsTaxHTField0>
-    <CSXHash xmlns="4873beb7-5857-4685-be1f-d57550cc96cc" xsi:nil="true"/>
-    <Downloads xmlns="4873beb7-5857-4685-be1f-d57550cc96cc">0</Downloads>
-    <VoteCount xmlns="4873beb7-5857-4685-be1f-d57550cc96cc" xsi:nil="true"/>
-    <OOCacheId xmlns="4873beb7-5857-4685-be1f-d57550cc96cc" xsi:nil="true"/>
-    <IsDeleted xmlns="4873beb7-5857-4685-be1f-d57550cc96cc">false</IsDeleted>
-    <AssetExpire xmlns="4873beb7-5857-4685-be1f-d57550cc96cc">2029-01-01T08:00:00+00:00</AssetExpire>
-    <DSATActionTaken xmlns="4873beb7-5857-4685-be1f-d57550cc96cc" xsi:nil="true"/>
-    <CSXSubmissionMarket xmlns="4873beb7-5857-4685-be1f-d57550cc96cc" xsi:nil="true"/>
-    <TPExecutable xmlns="4873beb7-5857-4685-be1f-d57550cc96cc" xsi:nil="true"/>
-    <SubmitterId xmlns="4873beb7-5857-4685-be1f-d57550cc96cc" xsi:nil="true"/>
-    <EditorialTags xmlns="4873beb7-5857-4685-be1f-d57550cc96cc" xsi:nil="true"/>
-    <ApprovalLog xmlns="4873beb7-5857-4685-be1f-d57550cc96cc" xsi:nil="true"/>
-    <AssetType xmlns="4873beb7-5857-4685-be1f-d57550cc96cc">TP</AssetType>
-    <BugNumber xmlns="4873beb7-5857-4685-be1f-d57550cc96cc" xsi:nil="true"/>
-    <CSXSubmissionDate xmlns="4873beb7-5857-4685-be1f-d57550cc96cc" xsi:nil="true"/>
-    <CSXUpdate xmlns="4873beb7-5857-4685-be1f-d57550cc96cc">false</CSXUpdate>
-    <Milestone xmlns="4873beb7-5857-4685-be1f-d57550cc96cc" xsi:nil="true"/>
-    <RecommendationsModifier xmlns="4873beb7-5857-4685-be1f-d57550cc96cc" xsi:nil="true"/>
-    <OriginAsset xmlns="4873beb7-5857-4685-be1f-d57550cc96cc" xsi:nil="true"/>
-    <TPComponent xmlns="4873beb7-5857-4685-be1f-d57550cc96cc" xsi:nil="true"/>
-    <AssetId xmlns="4873beb7-5857-4685-be1f-d57550cc96cc">TP102901017</AssetId>
-    <IntlLocPriority xmlns="4873beb7-5857-4685-be1f-d57550cc96cc" xsi:nil="true"/>
-    <PolicheckWords xmlns="4873beb7-5857-4685-be1f-d57550cc96cc" xsi:nil="true"/>
-    <TPLaunchHelpLink xmlns="4873beb7-5857-4685-be1f-d57550cc96cc" xsi:nil="true"/>
-    <TPApplication xmlns="4873beb7-5857-4685-be1f-d57550cc96cc" xsi:nil="true"/>
-    <CrawlForDependencies xmlns="4873beb7-5857-4685-be1f-d57550cc96cc">false</CrawlForDependencies>
-    <HandoffToMSDN xmlns="4873beb7-5857-4685-be1f-d57550cc96cc" xsi:nil="true"/>
-    <PlannedPubDate xmlns="4873beb7-5857-4685-be1f-d57550cc96cc" xsi:nil="true"/>
-    <IntlLangReviewer xmlns="4873beb7-5857-4685-be1f-d57550cc96cc" xsi:nil="true"/>
-    <TrustLevel xmlns="4873beb7-5857-4685-be1f-d57550cc96cc">1 Microsoft Managed Content</TrustLevel>
-    <LocLastLocAttemptVersionLookup xmlns="4873beb7-5857-4685-be1f-d57550cc96cc">836753</LocLastLocAttemptVersionLookup>
-    <IsSearchable xmlns="4873beb7-5857-4685-be1f-d57550cc96cc">true</IsSearchable>
-    <TemplateTemplateType xmlns="4873beb7-5857-4685-be1f-d57550cc96cc">PowerPoint Design Template</TemplateTemplateType>
-    <CampaignTagsTaxHTField0 xmlns="4873beb7-5857-4685-be1f-d57550cc96cc">
-      <Terms xmlns="http://schemas.microsoft.com/office/infopath/2007/PartnerControls"/>
-    </CampaignTagsTaxHTField0>
-    <TPNamespace xmlns="4873beb7-5857-4685-be1f-d57550cc96cc" xsi:nil="true"/>
-    <TaxCatchAll xmlns="4873beb7-5857-4685-be1f-d57550cc96cc"/>
-    <Markets xmlns="4873beb7-5857-4685-be1f-d57550cc96cc"/>
-    <UAProjectedTotalWords xmlns="4873beb7-5857-4685-be1f-d57550cc96cc" xsi:nil="true"/>
-    <IntlLangReview xmlns="4873beb7-5857-4685-be1f-d57550cc96cc">false</IntlLangReview>
-    <OutputCachingOn xmlns="4873beb7-5857-4685-be1f-d57550cc96cc">false</OutputCachingOn>
-    <AverageRating xmlns="4873beb7-5857-4685-be1f-d57550cc96cc" xsi:nil="true"/>
-    <APAuthor xmlns="4873beb7-5857-4685-be1f-d57550cc96cc">
-      <UserInfo>
-        <DisplayName>REDMOND\v-anij</DisplayName>
-        <AccountId>2469</AccountId>
-        <AccountType/>
-      </UserInfo>
-    </APAuthor>
-    <LocManualTestRequired xmlns="4873beb7-5857-4685-be1f-d57550cc96cc">false</LocManualTestRequired>
-    <TPCommandLine xmlns="4873beb7-5857-4685-be1f-d57550cc96cc" xsi:nil="true"/>
-    <TPAppVersion xmlns="4873beb7-5857-4685-be1f-d57550cc96cc" xsi:nil="true"/>
-    <EditorialStatus xmlns="4873beb7-5857-4685-be1f-d57550cc96cc">Complete</EditorialStatus>
-    <LastModifiedDateTime xmlns="4873beb7-5857-4685-be1f-d57550cc96cc" xsi:nil="true"/>
-    <ScenarioTagsTaxHTField0 xmlns="4873beb7-5857-4685-be1f-d57550cc96cc">
-      <Terms xmlns="http://schemas.microsoft.com/office/infopath/2007/PartnerControls"/>
-    </ScenarioTagsTaxHTField0>
-    <OriginalRelease xmlns="4873beb7-5857-4685-be1f-d57550cc96cc">15</OriginalRelease>
-    <TPLaunchHelpLinkType xmlns="4873beb7-5857-4685-be1f-d57550cc96cc">Template</TPLaunchHelpLinkType>
-    <LocalizationTagsTaxHTField0 xmlns="4873beb7-5857-4685-be1f-d57550cc96cc">
-      <Terms xmlns="http://schemas.microsoft.com/office/infopath/2007/PartnerControls"/>
-    </LocalizationTagsTaxHTField0>
-    <LocMarketGroupTiers2 xmlns="4873beb7-5857-4685-be1f-d57550cc96cc" xsi:nil="true"/>
-  </documentManagement>
-</p:properties>
-</file>
-
-<file path=customXml/item2.xml><?xml version="1.0" encoding="utf-8"?>
 <ct:contentTypeSchema xmlns:ct="http://schemas.microsoft.com/office/2006/metadata/contentType" xmlns:ma="http://schemas.microsoft.com/office/2006/metadata/properties/metaAttributes" ct:_="" ma:_="" ma:contentTypeName="TemplateFile" ma:contentTypeID="0x0101006EDDDB5EE6D98C44930B742096920B300400F5B6D36B3EF94B4E9A635CDF2A18F5B8" ma:contentTypeVersion="72" ma:contentTypeDescription="Create a new document." ma:contentTypeScope="" ma:versionID="a23e56308344d904b51738559c3d67c9">
   <xsd:schema xmlns:xsd="http://www.w3.org/2001/XMLSchema" xmlns:xs="http://www.w3.org/2001/XMLSchema" xmlns:p="http://schemas.microsoft.com/office/2006/metadata/properties" xmlns:ns2="4873beb7-5857-4685-be1f-d57550cc96cc" targetNamespace="http://schemas.microsoft.com/office/2006/metadata/properties" ma:root="true" ma:fieldsID="cd0908cc4600e77bf5da051303e00c8d" ns2:_="">
     <xsd:import namespace="4873beb7-5857-4685-be1f-d57550cc96cc"/>
@@ -24050,6 +21193,132 @@
 </ct:contentTypeSchema>
 </file>
 
+<file path=customXml/item2.xml><?xml version="1.0" encoding="utf-8"?>
+<p:properties xmlns:p="http://schemas.microsoft.com/office/2006/metadata/properties" xmlns:xsi="http://www.w3.org/2001/XMLSchema-instance" xmlns:pc="http://schemas.microsoft.com/office/infopath/2007/PartnerControls">
+  <documentManagement>
+    <DirectSourceMarket xmlns="4873beb7-5857-4685-be1f-d57550cc96cc" xsi:nil="true"/>
+    <ApprovalStatus xmlns="4873beb7-5857-4685-be1f-d57550cc96cc">InProgress</ApprovalStatus>
+    <MarketSpecific xmlns="4873beb7-5857-4685-be1f-d57550cc96cc">false</MarketSpecific>
+    <LocComments xmlns="4873beb7-5857-4685-be1f-d57550cc96cc" xsi:nil="true"/>
+    <ThumbnailAssetId xmlns="4873beb7-5857-4685-be1f-d57550cc96cc" xsi:nil="true"/>
+    <PrimaryImageGen xmlns="4873beb7-5857-4685-be1f-d57550cc96cc">true</PrimaryImageGen>
+    <LegacyData xmlns="4873beb7-5857-4685-be1f-d57550cc96cc" xsi:nil="true"/>
+    <LocRecommendedHandoff xmlns="4873beb7-5857-4685-be1f-d57550cc96cc" xsi:nil="true"/>
+    <BusinessGroup xmlns="4873beb7-5857-4685-be1f-d57550cc96cc" xsi:nil="true"/>
+    <BlockPublish xmlns="4873beb7-5857-4685-be1f-d57550cc96cc">false</BlockPublish>
+    <TPFriendlyName xmlns="4873beb7-5857-4685-be1f-d57550cc96cc" xsi:nil="true"/>
+    <NumericId xmlns="4873beb7-5857-4685-be1f-d57550cc96cc" xsi:nil="true"/>
+    <APEditor xmlns="4873beb7-5857-4685-be1f-d57550cc96cc">
+      <UserInfo>
+        <DisplayName/>
+        <AccountId xsi:nil="true"/>
+        <AccountType/>
+      </UserInfo>
+    </APEditor>
+    <SourceTitle xmlns="4873beb7-5857-4685-be1f-d57550cc96cc" xsi:nil="true"/>
+    <OpenTemplate xmlns="4873beb7-5857-4685-be1f-d57550cc96cc">true</OpenTemplate>
+    <UALocComments xmlns="4873beb7-5857-4685-be1f-d57550cc96cc" xsi:nil="true"/>
+    <ParentAssetId xmlns="4873beb7-5857-4685-be1f-d57550cc96cc" xsi:nil="true"/>
+    <IntlLangReviewDate xmlns="4873beb7-5857-4685-be1f-d57550cc96cc" xsi:nil="true"/>
+    <FeatureTagsTaxHTField0 xmlns="4873beb7-5857-4685-be1f-d57550cc96cc">
+      <Terms xmlns="http://schemas.microsoft.com/office/infopath/2007/PartnerControls"/>
+    </FeatureTagsTaxHTField0>
+    <PublishStatusLookup xmlns="4873beb7-5857-4685-be1f-d57550cc96cc">
+      <Value>1566889</Value>
+    </PublishStatusLookup>
+    <Providers xmlns="4873beb7-5857-4685-be1f-d57550cc96cc" xsi:nil="true"/>
+    <MachineTranslated xmlns="4873beb7-5857-4685-be1f-d57550cc96cc">false</MachineTranslated>
+    <OriginalSourceMarket xmlns="4873beb7-5857-4685-be1f-d57550cc96cc" xsi:nil="true"/>
+    <APDescription xmlns="4873beb7-5857-4685-be1f-d57550cc96cc" xsi:nil="true"/>
+    <ClipArtFilename xmlns="4873beb7-5857-4685-be1f-d57550cc96cc" xsi:nil="true"/>
+    <ContentItem xmlns="4873beb7-5857-4685-be1f-d57550cc96cc" xsi:nil="true"/>
+    <TPInstallLocation xmlns="4873beb7-5857-4685-be1f-d57550cc96cc" xsi:nil="true"/>
+    <PublishTargets xmlns="4873beb7-5857-4685-be1f-d57550cc96cc">OfficeOnlineVNext</PublishTargets>
+    <TimesCloned xmlns="4873beb7-5857-4685-be1f-d57550cc96cc" xsi:nil="true"/>
+    <AssetStart xmlns="4873beb7-5857-4685-be1f-d57550cc96cc">2012-05-23T08:44:00+00:00</AssetStart>
+    <Provider xmlns="4873beb7-5857-4685-be1f-d57550cc96cc" xsi:nil="true"/>
+    <AcquiredFrom xmlns="4873beb7-5857-4685-be1f-d57550cc96cc">Internal MS</AcquiredFrom>
+    <FriendlyTitle xmlns="4873beb7-5857-4685-be1f-d57550cc96cc" xsi:nil="true"/>
+    <LastHandOff xmlns="4873beb7-5857-4685-be1f-d57550cc96cc" xsi:nil="true"/>
+    <TPClientViewer xmlns="4873beb7-5857-4685-be1f-d57550cc96cc" xsi:nil="true"/>
+    <UACurrentWords xmlns="4873beb7-5857-4685-be1f-d57550cc96cc" xsi:nil="true"/>
+    <ArtSampleDocs xmlns="4873beb7-5857-4685-be1f-d57550cc96cc" xsi:nil="true"/>
+    <UALocRecommendation xmlns="4873beb7-5857-4685-be1f-d57550cc96cc">Localize</UALocRecommendation>
+    <Manager xmlns="4873beb7-5857-4685-be1f-d57550cc96cc" xsi:nil="true"/>
+    <ShowIn xmlns="4873beb7-5857-4685-be1f-d57550cc96cc">Show everywhere</ShowIn>
+    <UANotes xmlns="4873beb7-5857-4685-be1f-d57550cc96cc" xsi:nil="true"/>
+    <TemplateStatus xmlns="4873beb7-5857-4685-be1f-d57550cc96cc">Complete</TemplateStatus>
+    <InternalTagsTaxHTField0 xmlns="4873beb7-5857-4685-be1f-d57550cc96cc">
+      <Terms xmlns="http://schemas.microsoft.com/office/infopath/2007/PartnerControls"/>
+    </InternalTagsTaxHTField0>
+    <CSXHash xmlns="4873beb7-5857-4685-be1f-d57550cc96cc" xsi:nil="true"/>
+    <Downloads xmlns="4873beb7-5857-4685-be1f-d57550cc96cc">0</Downloads>
+    <VoteCount xmlns="4873beb7-5857-4685-be1f-d57550cc96cc" xsi:nil="true"/>
+    <OOCacheId xmlns="4873beb7-5857-4685-be1f-d57550cc96cc" xsi:nil="true"/>
+    <IsDeleted xmlns="4873beb7-5857-4685-be1f-d57550cc96cc">false</IsDeleted>
+    <AssetExpire xmlns="4873beb7-5857-4685-be1f-d57550cc96cc">2029-01-01T08:00:00+00:00</AssetExpire>
+    <DSATActionTaken xmlns="4873beb7-5857-4685-be1f-d57550cc96cc" xsi:nil="true"/>
+    <CSXSubmissionMarket xmlns="4873beb7-5857-4685-be1f-d57550cc96cc" xsi:nil="true"/>
+    <TPExecutable xmlns="4873beb7-5857-4685-be1f-d57550cc96cc" xsi:nil="true"/>
+    <SubmitterId xmlns="4873beb7-5857-4685-be1f-d57550cc96cc" xsi:nil="true"/>
+    <EditorialTags xmlns="4873beb7-5857-4685-be1f-d57550cc96cc" xsi:nil="true"/>
+    <ApprovalLog xmlns="4873beb7-5857-4685-be1f-d57550cc96cc" xsi:nil="true"/>
+    <AssetType xmlns="4873beb7-5857-4685-be1f-d57550cc96cc">TP</AssetType>
+    <BugNumber xmlns="4873beb7-5857-4685-be1f-d57550cc96cc" xsi:nil="true"/>
+    <CSXSubmissionDate xmlns="4873beb7-5857-4685-be1f-d57550cc96cc" xsi:nil="true"/>
+    <CSXUpdate xmlns="4873beb7-5857-4685-be1f-d57550cc96cc">false</CSXUpdate>
+    <Milestone xmlns="4873beb7-5857-4685-be1f-d57550cc96cc" xsi:nil="true"/>
+    <RecommendationsModifier xmlns="4873beb7-5857-4685-be1f-d57550cc96cc" xsi:nil="true"/>
+    <OriginAsset xmlns="4873beb7-5857-4685-be1f-d57550cc96cc" xsi:nil="true"/>
+    <TPComponent xmlns="4873beb7-5857-4685-be1f-d57550cc96cc" xsi:nil="true"/>
+    <AssetId xmlns="4873beb7-5857-4685-be1f-d57550cc96cc">TP102901017</AssetId>
+    <IntlLocPriority xmlns="4873beb7-5857-4685-be1f-d57550cc96cc" xsi:nil="true"/>
+    <PolicheckWords xmlns="4873beb7-5857-4685-be1f-d57550cc96cc" xsi:nil="true"/>
+    <TPLaunchHelpLink xmlns="4873beb7-5857-4685-be1f-d57550cc96cc" xsi:nil="true"/>
+    <TPApplication xmlns="4873beb7-5857-4685-be1f-d57550cc96cc" xsi:nil="true"/>
+    <CrawlForDependencies xmlns="4873beb7-5857-4685-be1f-d57550cc96cc">false</CrawlForDependencies>
+    <HandoffToMSDN xmlns="4873beb7-5857-4685-be1f-d57550cc96cc" xsi:nil="true"/>
+    <PlannedPubDate xmlns="4873beb7-5857-4685-be1f-d57550cc96cc" xsi:nil="true"/>
+    <IntlLangReviewer xmlns="4873beb7-5857-4685-be1f-d57550cc96cc" xsi:nil="true"/>
+    <TrustLevel xmlns="4873beb7-5857-4685-be1f-d57550cc96cc">1 Microsoft Managed Content</TrustLevel>
+    <LocLastLocAttemptVersionLookup xmlns="4873beb7-5857-4685-be1f-d57550cc96cc">836753</LocLastLocAttemptVersionLookup>
+    <IsSearchable xmlns="4873beb7-5857-4685-be1f-d57550cc96cc">true</IsSearchable>
+    <TemplateTemplateType xmlns="4873beb7-5857-4685-be1f-d57550cc96cc">PowerPoint Design Template</TemplateTemplateType>
+    <CampaignTagsTaxHTField0 xmlns="4873beb7-5857-4685-be1f-d57550cc96cc">
+      <Terms xmlns="http://schemas.microsoft.com/office/infopath/2007/PartnerControls"/>
+    </CampaignTagsTaxHTField0>
+    <TPNamespace xmlns="4873beb7-5857-4685-be1f-d57550cc96cc" xsi:nil="true"/>
+    <TaxCatchAll xmlns="4873beb7-5857-4685-be1f-d57550cc96cc"/>
+    <Markets xmlns="4873beb7-5857-4685-be1f-d57550cc96cc"/>
+    <UAProjectedTotalWords xmlns="4873beb7-5857-4685-be1f-d57550cc96cc" xsi:nil="true"/>
+    <IntlLangReview xmlns="4873beb7-5857-4685-be1f-d57550cc96cc">false</IntlLangReview>
+    <OutputCachingOn xmlns="4873beb7-5857-4685-be1f-d57550cc96cc">false</OutputCachingOn>
+    <AverageRating xmlns="4873beb7-5857-4685-be1f-d57550cc96cc" xsi:nil="true"/>
+    <APAuthor xmlns="4873beb7-5857-4685-be1f-d57550cc96cc">
+      <UserInfo>
+        <DisplayName>REDMOND\v-anij</DisplayName>
+        <AccountId>2469</AccountId>
+        <AccountType/>
+      </UserInfo>
+    </APAuthor>
+    <LocManualTestRequired xmlns="4873beb7-5857-4685-be1f-d57550cc96cc">false</LocManualTestRequired>
+    <TPCommandLine xmlns="4873beb7-5857-4685-be1f-d57550cc96cc" xsi:nil="true"/>
+    <TPAppVersion xmlns="4873beb7-5857-4685-be1f-d57550cc96cc" xsi:nil="true"/>
+    <EditorialStatus xmlns="4873beb7-5857-4685-be1f-d57550cc96cc">Complete</EditorialStatus>
+    <LastModifiedDateTime xmlns="4873beb7-5857-4685-be1f-d57550cc96cc" xsi:nil="true"/>
+    <ScenarioTagsTaxHTField0 xmlns="4873beb7-5857-4685-be1f-d57550cc96cc">
+      <Terms xmlns="http://schemas.microsoft.com/office/infopath/2007/PartnerControls"/>
+    </ScenarioTagsTaxHTField0>
+    <OriginalRelease xmlns="4873beb7-5857-4685-be1f-d57550cc96cc">15</OriginalRelease>
+    <TPLaunchHelpLinkType xmlns="4873beb7-5857-4685-be1f-d57550cc96cc">Template</TPLaunchHelpLinkType>
+    <LocalizationTagsTaxHTField0 xmlns="4873beb7-5857-4685-be1f-d57550cc96cc">
+      <Terms xmlns="http://schemas.microsoft.com/office/infopath/2007/PartnerControls"/>
+    </LocalizationTagsTaxHTField0>
+    <LocMarketGroupTiers2 xmlns="4873beb7-5857-4685-be1f-d57550cc96cc" xsi:nil="true"/>
+  </documentManagement>
+</p:properties>
+</file>
+
 <file path=customXml/item3.xml><?xml version="1.0" encoding="utf-8"?>
 <?mso-contentType ?>
 <FormTemplates xmlns="http://schemas.microsoft.com/sharepoint/v3/contenttype/forms">
@@ -24060,22 +21329,6 @@
 </file>
 
 <file path=customXml/itemProps1.xml><?xml version="1.0" encoding="utf-8"?>
-<ds:datastoreItem xmlns:ds="http://schemas.openxmlformats.org/officeDocument/2006/customXml" ds:itemID="{04098515-0C12-46CF-BC7C-69B4A13CD5FA}">
-  <ds:schemaRefs>
-    <ds:schemaRef ds:uri="http://purl.org/dc/terms/"/>
-    <ds:schemaRef ds:uri="http://schemas.microsoft.com/office/infopath/2007/PartnerControls"/>
-    <ds:schemaRef ds:uri="http://schemas.microsoft.com/office/2006/documentManagement/types"/>
-    <ds:schemaRef ds:uri="http://purl.org/dc/elements/1.1/"/>
-    <ds:schemaRef ds:uri="http://schemas.microsoft.com/office/2006/metadata/properties"/>
-    <ds:schemaRef ds:uri="4873beb7-5857-4685-be1f-d57550cc96cc"/>
-    <ds:schemaRef ds:uri="http://schemas.openxmlformats.org/package/2006/metadata/core-properties"/>
-    <ds:schemaRef ds:uri="http://www.w3.org/XML/1998/namespace"/>
-    <ds:schemaRef ds:uri="http://purl.org/dc/dcmitype/"/>
-  </ds:schemaRefs>
-</ds:datastoreItem>
-</file>
-
-<file path=customXml/itemProps2.xml><?xml version="1.0" encoding="utf-8"?>
 <ds:datastoreItem xmlns:ds="http://schemas.openxmlformats.org/officeDocument/2006/customXml" ds:itemID="{0B5C6E15-39DC-470B-9445-F754B9458020}">
   <ds:schemaRefs>
     <ds:schemaRef ds:uri="http://schemas.microsoft.com/office/2006/metadata/contentType"/>
@@ -24093,6 +21346,22 @@
 </ds:datastoreItem>
 </file>
 
+<file path=customXml/itemProps2.xml><?xml version="1.0" encoding="utf-8"?>
+<ds:datastoreItem xmlns:ds="http://schemas.openxmlformats.org/officeDocument/2006/customXml" ds:itemID="{04098515-0C12-46CF-BC7C-69B4A13CD5FA}">
+  <ds:schemaRefs>
+    <ds:schemaRef ds:uri="http://purl.org/dc/terms/"/>
+    <ds:schemaRef ds:uri="http://schemas.microsoft.com/office/infopath/2007/PartnerControls"/>
+    <ds:schemaRef ds:uri="http://schemas.microsoft.com/office/2006/documentManagement/types"/>
+    <ds:schemaRef ds:uri="http://purl.org/dc/elements/1.1/"/>
+    <ds:schemaRef ds:uri="http://schemas.microsoft.com/office/2006/metadata/properties"/>
+    <ds:schemaRef ds:uri="4873beb7-5857-4685-be1f-d57550cc96cc"/>
+    <ds:schemaRef ds:uri="http://schemas.openxmlformats.org/package/2006/metadata/core-properties"/>
+    <ds:schemaRef ds:uri="http://www.w3.org/XML/1998/namespace"/>
+    <ds:schemaRef ds:uri="http://purl.org/dc/dcmitype/"/>
+  </ds:schemaRefs>
+</ds:datastoreItem>
+</file>
+
 <file path=customXml/itemProps3.xml><?xml version="1.0" encoding="utf-8"?>
 <ds:datastoreItem xmlns:ds="http://schemas.openxmlformats.org/officeDocument/2006/customXml" ds:itemID="{746CFF6F-D9AA-4BC0-911A-0A1356771912}">
   <ds:schemaRefs>
